--- a/documents/DS620 presentation.pptx
+++ b/documents/DS620 presentation.pptx
@@ -114,6 +114,11 @@
       </a:defRPr>
     </a:lvl9pPr>
   </p:defaultTextStyle>
+  <p:extLst>
+    <p:ext uri="{EFAFB233-063F-42B5-8137-9DF3F51BA10A}">
+      <p15:sldGuideLst xmlns:p15="http://schemas.microsoft.com/office/powerpoint/2012/main"/>
+    </p:ext>
+  </p:extLst>
 </p:presentation>
 </file>
 
@@ -159,10 +164,9 @@
           </a:lstStyle>
           <a:p>
             <a:r>
-              <a:rPr lang="en-US" smtClean="0"/>
+              <a:rPr lang="en-US"/>
               <a:t>Click to edit Master title style</a:t>
             </a:r>
-            <a:endParaRPr lang="en-US"/>
           </a:p>
         </p:txBody>
       </p:sp>
@@ -224,10 +228,9 @@
           </a:lstStyle>
           <a:p>
             <a:r>
-              <a:rPr lang="en-US" smtClean="0"/>
+              <a:rPr lang="en-US"/>
               <a:t>Click to edit Master subtitle style</a:t>
             </a:r>
-            <a:endParaRPr lang="en-US"/>
           </a:p>
         </p:txBody>
       </p:sp>
@@ -248,7 +251,7 @@
           <a:p>
             <a:fld id="{0EC4D967-AA5F-D149-AB1F-37E5C06BAA11}" type="datetimeFigureOut">
               <a:rPr lang="en-US" smtClean="0"/>
-              <a:t>11/2/18</a:t>
+              <a:t>11/2/2018</a:t>
             </a:fld>
             <a:endParaRPr lang="en-US"/>
           </a:p>
@@ -342,10 +345,9 @@
           <a:lstStyle/>
           <a:p>
             <a:r>
-              <a:rPr lang="en-US" smtClean="0"/>
+              <a:rPr lang="en-US"/>
               <a:t>Click to edit Master title style</a:t>
             </a:r>
-            <a:endParaRPr lang="en-US"/>
           </a:p>
         </p:txBody>
       </p:sp>
@@ -366,38 +368,37 @@
           <a:p>
             <a:pPr lvl="0"/>
             <a:r>
-              <a:rPr lang="en-US" smtClean="0"/>
+              <a:rPr lang="en-US"/>
               <a:t>Click to edit Master text styles</a:t>
             </a:r>
           </a:p>
           <a:p>
             <a:pPr lvl="1"/>
             <a:r>
-              <a:rPr lang="en-US" smtClean="0"/>
+              <a:rPr lang="en-US"/>
               <a:t>Second level</a:t>
             </a:r>
           </a:p>
           <a:p>
             <a:pPr lvl="2"/>
             <a:r>
-              <a:rPr lang="en-US" smtClean="0"/>
+              <a:rPr lang="en-US"/>
               <a:t>Third level</a:t>
             </a:r>
           </a:p>
           <a:p>
             <a:pPr lvl="3"/>
             <a:r>
-              <a:rPr lang="en-US" smtClean="0"/>
+              <a:rPr lang="en-US"/>
               <a:t>Fourth level</a:t>
             </a:r>
           </a:p>
           <a:p>
             <a:pPr lvl="4"/>
             <a:r>
-              <a:rPr lang="en-US" smtClean="0"/>
+              <a:rPr lang="en-US"/>
               <a:t>Fifth level</a:t>
             </a:r>
-            <a:endParaRPr lang="en-US"/>
           </a:p>
         </p:txBody>
       </p:sp>
@@ -418,7 +419,7 @@
           <a:p>
             <a:fld id="{0EC4D967-AA5F-D149-AB1F-37E5C06BAA11}" type="datetimeFigureOut">
               <a:rPr lang="en-US" smtClean="0"/>
-              <a:t>11/2/18</a:t>
+              <a:t>11/2/2018</a:t>
             </a:fld>
             <a:endParaRPr lang="en-US"/>
           </a:p>
@@ -517,10 +518,9 @@
           <a:lstStyle/>
           <a:p>
             <a:r>
-              <a:rPr lang="en-US" smtClean="0"/>
+              <a:rPr lang="en-US"/>
               <a:t>Click to edit Master title style</a:t>
             </a:r>
-            <a:endParaRPr lang="en-US"/>
           </a:p>
         </p:txBody>
       </p:sp>
@@ -546,38 +546,37 @@
           <a:p>
             <a:pPr lvl="0"/>
             <a:r>
-              <a:rPr lang="en-US" smtClean="0"/>
+              <a:rPr lang="en-US"/>
               <a:t>Click to edit Master text styles</a:t>
             </a:r>
           </a:p>
           <a:p>
             <a:pPr lvl="1"/>
             <a:r>
-              <a:rPr lang="en-US" smtClean="0"/>
+              <a:rPr lang="en-US"/>
               <a:t>Second level</a:t>
             </a:r>
           </a:p>
           <a:p>
             <a:pPr lvl="2"/>
             <a:r>
-              <a:rPr lang="en-US" smtClean="0"/>
+              <a:rPr lang="en-US"/>
               <a:t>Third level</a:t>
             </a:r>
           </a:p>
           <a:p>
             <a:pPr lvl="3"/>
             <a:r>
-              <a:rPr lang="en-US" smtClean="0"/>
+              <a:rPr lang="en-US"/>
               <a:t>Fourth level</a:t>
             </a:r>
           </a:p>
           <a:p>
             <a:pPr lvl="4"/>
             <a:r>
-              <a:rPr lang="en-US" smtClean="0"/>
+              <a:rPr lang="en-US"/>
               <a:t>Fifth level</a:t>
             </a:r>
-            <a:endParaRPr lang="en-US"/>
           </a:p>
         </p:txBody>
       </p:sp>
@@ -598,7 +597,7 @@
           <a:p>
             <a:fld id="{0EC4D967-AA5F-D149-AB1F-37E5C06BAA11}" type="datetimeFigureOut">
               <a:rPr lang="en-US" smtClean="0"/>
-              <a:t>11/2/18</a:t>
+              <a:t>11/2/2018</a:t>
             </a:fld>
             <a:endParaRPr lang="en-US"/>
           </a:p>
@@ -692,10 +691,9 @@
           <a:lstStyle/>
           <a:p>
             <a:r>
-              <a:rPr lang="en-US" smtClean="0"/>
+              <a:rPr lang="en-US"/>
               <a:t>Click to edit Master title style</a:t>
             </a:r>
-            <a:endParaRPr lang="en-US"/>
           </a:p>
         </p:txBody>
       </p:sp>
@@ -716,38 +714,37 @@
           <a:p>
             <a:pPr lvl="0"/>
             <a:r>
-              <a:rPr lang="en-US" smtClean="0"/>
+              <a:rPr lang="en-US"/>
               <a:t>Click to edit Master text styles</a:t>
             </a:r>
           </a:p>
           <a:p>
             <a:pPr lvl="1"/>
             <a:r>
-              <a:rPr lang="en-US" smtClean="0"/>
+              <a:rPr lang="en-US"/>
               <a:t>Second level</a:t>
             </a:r>
           </a:p>
           <a:p>
             <a:pPr lvl="2"/>
             <a:r>
-              <a:rPr lang="en-US" smtClean="0"/>
+              <a:rPr lang="en-US"/>
               <a:t>Third level</a:t>
             </a:r>
           </a:p>
           <a:p>
             <a:pPr lvl="3"/>
             <a:r>
-              <a:rPr lang="en-US" smtClean="0"/>
+              <a:rPr lang="en-US"/>
               <a:t>Fourth level</a:t>
             </a:r>
           </a:p>
           <a:p>
             <a:pPr lvl="4"/>
             <a:r>
-              <a:rPr lang="en-US" smtClean="0"/>
+              <a:rPr lang="en-US"/>
               <a:t>Fifth level</a:t>
             </a:r>
-            <a:endParaRPr lang="en-US"/>
           </a:p>
         </p:txBody>
       </p:sp>
@@ -768,7 +765,7 @@
           <a:p>
             <a:fld id="{0EC4D967-AA5F-D149-AB1F-37E5C06BAA11}" type="datetimeFigureOut">
               <a:rPr lang="en-US" smtClean="0"/>
-              <a:t>11/2/18</a:t>
+              <a:t>11/2/2018</a:t>
             </a:fld>
             <a:endParaRPr lang="en-US"/>
           </a:p>
@@ -871,10 +868,9 @@
           </a:lstStyle>
           <a:p>
             <a:r>
-              <a:rPr lang="en-US" smtClean="0"/>
+              <a:rPr lang="en-US"/>
               <a:t>Click to edit Master title style</a:t>
             </a:r>
-            <a:endParaRPr lang="en-US"/>
           </a:p>
         </p:txBody>
       </p:sp>
@@ -991,7 +987,7 @@
           <a:p>
             <a:pPr lvl="0"/>
             <a:r>
-              <a:rPr lang="en-US" smtClean="0"/>
+              <a:rPr lang="en-US"/>
               <a:t>Click to edit Master text styles</a:t>
             </a:r>
           </a:p>
@@ -1014,7 +1010,7 @@
           <a:p>
             <a:fld id="{0EC4D967-AA5F-D149-AB1F-37E5C06BAA11}" type="datetimeFigureOut">
               <a:rPr lang="en-US" smtClean="0"/>
-              <a:t>11/2/18</a:t>
+              <a:t>11/2/2018</a:t>
             </a:fld>
             <a:endParaRPr lang="en-US"/>
           </a:p>
@@ -1108,10 +1104,9 @@
           <a:lstStyle/>
           <a:p>
             <a:r>
-              <a:rPr lang="en-US" smtClean="0"/>
+              <a:rPr lang="en-US"/>
               <a:t>Click to edit Master title style</a:t>
             </a:r>
-            <a:endParaRPr lang="en-US"/>
           </a:p>
         </p:txBody>
       </p:sp>
@@ -1137,38 +1132,37 @@
           <a:p>
             <a:pPr lvl="0"/>
             <a:r>
-              <a:rPr lang="en-US" smtClean="0"/>
+              <a:rPr lang="en-US"/>
               <a:t>Click to edit Master text styles</a:t>
             </a:r>
           </a:p>
           <a:p>
             <a:pPr lvl="1"/>
             <a:r>
-              <a:rPr lang="en-US" smtClean="0"/>
+              <a:rPr lang="en-US"/>
               <a:t>Second level</a:t>
             </a:r>
           </a:p>
           <a:p>
             <a:pPr lvl="2"/>
             <a:r>
-              <a:rPr lang="en-US" smtClean="0"/>
+              <a:rPr lang="en-US"/>
               <a:t>Third level</a:t>
             </a:r>
           </a:p>
           <a:p>
             <a:pPr lvl="3"/>
             <a:r>
-              <a:rPr lang="en-US" smtClean="0"/>
+              <a:rPr lang="en-US"/>
               <a:t>Fourth level</a:t>
             </a:r>
           </a:p>
           <a:p>
             <a:pPr lvl="4"/>
             <a:r>
-              <a:rPr lang="en-US" smtClean="0"/>
+              <a:rPr lang="en-US"/>
               <a:t>Fifth level</a:t>
             </a:r>
-            <a:endParaRPr lang="en-US"/>
           </a:p>
         </p:txBody>
       </p:sp>
@@ -1194,38 +1188,37 @@
           <a:p>
             <a:pPr lvl="0"/>
             <a:r>
-              <a:rPr lang="en-US" smtClean="0"/>
+              <a:rPr lang="en-US"/>
               <a:t>Click to edit Master text styles</a:t>
             </a:r>
           </a:p>
           <a:p>
             <a:pPr lvl="1"/>
             <a:r>
-              <a:rPr lang="en-US" smtClean="0"/>
+              <a:rPr lang="en-US"/>
               <a:t>Second level</a:t>
             </a:r>
           </a:p>
           <a:p>
             <a:pPr lvl="2"/>
             <a:r>
-              <a:rPr lang="en-US" smtClean="0"/>
+              <a:rPr lang="en-US"/>
               <a:t>Third level</a:t>
             </a:r>
           </a:p>
           <a:p>
             <a:pPr lvl="3"/>
             <a:r>
-              <a:rPr lang="en-US" smtClean="0"/>
+              <a:rPr lang="en-US"/>
               <a:t>Fourth level</a:t>
             </a:r>
           </a:p>
           <a:p>
             <a:pPr lvl="4"/>
             <a:r>
-              <a:rPr lang="en-US" smtClean="0"/>
+              <a:rPr lang="en-US"/>
               <a:t>Fifth level</a:t>
             </a:r>
-            <a:endParaRPr lang="en-US"/>
           </a:p>
         </p:txBody>
       </p:sp>
@@ -1246,7 +1239,7 @@
           <a:p>
             <a:fld id="{0EC4D967-AA5F-D149-AB1F-37E5C06BAA11}" type="datetimeFigureOut">
               <a:rPr lang="en-US" smtClean="0"/>
-              <a:t>11/2/18</a:t>
+              <a:t>11/2/2018</a:t>
             </a:fld>
             <a:endParaRPr lang="en-US"/>
           </a:p>
@@ -1345,10 +1338,9 @@
           <a:lstStyle/>
           <a:p>
             <a:r>
-              <a:rPr lang="en-US" smtClean="0"/>
+              <a:rPr lang="en-US"/>
               <a:t>Click to edit Master title style</a:t>
             </a:r>
-            <a:endParaRPr lang="en-US"/>
           </a:p>
         </p:txBody>
       </p:sp>
@@ -1411,7 +1403,7 @@
           <a:p>
             <a:pPr lvl="0"/>
             <a:r>
-              <a:rPr lang="en-US" smtClean="0"/>
+              <a:rPr lang="en-US"/>
               <a:t>Click to edit Master text styles</a:t>
             </a:r>
           </a:p>
@@ -1439,38 +1431,37 @@
           <a:p>
             <a:pPr lvl="0"/>
             <a:r>
-              <a:rPr lang="en-US" smtClean="0"/>
+              <a:rPr lang="en-US"/>
               <a:t>Click to edit Master text styles</a:t>
             </a:r>
           </a:p>
           <a:p>
             <a:pPr lvl="1"/>
             <a:r>
-              <a:rPr lang="en-US" smtClean="0"/>
+              <a:rPr lang="en-US"/>
               <a:t>Second level</a:t>
             </a:r>
           </a:p>
           <a:p>
             <a:pPr lvl="2"/>
             <a:r>
-              <a:rPr lang="en-US" smtClean="0"/>
+              <a:rPr lang="en-US"/>
               <a:t>Third level</a:t>
             </a:r>
           </a:p>
           <a:p>
             <a:pPr lvl="3"/>
             <a:r>
-              <a:rPr lang="en-US" smtClean="0"/>
+              <a:rPr lang="en-US"/>
               <a:t>Fourth level</a:t>
             </a:r>
           </a:p>
           <a:p>
             <a:pPr lvl="4"/>
             <a:r>
-              <a:rPr lang="en-US" smtClean="0"/>
+              <a:rPr lang="en-US"/>
               <a:t>Fifth level</a:t>
             </a:r>
-            <a:endParaRPr lang="en-US"/>
           </a:p>
         </p:txBody>
       </p:sp>
@@ -1533,7 +1524,7 @@
           <a:p>
             <a:pPr lvl="0"/>
             <a:r>
-              <a:rPr lang="en-US" smtClean="0"/>
+              <a:rPr lang="en-US"/>
               <a:t>Click to edit Master text styles</a:t>
             </a:r>
           </a:p>
@@ -1561,38 +1552,37 @@
           <a:p>
             <a:pPr lvl="0"/>
             <a:r>
-              <a:rPr lang="en-US" smtClean="0"/>
+              <a:rPr lang="en-US"/>
               <a:t>Click to edit Master text styles</a:t>
             </a:r>
           </a:p>
           <a:p>
             <a:pPr lvl="1"/>
             <a:r>
-              <a:rPr lang="en-US" smtClean="0"/>
+              <a:rPr lang="en-US"/>
               <a:t>Second level</a:t>
             </a:r>
           </a:p>
           <a:p>
             <a:pPr lvl="2"/>
             <a:r>
-              <a:rPr lang="en-US" smtClean="0"/>
+              <a:rPr lang="en-US"/>
               <a:t>Third level</a:t>
             </a:r>
           </a:p>
           <a:p>
             <a:pPr lvl="3"/>
             <a:r>
-              <a:rPr lang="en-US" smtClean="0"/>
+              <a:rPr lang="en-US"/>
               <a:t>Fourth level</a:t>
             </a:r>
           </a:p>
           <a:p>
             <a:pPr lvl="4"/>
             <a:r>
-              <a:rPr lang="en-US" smtClean="0"/>
+              <a:rPr lang="en-US"/>
               <a:t>Fifth level</a:t>
             </a:r>
-            <a:endParaRPr lang="en-US"/>
           </a:p>
         </p:txBody>
       </p:sp>
@@ -1613,7 +1603,7 @@
           <a:p>
             <a:fld id="{0EC4D967-AA5F-D149-AB1F-37E5C06BAA11}" type="datetimeFigureOut">
               <a:rPr lang="en-US" smtClean="0"/>
-              <a:t>11/2/18</a:t>
+              <a:t>11/2/2018</a:t>
             </a:fld>
             <a:endParaRPr lang="en-US"/>
           </a:p>
@@ -1707,10 +1697,9 @@
           <a:lstStyle/>
           <a:p>
             <a:r>
-              <a:rPr lang="en-US" smtClean="0"/>
+              <a:rPr lang="en-US"/>
               <a:t>Click to edit Master title style</a:t>
             </a:r>
-            <a:endParaRPr lang="en-US"/>
           </a:p>
         </p:txBody>
       </p:sp>
@@ -1731,7 +1720,7 @@
           <a:p>
             <a:fld id="{0EC4D967-AA5F-D149-AB1F-37E5C06BAA11}" type="datetimeFigureOut">
               <a:rPr lang="en-US" smtClean="0"/>
-              <a:t>11/2/18</a:t>
+              <a:t>11/2/2018</a:t>
             </a:fld>
             <a:endParaRPr lang="en-US"/>
           </a:p>
@@ -1826,7 +1815,7 @@
           <a:p>
             <a:fld id="{0EC4D967-AA5F-D149-AB1F-37E5C06BAA11}" type="datetimeFigureOut">
               <a:rPr lang="en-US" smtClean="0"/>
-              <a:t>11/2/18</a:t>
+              <a:t>11/2/2018</a:t>
             </a:fld>
             <a:endParaRPr lang="en-US"/>
           </a:p>
@@ -1929,10 +1918,9 @@
           </a:lstStyle>
           <a:p>
             <a:r>
-              <a:rPr lang="en-US" smtClean="0"/>
+              <a:rPr lang="en-US"/>
               <a:t>Click to edit Master title style</a:t>
             </a:r>
-            <a:endParaRPr lang="en-US"/>
           </a:p>
         </p:txBody>
       </p:sp>
@@ -1986,38 +1974,37 @@
           <a:p>
             <a:pPr lvl="0"/>
             <a:r>
-              <a:rPr lang="en-US" smtClean="0"/>
+              <a:rPr lang="en-US"/>
               <a:t>Click to edit Master text styles</a:t>
             </a:r>
           </a:p>
           <a:p>
             <a:pPr lvl="1"/>
             <a:r>
-              <a:rPr lang="en-US" smtClean="0"/>
+              <a:rPr lang="en-US"/>
               <a:t>Second level</a:t>
             </a:r>
           </a:p>
           <a:p>
             <a:pPr lvl="2"/>
             <a:r>
-              <a:rPr lang="en-US" smtClean="0"/>
+              <a:rPr lang="en-US"/>
               <a:t>Third level</a:t>
             </a:r>
           </a:p>
           <a:p>
             <a:pPr lvl="3"/>
             <a:r>
-              <a:rPr lang="en-US" smtClean="0"/>
+              <a:rPr lang="en-US"/>
               <a:t>Fourth level</a:t>
             </a:r>
           </a:p>
           <a:p>
             <a:pPr lvl="4"/>
             <a:r>
-              <a:rPr lang="en-US" smtClean="0"/>
+              <a:rPr lang="en-US"/>
               <a:t>Fifth level</a:t>
             </a:r>
-            <a:endParaRPr lang="en-US"/>
           </a:p>
         </p:txBody>
       </p:sp>
@@ -2080,7 +2067,7 @@
           <a:p>
             <a:pPr lvl="0"/>
             <a:r>
-              <a:rPr lang="en-US" smtClean="0"/>
+              <a:rPr lang="en-US"/>
               <a:t>Click to edit Master text styles</a:t>
             </a:r>
           </a:p>
@@ -2103,7 +2090,7 @@
           <a:p>
             <a:fld id="{0EC4D967-AA5F-D149-AB1F-37E5C06BAA11}" type="datetimeFigureOut">
               <a:rPr lang="en-US" smtClean="0"/>
-              <a:t>11/2/18</a:t>
+              <a:t>11/2/2018</a:t>
             </a:fld>
             <a:endParaRPr lang="en-US"/>
           </a:p>
@@ -2206,10 +2193,9 @@
           </a:lstStyle>
           <a:p>
             <a:r>
-              <a:rPr lang="en-US" smtClean="0"/>
+              <a:rPr lang="en-US"/>
               <a:t>Click to edit Master title style</a:t>
             </a:r>
-            <a:endParaRPr lang="en-US"/>
           </a:p>
         </p:txBody>
       </p:sp>
@@ -2333,7 +2319,7 @@
           <a:p>
             <a:pPr lvl="0"/>
             <a:r>
-              <a:rPr lang="en-US" smtClean="0"/>
+              <a:rPr lang="en-US"/>
               <a:t>Click to edit Master text styles</a:t>
             </a:r>
           </a:p>
@@ -2356,7 +2342,7 @@
           <a:p>
             <a:fld id="{0EC4D967-AA5F-D149-AB1F-37E5C06BAA11}" type="datetimeFigureOut">
               <a:rPr lang="en-US" smtClean="0"/>
-              <a:t>11/2/18</a:t>
+              <a:t>11/2/2018</a:t>
             </a:fld>
             <a:endParaRPr lang="en-US"/>
           </a:p>
@@ -2465,10 +2451,9 @@
           <a:lstStyle/>
           <a:p>
             <a:r>
-              <a:rPr lang="en-US" smtClean="0"/>
+              <a:rPr lang="en-US"/>
               <a:t>Click to edit Master title style</a:t>
             </a:r>
-            <a:endParaRPr lang="en-US"/>
           </a:p>
         </p:txBody>
       </p:sp>
@@ -2499,38 +2484,37 @@
           <a:p>
             <a:pPr lvl="0"/>
             <a:r>
-              <a:rPr lang="en-US" smtClean="0"/>
+              <a:rPr lang="en-US"/>
               <a:t>Click to edit Master text styles</a:t>
             </a:r>
           </a:p>
           <a:p>
             <a:pPr lvl="1"/>
             <a:r>
-              <a:rPr lang="en-US" smtClean="0"/>
+              <a:rPr lang="en-US"/>
               <a:t>Second level</a:t>
             </a:r>
           </a:p>
           <a:p>
             <a:pPr lvl="2"/>
             <a:r>
-              <a:rPr lang="en-US" smtClean="0"/>
+              <a:rPr lang="en-US"/>
               <a:t>Third level</a:t>
             </a:r>
           </a:p>
           <a:p>
             <a:pPr lvl="3"/>
             <a:r>
-              <a:rPr lang="en-US" smtClean="0"/>
+              <a:rPr lang="en-US"/>
               <a:t>Fourth level</a:t>
             </a:r>
           </a:p>
           <a:p>
             <a:pPr lvl="4"/>
             <a:r>
-              <a:rPr lang="en-US" smtClean="0"/>
+              <a:rPr lang="en-US"/>
               <a:t>Fifth level</a:t>
             </a:r>
-            <a:endParaRPr lang="en-US"/>
           </a:p>
         </p:txBody>
       </p:sp>
@@ -2569,7 +2553,7 @@
           <a:p>
             <a:fld id="{0EC4D967-AA5F-D149-AB1F-37E5C06BAA11}" type="datetimeFigureOut">
               <a:rPr lang="en-US" smtClean="0"/>
-              <a:t>11/2/18</a:t>
+              <a:t>11/2/2018</a:t>
             </a:fld>
             <a:endParaRPr lang="en-US"/>
           </a:p>
@@ -2995,14 +2979,8 @@
               <a:rPr lang="en-US" u="sng" dirty="0"/>
               <a:t>Smart City Monitor: Motion Detection</a:t>
             </a:r>
-            <a:r>
-              <a:rPr lang="en-US" b="1" dirty="0" smtClean="0">
-                <a:effectLst/>
-              </a:rPr>
-              <a:t/>
-            </a:r>
             <a:br>
-              <a:rPr lang="en-US" b="1" dirty="0" smtClean="0">
+              <a:rPr lang="en-US" b="1" dirty="0">
                 <a:effectLst/>
               </a:rPr>
             </a:br>
@@ -3022,48 +3000,60 @@
         </p:nvSpPr>
         <p:spPr/>
         <p:txBody>
-          <a:bodyPr/>
-          <a:lstStyle/>
-          <a:p>
-            <a:r>
-              <a:rPr lang="en-US" dirty="0" err="1" smtClean="0"/>
+          <a:bodyPr>
+            <a:normAutofit fontScale="77500" lnSpcReduction="20000"/>
+          </a:bodyPr>
+          <a:lstStyle/>
+          <a:p>
+            <a:r>
+              <a:rPr lang="en-US" dirty="0" err="1"/>
               <a:t>Metin</a:t>
             </a:r>
             <a:r>
-              <a:rPr lang="en-US" dirty="0" smtClean="0"/>
+              <a:rPr lang="en-US" dirty="0"/>
               <a:t> </a:t>
             </a:r>
             <a:r>
-              <a:rPr lang="en-US" dirty="0" err="1" smtClean="0"/>
+              <a:rPr lang="en-US" dirty="0" err="1"/>
               <a:t>Senturk</a:t>
             </a:r>
-            <a:endParaRPr lang="en-US" dirty="0" smtClean="0"/>
-          </a:p>
-          <a:p>
-            <a:r>
-              <a:rPr lang="en-US" dirty="0" smtClean="0"/>
+            <a:endParaRPr lang="en-US" dirty="0"/>
+          </a:p>
+          <a:p>
+            <a:r>
+              <a:rPr lang="en-US" dirty="0"/>
               <a:t>Pooja </a:t>
             </a:r>
             <a:r>
-              <a:rPr lang="en-US" dirty="0" err="1" smtClean="0"/>
+              <a:rPr lang="en-US" dirty="0" err="1"/>
               <a:t>Umathe</a:t>
             </a:r>
-            <a:endParaRPr lang="en-US" dirty="0" smtClean="0"/>
-          </a:p>
-          <a:p>
-            <a:r>
-              <a:rPr lang="en-US" dirty="0" err="1" smtClean="0"/>
+            <a:endParaRPr lang="en-US" dirty="0"/>
+          </a:p>
+          <a:p>
+            <a:r>
+              <a:rPr lang="en-US" dirty="0" err="1"/>
               <a:t>Janam</a:t>
             </a:r>
             <a:r>
-              <a:rPr lang="en-US" dirty="0" smtClean="0"/>
+              <a:rPr lang="en-US" dirty="0"/>
               <a:t> </a:t>
             </a:r>
             <a:r>
-              <a:rPr lang="en-US" dirty="0" err="1" smtClean="0"/>
+              <a:rPr lang="en-US" dirty="0" err="1"/>
               <a:t>Dalal</a:t>
             </a:r>
-            <a:endParaRPr lang="en-US" dirty="0" smtClean="0"/>
+            <a:endParaRPr lang="en-US" dirty="0"/>
+          </a:p>
+          <a:p>
+            <a:endParaRPr lang="en-US" dirty="0"/>
+          </a:p>
+          <a:p>
+            <a:r>
+              <a:rPr lang="en-US" dirty="0" err="1"/>
+              <a:t>Hfuililsd;dflo</a:t>
+            </a:r>
+            <a:endParaRPr lang="en-US" dirty="0"/>
           </a:p>
         </p:txBody>
       </p:sp>
@@ -3113,10 +3103,9 @@
           <a:lstStyle/>
           <a:p>
             <a:r>
-              <a:rPr lang="en-US" dirty="0" smtClean="0"/>
+              <a:rPr lang="en-US" dirty="0"/>
               <a:t>				Challenges</a:t>
             </a:r>
-            <a:endParaRPr lang="en-US" dirty="0"/>
           </a:p>
         </p:txBody>
       </p:sp>
@@ -3136,16 +3125,15 @@
           <a:lstStyle/>
           <a:p>
             <a:r>
-              <a:rPr lang="en-US" dirty="0" smtClean="0"/>
+              <a:rPr lang="en-US" dirty="0"/>
               <a:t>Camera object detection is not as efficient as expected.</a:t>
             </a:r>
           </a:p>
           <a:p>
             <a:r>
-              <a:rPr lang="en-US" dirty="0" smtClean="0"/>
+              <a:rPr lang="en-US" dirty="0"/>
               <a:t>If the camera is hampered it will lead to false signal of object detection.</a:t>
             </a:r>
-            <a:endParaRPr lang="en-US" dirty="0"/>
           </a:p>
         </p:txBody>
       </p:sp>
@@ -3195,10 +3183,9 @@
           <a:lstStyle/>
           <a:p>
             <a:r>
-              <a:rPr lang="en-US" dirty="0" smtClean="0"/>
+              <a:rPr lang="en-US" dirty="0"/>
               <a:t>				Conclusion</a:t>
             </a:r>
-            <a:endParaRPr lang="en-US" dirty="0"/>
           </a:p>
         </p:txBody>
       </p:sp>
@@ -3221,7 +3208,7 @@
               <a:buNone/>
             </a:pPr>
             <a:r>
-              <a:rPr lang="en-US" dirty="0" smtClean="0"/>
+              <a:rPr lang="en-US" dirty="0"/>
               <a:t>Motion detection in the “Smart City” study will allow numerous implementations. </a:t>
             </a:r>
           </a:p>
@@ -3230,10 +3217,9 @@
               <a:buNone/>
             </a:pPr>
             <a:r>
-              <a:rPr lang="en-US" dirty="0" smtClean="0"/>
+              <a:rPr lang="en-US" dirty="0"/>
               <a:t>For instance, face detection in environment, hand gesture movements, tensor flow object detection, traffic patrol predictions, etc.  </a:t>
             </a:r>
-            <a:endParaRPr lang="en-US" dirty="0"/>
           </a:p>
         </p:txBody>
       </p:sp>
@@ -3283,10 +3269,9 @@
           <a:lstStyle/>
           <a:p>
             <a:r>
-              <a:rPr lang="en-US" dirty="0" smtClean="0"/>
+              <a:rPr lang="en-US" dirty="0"/>
               <a:t>Index</a:t>
             </a:r>
-            <a:endParaRPr lang="en-US" dirty="0"/>
           </a:p>
         </p:txBody>
       </p:sp>
@@ -3308,79 +3293,79 @@
           <a:lstStyle/>
           <a:p>
             <a:r>
-              <a:rPr lang="en-US" dirty="0" smtClean="0"/>
+              <a:rPr lang="en-US" dirty="0"/>
               <a:t>Tools and Technologies covered</a:t>
             </a:r>
           </a:p>
           <a:p>
             <a:r>
-              <a:rPr lang="en-US" dirty="0" smtClean="0"/>
+              <a:rPr lang="en-US" dirty="0"/>
               <a:t>Introduction</a:t>
             </a:r>
           </a:p>
           <a:p>
             <a:r>
-              <a:rPr lang="en-US" dirty="0" smtClean="0"/>
+              <a:rPr lang="en-US" dirty="0"/>
               <a:t>Algorithms to detect motion</a:t>
             </a:r>
           </a:p>
           <a:p>
             <a:r>
-              <a:rPr lang="en-US" dirty="0" smtClean="0"/>
+              <a:rPr lang="en-US" dirty="0"/>
               <a:t>Body (Background Subtraction)</a:t>
             </a:r>
           </a:p>
           <a:p>
             <a:pPr lvl="1"/>
             <a:r>
-              <a:rPr lang="en-US" dirty="0" smtClean="0"/>
+              <a:rPr lang="en-US" dirty="0"/>
               <a:t>Image clarification/definition in open CV platform</a:t>
             </a:r>
           </a:p>
           <a:p>
             <a:pPr lvl="1"/>
             <a:r>
-              <a:rPr lang="en-US" dirty="0" smtClean="0"/>
+              <a:rPr lang="en-US" dirty="0"/>
               <a:t>Removing the RGB from images converting to grey scale</a:t>
             </a:r>
           </a:p>
           <a:p>
             <a:pPr lvl="1"/>
             <a:r>
-              <a:rPr lang="en-US" dirty="0" smtClean="0"/>
+              <a:rPr lang="en-US" dirty="0"/>
               <a:t>Implementing Blur methodology to images</a:t>
             </a:r>
           </a:p>
           <a:p>
             <a:pPr lvl="1"/>
             <a:r>
-              <a:rPr lang="en-US" dirty="0" smtClean="0"/>
+              <a:rPr lang="en-US" dirty="0"/>
               <a:t>Locating differences in two frames</a:t>
             </a:r>
           </a:p>
           <a:p>
             <a:pPr lvl="1"/>
             <a:r>
-              <a:rPr lang="en-US" dirty="0" smtClean="0"/>
+              <a:rPr lang="en-US" dirty="0"/>
               <a:t>Identifying shape of objects in the frame</a:t>
             </a:r>
           </a:p>
           <a:p>
             <a:pPr lvl="1"/>
             <a:r>
-              <a:rPr lang="en-US" dirty="0" smtClean="0"/>
+              <a:rPr lang="en-US" dirty="0"/>
               <a:t>Displaying video results </a:t>
             </a:r>
           </a:p>
           <a:p>
             <a:r>
-              <a:rPr lang="en-US" dirty="0" smtClean="0"/>
+              <a:rPr lang="en-US" dirty="0"/>
               <a:t>Challenges</a:t>
             </a:r>
           </a:p>
           <a:p>
             <a:r>
-              <a:rPr lang="en-US" dirty="0" smtClean="0"/>
+              <a:rPr lang="en-US" dirty="0"/>
               <a:t>Conclusion</a:t>
             </a:r>
           </a:p>
@@ -3435,52 +3420,50 @@
           <a:lstStyle/>
           <a:p>
             <a:r>
-              <a:rPr lang="en-US" dirty="0" smtClean="0"/>
+              <a:rPr lang="en-US" dirty="0"/>
               <a:t>Tools and Technologies covered</a:t>
             </a:r>
+          </a:p>
+        </p:txBody>
+      </p:sp>
+      <p:sp>
+        <p:nvSpPr>
+          <p:cNvPr id="3" name="Content Placeholder 2"/>
+          <p:cNvSpPr>
+            <a:spLocks noGrp="1"/>
+          </p:cNvSpPr>
+          <p:nvPr>
+            <p:ph idx="1"/>
+          </p:nvPr>
+        </p:nvSpPr>
+        <p:spPr/>
+        <p:txBody>
+          <a:bodyPr/>
+          <a:lstStyle/>
+          <a:p>
+            <a:r>
+              <a:rPr lang="en-US" dirty="0"/>
+              <a:t>Python</a:t>
+            </a:r>
+          </a:p>
+          <a:p>
+            <a:r>
+              <a:rPr lang="en-US" dirty="0"/>
+              <a:t>Pandas</a:t>
+            </a:r>
+          </a:p>
+          <a:p>
+            <a:r>
+              <a:rPr lang="en-US" dirty="0" err="1"/>
+              <a:t>Numpy</a:t>
+            </a:r>
             <a:endParaRPr lang="en-US" dirty="0"/>
           </a:p>
-        </p:txBody>
-      </p:sp>
-      <p:sp>
-        <p:nvSpPr>
-          <p:cNvPr id="3" name="Content Placeholder 2"/>
-          <p:cNvSpPr>
-            <a:spLocks noGrp="1"/>
-          </p:cNvSpPr>
-          <p:nvPr>
-            <p:ph idx="1"/>
-          </p:nvPr>
-        </p:nvSpPr>
-        <p:spPr/>
-        <p:txBody>
-          <a:bodyPr/>
-          <a:lstStyle/>
-          <a:p>
-            <a:r>
-              <a:rPr lang="en-US" dirty="0" smtClean="0"/>
-              <a:t>Python</a:t>
-            </a:r>
-          </a:p>
-          <a:p>
-            <a:r>
-              <a:rPr lang="en-US" dirty="0" smtClean="0"/>
-              <a:t>Pandas</a:t>
-            </a:r>
-          </a:p>
-          <a:p>
-            <a:r>
-              <a:rPr lang="en-US" dirty="0" err="1" smtClean="0"/>
-              <a:t>Numpy</a:t>
-            </a:r>
-            <a:endParaRPr lang="en-US" dirty="0"/>
-          </a:p>
-          <a:p>
-            <a:r>
-              <a:rPr lang="en-US" dirty="0" smtClean="0"/>
+          <a:p>
+            <a:r>
+              <a:rPr lang="en-US" dirty="0"/>
               <a:t>Open CV</a:t>
             </a:r>
-            <a:endParaRPr lang="en-US" dirty="0"/>
           </a:p>
         </p:txBody>
       </p:sp>
@@ -3530,10 +3513,9 @@
           <a:lstStyle/>
           <a:p>
             <a:r>
-              <a:rPr lang="en-US" dirty="0" smtClean="0"/>
+              <a:rPr lang="en-US" dirty="0"/>
               <a:t>Introduction</a:t>
             </a:r>
-            <a:endParaRPr lang="en-US" dirty="0"/>
           </a:p>
         </p:txBody>
       </p:sp>
@@ -3553,13 +3535,13 @@
           <a:lstStyle/>
           <a:p>
             <a:r>
-              <a:rPr lang="en-US" dirty="0" smtClean="0"/>
+              <a:rPr lang="en-US" dirty="0"/>
               <a:t>The purpose of this project is to detect motion and describe the behavior of the motion through computation processing. </a:t>
             </a:r>
           </a:p>
           <a:p>
             <a:r>
-              <a:rPr lang="en-US" dirty="0" smtClean="0"/>
+              <a:rPr lang="en-US" dirty="0"/>
               <a:t>The focus is on studying objects in motion over when they are in a stationary phase.</a:t>
             </a:r>
           </a:p>
@@ -3614,10 +3596,9 @@
           <a:lstStyle/>
           <a:p>
             <a:r>
-              <a:rPr lang="en-US" dirty="0" smtClean="0"/>
+              <a:rPr lang="en-US" dirty="0"/>
               <a:t>Algorithms</a:t>
             </a:r>
-            <a:endParaRPr lang="en-US" dirty="0"/>
           </a:p>
         </p:txBody>
       </p:sp>
@@ -3640,25 +3621,25 @@
               <a:buNone/>
             </a:pPr>
             <a:r>
-              <a:rPr lang="en-US" dirty="0" smtClean="0"/>
+              <a:rPr lang="en-US" dirty="0"/>
               <a:t>The methods used for the project are the following</a:t>
             </a:r>
           </a:p>
           <a:p>
             <a:r>
-              <a:rPr lang="en-US" dirty="0" smtClean="0"/>
+              <a:rPr lang="en-US" dirty="0"/>
               <a:t>Mean Shift</a:t>
             </a:r>
           </a:p>
           <a:p>
             <a:r>
-              <a:rPr lang="en-US" dirty="0" smtClean="0"/>
+              <a:rPr lang="en-US" dirty="0"/>
               <a:t>Background Subtraction</a:t>
             </a:r>
           </a:p>
           <a:p>
             <a:r>
-              <a:rPr lang="en-US" dirty="0" smtClean="0"/>
+              <a:rPr lang="en-US" dirty="0"/>
               <a:t>Optical Flow</a:t>
             </a:r>
           </a:p>
@@ -3713,10 +3694,9 @@
           <a:lstStyle/>
           <a:p>
             <a:r>
-              <a:rPr lang="en-US" dirty="0" smtClean="0"/>
+              <a:rPr lang="en-US" dirty="0"/>
               <a:t>		Background Subtraction</a:t>
             </a:r>
-            <a:endParaRPr lang="en-US" dirty="0"/>
           </a:p>
         </p:txBody>
       </p:sp>
@@ -3737,7 +3717,7 @@
           <a:p>
             <a:pPr lvl="1"/>
             <a:r>
-              <a:rPr lang="en-US" dirty="0" smtClean="0"/>
+              <a:rPr lang="en-US" dirty="0"/>
               <a:t>Image clarification/definition in open CV platform</a:t>
             </a:r>
           </a:p>
@@ -3837,10 +3817,9 @@
           <a:lstStyle/>
           <a:p>
             <a:r>
-              <a:rPr lang="en-US" dirty="0" smtClean="0"/>
+              <a:rPr lang="en-US" dirty="0"/>
               <a:t>	Background Subtraction contd. </a:t>
             </a:r>
-            <a:endParaRPr lang="en-US" dirty="0"/>
           </a:p>
         </p:txBody>
       </p:sp>
@@ -3863,46 +3842,44 @@
               <a:buNone/>
             </a:pPr>
             <a:r>
-              <a:rPr lang="en-US" dirty="0" smtClean="0"/>
+              <a:rPr lang="en-US" dirty="0"/>
               <a:t>Important to note, before background subtraction is performed we must prepare the frame according to the steps below.</a:t>
             </a:r>
-            <a:endParaRPr lang="en-US" dirty="0" smtClean="0"/>
           </a:p>
           <a:p>
             <a:pPr lvl="1"/>
             <a:r>
-              <a:rPr lang="en-US" dirty="0" smtClean="0"/>
+              <a:rPr lang="en-US" dirty="0"/>
               <a:t>Resizing the </a:t>
-            </a:r>
-            <a:r>
-              <a:rPr lang="en-US" b="1" dirty="0" smtClean="0"/>
-              <a:t>frame</a:t>
-            </a:r>
-            <a:r>
-              <a:rPr lang="en-US" dirty="0" smtClean="0"/>
-              <a:t> image</a:t>
-            </a:r>
-          </a:p>
-          <a:p>
-            <a:pPr lvl="1"/>
-            <a:r>
-              <a:rPr lang="en-US" dirty="0" smtClean="0"/>
-              <a:t>Removing the RGB from </a:t>
             </a:r>
             <a:r>
               <a:rPr lang="en-US" b="1" dirty="0"/>
               <a:t>frame</a:t>
             </a:r>
             <a:r>
-              <a:rPr lang="en-US" dirty="0" smtClean="0"/>
+              <a:rPr lang="en-US" dirty="0"/>
+              <a:t> image</a:t>
+            </a:r>
+          </a:p>
+          <a:p>
+            <a:pPr lvl="1"/>
+            <a:r>
+              <a:rPr lang="en-US" dirty="0"/>
+              <a:t>Removing the RGB from </a:t>
+            </a:r>
+            <a:r>
+              <a:rPr lang="en-US" b="1" dirty="0"/>
+              <a:t>frame</a:t>
+            </a:r>
+            <a:r>
+              <a:rPr lang="en-US" dirty="0"/>
               <a:t> and converting to grey scale- Since color does not apply for motion detection, the conversion of color to grey scale is performed.</a:t>
             </a:r>
-            <a:endParaRPr lang="en-US" dirty="0"/>
           </a:p>
           <a:p>
             <a:pPr lvl="1"/>
             <a:r>
-              <a:rPr lang="en-US" dirty="0" smtClean="0"/>
+              <a:rPr lang="en-US" dirty="0"/>
               <a:t>Implementing Blur methodology to </a:t>
             </a:r>
             <a:r>
@@ -3910,7 +3887,7 @@
               <a:t>frame-</a:t>
             </a:r>
             <a:r>
-              <a:rPr lang="en-US" dirty="0" smtClean="0"/>
+              <a:rPr lang="en-US" dirty="0"/>
               <a:t> Serves to remove high frequency noise in images.</a:t>
             </a:r>
           </a:p>
@@ -3962,10 +3939,9 @@
           <a:lstStyle/>
           <a:p>
             <a:r>
-              <a:rPr lang="en-US" dirty="0" smtClean="0"/>
+              <a:rPr lang="en-US" dirty="0"/>
               <a:t>	Background Subtraction contd. </a:t>
             </a:r>
-            <a:endParaRPr lang="en-US" dirty="0"/>
           </a:p>
         </p:txBody>
       </p:sp>
@@ -3986,49 +3962,48 @@
           <a:p>
             <a:pPr lvl="1"/>
             <a:r>
-              <a:rPr lang="en-US" dirty="0" smtClean="0"/>
+              <a:rPr lang="en-US" dirty="0"/>
               <a:t>Locating differences within two </a:t>
             </a:r>
             <a:r>
-              <a:rPr lang="en-US" b="1" dirty="0" smtClean="0"/>
+              <a:rPr lang="en-US" b="1" dirty="0"/>
               <a:t>frames.</a:t>
             </a:r>
           </a:p>
           <a:p>
             <a:pPr lvl="1"/>
             <a:r>
-              <a:rPr lang="en-US" dirty="0" smtClean="0"/>
+              <a:rPr lang="en-US" dirty="0"/>
               <a:t>The first </a:t>
             </a:r>
             <a:r>
-              <a:rPr lang="en-US" b="1" dirty="0" smtClean="0"/>
+              <a:rPr lang="en-US" b="1" dirty="0"/>
               <a:t>frame</a:t>
             </a:r>
             <a:r>
-              <a:rPr lang="en-US" dirty="0" smtClean="0"/>
+              <a:rPr lang="en-US" dirty="0"/>
               <a:t> captured is assumed to be the background of the environment (T0), and following with the future </a:t>
             </a:r>
             <a:r>
-              <a:rPr lang="en-US" b="1" dirty="0" smtClean="0"/>
+              <a:rPr lang="en-US" b="1" dirty="0"/>
               <a:t>frames</a:t>
             </a:r>
             <a:r>
-              <a:rPr lang="en-US" dirty="0" smtClean="0"/>
+              <a:rPr lang="en-US" dirty="0"/>
               <a:t> their will be a comparison against T0 frame in order to recognize and differentiate object presence/motion. </a:t>
             </a:r>
           </a:p>
           <a:p>
             <a:pPr lvl="1"/>
             <a:r>
-              <a:rPr lang="en-US" dirty="0" smtClean="0"/>
+              <a:rPr lang="en-US" dirty="0"/>
               <a:t>Also, the step mentioned above can be further advanced by the means of comparing the current frame (T(N)) and then following by measuring the results against (T(N-1))</a:t>
             </a:r>
-            <a:endParaRPr lang="en-US" dirty="0" smtClean="0"/>
           </a:p>
           <a:p>
             <a:pPr lvl="1"/>
             <a:r>
-              <a:rPr lang="en-US" dirty="0" smtClean="0"/>
+              <a:rPr lang="en-US" dirty="0"/>
               <a:t>Once difference is identified between the number of frames, a threshold frame will be created.</a:t>
             </a:r>
           </a:p>
@@ -4083,65 +4058,59 @@
           <a:lstStyle/>
           <a:p>
             <a:r>
-              <a:rPr lang="en-US" dirty="0" smtClean="0"/>
+              <a:rPr lang="en-US" dirty="0"/>
               <a:t>	Background Subtraction contd. </a:t>
             </a:r>
+          </a:p>
+        </p:txBody>
+      </p:sp>
+      <p:sp>
+        <p:nvSpPr>
+          <p:cNvPr id="3" name="Content Placeholder 2"/>
+          <p:cNvSpPr>
+            <a:spLocks noGrp="1"/>
+          </p:cNvSpPr>
+          <p:nvPr>
+            <p:ph idx="1"/>
+          </p:nvPr>
+        </p:nvSpPr>
+        <p:spPr/>
+        <p:txBody>
+          <a:bodyPr/>
+          <a:lstStyle/>
+          <a:p>
+            <a:pPr marL="0" indent="0">
+              <a:buNone/>
+            </a:pPr>
+            <a:r>
+              <a:rPr lang="en-US" dirty="0"/>
+              <a:t>Identifying shape of objects in the frame</a:t>
+            </a:r>
+          </a:p>
+          <a:p>
+            <a:r>
+              <a:rPr lang="en-US" dirty="0"/>
+              <a:t>The moving objects in the frame is recognized and highlighted with a rectangle.  </a:t>
+            </a:r>
+          </a:p>
+          <a:p>
             <a:endParaRPr lang="en-US" dirty="0"/>
           </a:p>
-        </p:txBody>
-      </p:sp>
-      <p:sp>
-        <p:nvSpPr>
-          <p:cNvPr id="3" name="Content Placeholder 2"/>
-          <p:cNvSpPr>
-            <a:spLocks noGrp="1"/>
-          </p:cNvSpPr>
-          <p:nvPr>
-            <p:ph idx="1"/>
-          </p:nvPr>
-        </p:nvSpPr>
-        <p:spPr/>
-        <p:txBody>
-          <a:bodyPr/>
-          <a:lstStyle/>
           <a:p>
             <a:pPr marL="0" indent="0">
               <a:buNone/>
             </a:pPr>
             <a:r>
-              <a:rPr lang="en-US" dirty="0" smtClean="0"/>
-              <a:t>Identifying shape of objects in the frame</a:t>
-            </a:r>
-          </a:p>
-          <a:p>
-            <a:r>
-              <a:rPr lang="en-US" dirty="0" smtClean="0"/>
-              <a:t>The moving objects in the frame is recognized and highlighted with a rectangle.  </a:t>
+              <a:rPr lang="en-US" dirty="0"/>
+              <a:t>Displaying video results</a:t>
+            </a:r>
+          </a:p>
+          <a:p>
+            <a:r>
+              <a:rPr lang="en-US"/>
+              <a:t>Thus results will be created allowing for user to investigate scenario. </a:t>
             </a:r>
             <a:endParaRPr lang="en-US" dirty="0"/>
-          </a:p>
-          <a:p>
-            <a:endParaRPr lang="en-US" dirty="0" smtClean="0"/>
-          </a:p>
-          <a:p>
-            <a:pPr marL="0" indent="0">
-              <a:buNone/>
-            </a:pPr>
-            <a:r>
-              <a:rPr lang="en-US" dirty="0" smtClean="0"/>
-              <a:t>Displaying video results</a:t>
-            </a:r>
-          </a:p>
-          <a:p>
-            <a:r>
-              <a:rPr lang="en-US" smtClean="0"/>
-              <a:t>Thus results will be created allowing for user to investigate scenario.</a:t>
-            </a:r>
-            <a:r>
-              <a:rPr lang="en-US" smtClean="0"/>
-              <a:t> </a:t>
-            </a:r>
-            <a:endParaRPr lang="en-US" dirty="0" smtClean="0"/>
           </a:p>
         </p:txBody>
       </p:sp>

--- a/documents/DS620 presentation.pptx
+++ b/documents/DS620 presentation.pptx
@@ -2,7 +2,7 @@
 <file path=ppt/presentation.xml><?xml version="1.0" encoding="utf-8"?>
 <p:presentation xmlns:a="http://schemas.openxmlformats.org/drawingml/2006/main" xmlns:r="http://schemas.openxmlformats.org/officeDocument/2006/relationships" xmlns:p="http://schemas.openxmlformats.org/presentationml/2006/main" saveSubsetFonts="1" autoCompressPictures="0">
   <p:sldMasterIdLst>
-    <p:sldMasterId id="2147483648" r:id="rId1"/>
+    <p:sldMasterId id="2147483677" r:id="rId1"/>
   </p:sldMasterIdLst>
   <p:sldIdLst>
     <p:sldId id="256" r:id="rId2"/>
@@ -23,7 +23,7 @@
     <a:defPPr>
       <a:defRPr lang="en-US"/>
     </a:defPPr>
-    <a:lvl1pPr marL="0" algn="l" defTabSz="914400" rtl="0" eaLnBrk="1" latinLnBrk="0" hangingPunct="1">
+    <a:lvl1pPr marL="0" algn="l" defTabSz="457200" rtl="0" eaLnBrk="1" latinLnBrk="0" hangingPunct="1">
       <a:defRPr sz="1800" kern="1200">
         <a:solidFill>
           <a:schemeClr val="tx1"/>
@@ -33,7 +33,7 @@
         <a:cs typeface="+mn-cs"/>
       </a:defRPr>
     </a:lvl1pPr>
-    <a:lvl2pPr marL="457200" algn="l" defTabSz="914400" rtl="0" eaLnBrk="1" latinLnBrk="0" hangingPunct="1">
+    <a:lvl2pPr marL="457200" algn="l" defTabSz="457200" rtl="0" eaLnBrk="1" latinLnBrk="0" hangingPunct="1">
       <a:defRPr sz="1800" kern="1200">
         <a:solidFill>
           <a:schemeClr val="tx1"/>
@@ -43,7 +43,7 @@
         <a:cs typeface="+mn-cs"/>
       </a:defRPr>
     </a:lvl2pPr>
-    <a:lvl3pPr marL="914400" algn="l" defTabSz="914400" rtl="0" eaLnBrk="1" latinLnBrk="0" hangingPunct="1">
+    <a:lvl3pPr marL="914400" algn="l" defTabSz="457200" rtl="0" eaLnBrk="1" latinLnBrk="0" hangingPunct="1">
       <a:defRPr sz="1800" kern="1200">
         <a:solidFill>
           <a:schemeClr val="tx1"/>
@@ -53,7 +53,7 @@
         <a:cs typeface="+mn-cs"/>
       </a:defRPr>
     </a:lvl3pPr>
-    <a:lvl4pPr marL="1371600" algn="l" defTabSz="914400" rtl="0" eaLnBrk="1" latinLnBrk="0" hangingPunct="1">
+    <a:lvl4pPr marL="1371600" algn="l" defTabSz="457200" rtl="0" eaLnBrk="1" latinLnBrk="0" hangingPunct="1">
       <a:defRPr sz="1800" kern="1200">
         <a:solidFill>
           <a:schemeClr val="tx1"/>
@@ -63,7 +63,7 @@
         <a:cs typeface="+mn-cs"/>
       </a:defRPr>
     </a:lvl4pPr>
-    <a:lvl5pPr marL="1828800" algn="l" defTabSz="914400" rtl="0" eaLnBrk="1" latinLnBrk="0" hangingPunct="1">
+    <a:lvl5pPr marL="1828800" algn="l" defTabSz="457200" rtl="0" eaLnBrk="1" latinLnBrk="0" hangingPunct="1">
       <a:defRPr sz="1800" kern="1200">
         <a:solidFill>
           <a:schemeClr val="tx1"/>
@@ -73,7 +73,7 @@
         <a:cs typeface="+mn-cs"/>
       </a:defRPr>
     </a:lvl5pPr>
-    <a:lvl6pPr marL="2286000" algn="l" defTabSz="914400" rtl="0" eaLnBrk="1" latinLnBrk="0" hangingPunct="1">
+    <a:lvl6pPr marL="2286000" algn="l" defTabSz="457200" rtl="0" eaLnBrk="1" latinLnBrk="0" hangingPunct="1">
       <a:defRPr sz="1800" kern="1200">
         <a:solidFill>
           <a:schemeClr val="tx1"/>
@@ -83,7 +83,7 @@
         <a:cs typeface="+mn-cs"/>
       </a:defRPr>
     </a:lvl6pPr>
-    <a:lvl7pPr marL="2743200" algn="l" defTabSz="914400" rtl="0" eaLnBrk="1" latinLnBrk="0" hangingPunct="1">
+    <a:lvl7pPr marL="2743200" algn="l" defTabSz="457200" rtl="0" eaLnBrk="1" latinLnBrk="0" hangingPunct="1">
       <a:defRPr sz="1800" kern="1200">
         <a:solidFill>
           <a:schemeClr val="tx1"/>
@@ -93,7 +93,7 @@
         <a:cs typeface="+mn-cs"/>
       </a:defRPr>
     </a:lvl7pPr>
-    <a:lvl8pPr marL="3200400" algn="l" defTabSz="914400" rtl="0" eaLnBrk="1" latinLnBrk="0" hangingPunct="1">
+    <a:lvl8pPr marL="3200400" algn="l" defTabSz="457200" rtl="0" eaLnBrk="1" latinLnBrk="0" hangingPunct="1">
       <a:defRPr sz="1800" kern="1200">
         <a:solidFill>
           <a:schemeClr val="tx1"/>
@@ -103,7 +103,7 @@
         <a:cs typeface="+mn-cs"/>
       </a:defRPr>
     </a:lvl8pPr>
-    <a:lvl9pPr marL="3657600" algn="l" defTabSz="914400" rtl="0" eaLnBrk="1" latinLnBrk="0" hangingPunct="1">
+    <a:lvl9pPr marL="3657600" algn="l" defTabSz="457200" rtl="0" eaLnBrk="1" latinLnBrk="0" hangingPunct="1">
       <a:defRPr sz="1800" kern="1200">
         <a:solidFill>
           <a:schemeClr val="tx1"/>
@@ -123,7 +123,7 @@
 </file>
 
 <file path=ppt/slideLayouts/slideLayout1.xml><?xml version="1.0" encoding="utf-8"?>
-<p:sldLayout xmlns:a="http://schemas.openxmlformats.org/drawingml/2006/main" xmlns:r="http://schemas.openxmlformats.org/officeDocument/2006/relationships" xmlns:p="http://schemas.openxmlformats.org/presentationml/2006/main" type="title" preserve="1">
+<p:sldLayout xmlns:a="http://schemas.openxmlformats.org/drawingml/2006/main" xmlns:r="http://schemas.openxmlformats.org/officeDocument/2006/relationships" xmlns:p="http://schemas.openxmlformats.org/presentationml/2006/main" showMasterSp="0" type="title" preserve="1">
   <p:cSld name="Title Slide">
     <p:spTree>
       <p:nvGrpSpPr>
@@ -139,6 +139,559 @@
           <a:chExt cx="0" cy="0"/>
         </a:xfrm>
       </p:grpSpPr>
+      <p:grpSp>
+        <p:nvGrpSpPr>
+          <p:cNvPr id="16" name="Group 15"/>
+          <p:cNvGrpSpPr/>
+          <p:nvPr/>
+        </p:nvGrpSpPr>
+        <p:grpSpPr>
+          <a:xfrm>
+            <a:off x="0" y="-8467"/>
+            <a:ext cx="12192000" cy="6866467"/>
+            <a:chOff x="0" y="-8467"/>
+            <a:chExt cx="12192000" cy="6866467"/>
+          </a:xfrm>
+        </p:grpSpPr>
+        <p:sp>
+          <p:nvSpPr>
+            <p:cNvPr id="15" name="Freeform 14"/>
+            <p:cNvSpPr/>
+            <p:nvPr/>
+          </p:nvSpPr>
+          <p:spPr>
+            <a:xfrm>
+              <a:off x="0" y="-7862"/>
+              <a:ext cx="863600" cy="5698067"/>
+            </a:xfrm>
+            <a:custGeom>
+              <a:avLst/>
+              <a:gdLst/>
+              <a:ahLst/>
+              <a:cxnLst/>
+              <a:rect l="l" t="t" r="r" b="b"/>
+              <a:pathLst>
+                <a:path w="863600" h="5698067">
+                  <a:moveTo>
+                    <a:pt x="0" y="8467"/>
+                  </a:moveTo>
+                  <a:lnTo>
+                    <a:pt x="863600" y="0"/>
+                  </a:lnTo>
+                  <a:lnTo>
+                    <a:pt x="863600" y="16934"/>
+                  </a:lnTo>
+                  <a:lnTo>
+                    <a:pt x="0" y="5698067"/>
+                  </a:lnTo>
+                  <a:lnTo>
+                    <a:pt x="0" y="8467"/>
+                  </a:lnTo>
+                  <a:close/>
+                </a:path>
+              </a:pathLst>
+            </a:custGeom>
+            <a:solidFill>
+              <a:schemeClr val="accent1">
+                <a:alpha val="70000"/>
+              </a:schemeClr>
+            </a:solidFill>
+            <a:ln>
+              <a:noFill/>
+            </a:ln>
+            <a:effectLst/>
+          </p:spPr>
+          <p:style>
+            <a:lnRef idx="1">
+              <a:schemeClr val="accent1"/>
+            </a:lnRef>
+            <a:fillRef idx="3">
+              <a:schemeClr val="accent1"/>
+            </a:fillRef>
+            <a:effectRef idx="2">
+              <a:schemeClr val="accent1"/>
+            </a:effectRef>
+            <a:fontRef idx="minor">
+              <a:schemeClr val="lt1"/>
+            </a:fontRef>
+          </p:style>
+        </p:sp>
+        <p:cxnSp>
+          <p:nvCxnSpPr>
+            <p:cNvPr id="19" name="Straight Connector 18"/>
+            <p:cNvCxnSpPr/>
+            <p:nvPr/>
+          </p:nvCxnSpPr>
+          <p:spPr>
+            <a:xfrm>
+              <a:off x="9371012" y="0"/>
+              <a:ext cx="1219200" cy="6858000"/>
+            </a:xfrm>
+            <a:prstGeom prst="line">
+              <a:avLst/>
+            </a:prstGeom>
+            <a:ln w="9525">
+              <a:solidFill>
+                <a:schemeClr val="accent1">
+                  <a:alpha val="70000"/>
+                </a:schemeClr>
+              </a:solidFill>
+            </a:ln>
+          </p:spPr>
+          <p:style>
+            <a:lnRef idx="2">
+              <a:schemeClr val="accent1"/>
+            </a:lnRef>
+            <a:fillRef idx="0">
+              <a:schemeClr val="accent1"/>
+            </a:fillRef>
+            <a:effectRef idx="1">
+              <a:schemeClr val="accent1"/>
+            </a:effectRef>
+            <a:fontRef idx="minor">
+              <a:schemeClr val="tx1"/>
+            </a:fontRef>
+          </p:style>
+        </p:cxnSp>
+        <p:cxnSp>
+          <p:nvCxnSpPr>
+            <p:cNvPr id="20" name="Straight Connector 19"/>
+            <p:cNvCxnSpPr/>
+            <p:nvPr/>
+          </p:nvCxnSpPr>
+          <p:spPr>
+            <a:xfrm flipH="1">
+              <a:off x="7425267" y="3681413"/>
+              <a:ext cx="4763558" cy="3176587"/>
+            </a:xfrm>
+            <a:prstGeom prst="line">
+              <a:avLst/>
+            </a:prstGeom>
+            <a:ln w="9525">
+              <a:solidFill>
+                <a:schemeClr val="accent1">
+                  <a:alpha val="70000"/>
+                </a:schemeClr>
+              </a:solidFill>
+            </a:ln>
+          </p:spPr>
+          <p:style>
+            <a:lnRef idx="2">
+              <a:schemeClr val="accent1"/>
+            </a:lnRef>
+            <a:fillRef idx="0">
+              <a:schemeClr val="accent1"/>
+            </a:fillRef>
+            <a:effectRef idx="1">
+              <a:schemeClr val="accent1"/>
+            </a:effectRef>
+            <a:fontRef idx="minor">
+              <a:schemeClr val="tx1"/>
+            </a:fontRef>
+          </p:style>
+        </p:cxnSp>
+        <p:sp>
+          <p:nvSpPr>
+            <p:cNvPr id="21" name="Rectangle 23"/>
+            <p:cNvSpPr/>
+            <p:nvPr/>
+          </p:nvSpPr>
+          <p:spPr>
+            <a:xfrm>
+              <a:off x="9181476" y="-8467"/>
+              <a:ext cx="3007349" cy="6866467"/>
+            </a:xfrm>
+            <a:custGeom>
+              <a:avLst/>
+              <a:gdLst/>
+              <a:ahLst/>
+              <a:cxnLst/>
+              <a:rect l="l" t="t" r="r" b="b"/>
+              <a:pathLst>
+                <a:path w="3007349" h="6866467">
+                  <a:moveTo>
+                    <a:pt x="2045532" y="0"/>
+                  </a:moveTo>
+                  <a:lnTo>
+                    <a:pt x="3007349" y="0"/>
+                  </a:lnTo>
+                  <a:lnTo>
+                    <a:pt x="3007349" y="6866467"/>
+                  </a:lnTo>
+                  <a:lnTo>
+                    <a:pt x="0" y="6866467"/>
+                  </a:lnTo>
+                  <a:lnTo>
+                    <a:pt x="2045532" y="0"/>
+                  </a:lnTo>
+                  <a:close/>
+                </a:path>
+              </a:pathLst>
+            </a:custGeom>
+            <a:solidFill>
+              <a:schemeClr val="accent1">
+                <a:alpha val="36000"/>
+              </a:schemeClr>
+            </a:solidFill>
+            <a:ln>
+              <a:noFill/>
+            </a:ln>
+            <a:effectLst/>
+          </p:spPr>
+          <p:style>
+            <a:lnRef idx="1">
+              <a:schemeClr val="accent1"/>
+            </a:lnRef>
+            <a:fillRef idx="3">
+              <a:schemeClr val="accent1"/>
+            </a:fillRef>
+            <a:effectRef idx="2">
+              <a:schemeClr val="accent1"/>
+            </a:effectRef>
+            <a:fontRef idx="minor">
+              <a:schemeClr val="lt1"/>
+            </a:fontRef>
+          </p:style>
+        </p:sp>
+        <p:sp>
+          <p:nvSpPr>
+            <p:cNvPr id="22" name="Rectangle 25"/>
+            <p:cNvSpPr/>
+            <p:nvPr/>
+          </p:nvSpPr>
+          <p:spPr>
+            <a:xfrm>
+              <a:off x="9603442" y="-8467"/>
+              <a:ext cx="2588558" cy="6866467"/>
+            </a:xfrm>
+            <a:custGeom>
+              <a:avLst/>
+              <a:gdLst/>
+              <a:ahLst/>
+              <a:cxnLst/>
+              <a:rect l="l" t="t" r="r" b="b"/>
+              <a:pathLst>
+                <a:path w="2573311" h="6866467">
+                  <a:moveTo>
+                    <a:pt x="0" y="0"/>
+                  </a:moveTo>
+                  <a:lnTo>
+                    <a:pt x="2573311" y="0"/>
+                  </a:lnTo>
+                  <a:lnTo>
+                    <a:pt x="2573311" y="6866467"/>
+                  </a:lnTo>
+                  <a:lnTo>
+                    <a:pt x="1202336" y="6866467"/>
+                  </a:lnTo>
+                  <a:lnTo>
+                    <a:pt x="0" y="0"/>
+                  </a:lnTo>
+                  <a:close/>
+                </a:path>
+              </a:pathLst>
+            </a:custGeom>
+            <a:solidFill>
+              <a:schemeClr val="accent1">
+                <a:alpha val="20000"/>
+              </a:schemeClr>
+            </a:solidFill>
+            <a:ln>
+              <a:noFill/>
+            </a:ln>
+            <a:effectLst/>
+          </p:spPr>
+          <p:style>
+            <a:lnRef idx="1">
+              <a:schemeClr val="accent1"/>
+            </a:lnRef>
+            <a:fillRef idx="3">
+              <a:schemeClr val="accent1"/>
+            </a:fillRef>
+            <a:effectRef idx="2">
+              <a:schemeClr val="accent1"/>
+            </a:effectRef>
+            <a:fontRef idx="minor">
+              <a:schemeClr val="lt1"/>
+            </a:fontRef>
+          </p:style>
+        </p:sp>
+        <p:sp>
+          <p:nvSpPr>
+            <p:cNvPr id="23" name="Isosceles Triangle 22"/>
+            <p:cNvSpPr/>
+            <p:nvPr/>
+          </p:nvSpPr>
+          <p:spPr>
+            <a:xfrm>
+              <a:off x="8932333" y="3048000"/>
+              <a:ext cx="3259667" cy="3810000"/>
+            </a:xfrm>
+            <a:prstGeom prst="triangle">
+              <a:avLst>
+                <a:gd name="adj" fmla="val 100000"/>
+              </a:avLst>
+            </a:prstGeom>
+            <a:solidFill>
+              <a:schemeClr val="accent1">
+                <a:lumMod val="75000"/>
+                <a:alpha val="66000"/>
+              </a:schemeClr>
+            </a:solidFill>
+            <a:ln>
+              <a:noFill/>
+            </a:ln>
+            <a:effectLst/>
+          </p:spPr>
+          <p:style>
+            <a:lnRef idx="1">
+              <a:schemeClr val="accent1"/>
+            </a:lnRef>
+            <a:fillRef idx="3">
+              <a:schemeClr val="accent1"/>
+            </a:fillRef>
+            <a:effectRef idx="2">
+              <a:schemeClr val="accent1"/>
+            </a:effectRef>
+            <a:fontRef idx="minor">
+              <a:schemeClr val="lt1"/>
+            </a:fontRef>
+          </p:style>
+        </p:sp>
+        <p:sp>
+          <p:nvSpPr>
+            <p:cNvPr id="24" name="Rectangle 27"/>
+            <p:cNvSpPr/>
+            <p:nvPr/>
+          </p:nvSpPr>
+          <p:spPr>
+            <a:xfrm>
+              <a:off x="9334500" y="-8467"/>
+              <a:ext cx="2854326" cy="6866467"/>
+            </a:xfrm>
+            <a:custGeom>
+              <a:avLst/>
+              <a:gdLst/>
+              <a:ahLst/>
+              <a:cxnLst/>
+              <a:rect l="l" t="t" r="r" b="b"/>
+              <a:pathLst>
+                <a:path w="2858013" h="6866467">
+                  <a:moveTo>
+                    <a:pt x="0" y="0"/>
+                  </a:moveTo>
+                  <a:lnTo>
+                    <a:pt x="2858013" y="0"/>
+                  </a:lnTo>
+                  <a:lnTo>
+                    <a:pt x="2858013" y="6866467"/>
+                  </a:lnTo>
+                  <a:lnTo>
+                    <a:pt x="2473942" y="6866467"/>
+                  </a:lnTo>
+                  <a:lnTo>
+                    <a:pt x="0" y="0"/>
+                  </a:lnTo>
+                  <a:close/>
+                </a:path>
+              </a:pathLst>
+            </a:custGeom>
+            <a:solidFill>
+              <a:schemeClr val="accent1">
+                <a:lumMod val="75000"/>
+                <a:alpha val="50000"/>
+              </a:schemeClr>
+            </a:solidFill>
+            <a:ln>
+              <a:noFill/>
+            </a:ln>
+            <a:effectLst/>
+          </p:spPr>
+          <p:style>
+            <a:lnRef idx="1">
+              <a:schemeClr val="accent1"/>
+            </a:lnRef>
+            <a:fillRef idx="3">
+              <a:schemeClr val="accent1"/>
+            </a:fillRef>
+            <a:effectRef idx="2">
+              <a:schemeClr val="accent1"/>
+            </a:effectRef>
+            <a:fontRef idx="minor">
+              <a:schemeClr val="lt1"/>
+            </a:fontRef>
+          </p:style>
+        </p:sp>
+        <p:sp>
+          <p:nvSpPr>
+            <p:cNvPr id="25" name="Rectangle 28"/>
+            <p:cNvSpPr/>
+            <p:nvPr/>
+          </p:nvSpPr>
+          <p:spPr>
+            <a:xfrm>
+              <a:off x="10898730" y="-8467"/>
+              <a:ext cx="1290094" cy="6866467"/>
+            </a:xfrm>
+            <a:custGeom>
+              <a:avLst/>
+              <a:gdLst/>
+              <a:ahLst/>
+              <a:cxnLst/>
+              <a:rect l="l" t="t" r="r" b="b"/>
+              <a:pathLst>
+                <a:path w="1290094" h="6858000">
+                  <a:moveTo>
+                    <a:pt x="1019735" y="0"/>
+                  </a:moveTo>
+                  <a:lnTo>
+                    <a:pt x="1290094" y="0"/>
+                  </a:lnTo>
+                  <a:lnTo>
+                    <a:pt x="1290094" y="6858000"/>
+                  </a:lnTo>
+                  <a:lnTo>
+                    <a:pt x="0" y="6858000"/>
+                  </a:lnTo>
+                  <a:lnTo>
+                    <a:pt x="1019735" y="0"/>
+                  </a:lnTo>
+                  <a:close/>
+                </a:path>
+              </a:pathLst>
+            </a:custGeom>
+            <a:solidFill>
+              <a:schemeClr val="accent2">
+                <a:alpha val="70000"/>
+              </a:schemeClr>
+            </a:solidFill>
+            <a:ln>
+              <a:noFill/>
+            </a:ln>
+            <a:effectLst/>
+          </p:spPr>
+          <p:style>
+            <a:lnRef idx="1">
+              <a:schemeClr val="accent1"/>
+            </a:lnRef>
+            <a:fillRef idx="3">
+              <a:schemeClr val="accent1"/>
+            </a:fillRef>
+            <a:effectRef idx="2">
+              <a:schemeClr val="accent1"/>
+            </a:effectRef>
+            <a:fontRef idx="minor">
+              <a:schemeClr val="lt1"/>
+            </a:fontRef>
+          </p:style>
+        </p:sp>
+        <p:sp>
+          <p:nvSpPr>
+            <p:cNvPr id="26" name="Rectangle 29"/>
+            <p:cNvSpPr/>
+            <p:nvPr/>
+          </p:nvSpPr>
+          <p:spPr>
+            <a:xfrm>
+              <a:off x="10938999" y="-8467"/>
+              <a:ext cx="1249825" cy="6866467"/>
+            </a:xfrm>
+            <a:custGeom>
+              <a:avLst/>
+              <a:gdLst/>
+              <a:ahLst/>
+              <a:cxnLst/>
+              <a:rect l="l" t="t" r="r" b="b"/>
+              <a:pathLst>
+                <a:path w="1249825" h="6858000">
+                  <a:moveTo>
+                    <a:pt x="0" y="0"/>
+                  </a:moveTo>
+                  <a:lnTo>
+                    <a:pt x="1249825" y="0"/>
+                  </a:lnTo>
+                  <a:lnTo>
+                    <a:pt x="1249825" y="6858000"/>
+                  </a:lnTo>
+                  <a:lnTo>
+                    <a:pt x="1109382" y="6858000"/>
+                  </a:lnTo>
+                  <a:lnTo>
+                    <a:pt x="0" y="0"/>
+                  </a:lnTo>
+                  <a:close/>
+                </a:path>
+              </a:pathLst>
+            </a:custGeom>
+            <a:solidFill>
+              <a:schemeClr val="accent2">
+                <a:lumMod val="75000"/>
+                <a:alpha val="80000"/>
+              </a:schemeClr>
+            </a:solidFill>
+            <a:ln>
+              <a:noFill/>
+            </a:ln>
+            <a:effectLst/>
+          </p:spPr>
+          <p:style>
+            <a:lnRef idx="1">
+              <a:schemeClr val="accent1"/>
+            </a:lnRef>
+            <a:fillRef idx="3">
+              <a:schemeClr val="accent1"/>
+            </a:fillRef>
+            <a:effectRef idx="2">
+              <a:schemeClr val="accent1"/>
+            </a:effectRef>
+            <a:fontRef idx="minor">
+              <a:schemeClr val="lt1"/>
+            </a:fontRef>
+          </p:style>
+        </p:sp>
+        <p:sp>
+          <p:nvSpPr>
+            <p:cNvPr id="27" name="Isosceles Triangle 26"/>
+            <p:cNvSpPr/>
+            <p:nvPr/>
+          </p:nvSpPr>
+          <p:spPr>
+            <a:xfrm>
+              <a:off x="10371666" y="3589867"/>
+              <a:ext cx="1817159" cy="3268133"/>
+            </a:xfrm>
+            <a:prstGeom prst="triangle">
+              <a:avLst>
+                <a:gd name="adj" fmla="val 100000"/>
+              </a:avLst>
+            </a:prstGeom>
+            <a:solidFill>
+              <a:schemeClr val="accent1">
+                <a:lumMod val="75000"/>
+                <a:alpha val="66000"/>
+              </a:schemeClr>
+            </a:solidFill>
+            <a:ln>
+              <a:noFill/>
+            </a:ln>
+            <a:effectLst/>
+          </p:spPr>
+          <p:style>
+            <a:lnRef idx="1">
+              <a:schemeClr val="accent1"/>
+            </a:lnRef>
+            <a:fillRef idx="3">
+              <a:schemeClr val="accent1"/>
+            </a:fillRef>
+            <a:effectRef idx="2">
+              <a:schemeClr val="accent1"/>
+            </a:effectRef>
+            <a:fontRef idx="minor">
+              <a:schemeClr val="lt1"/>
+            </a:fontRef>
+          </p:style>
+        </p:sp>
+      </p:grpSp>
       <p:sp>
         <p:nvSpPr>
           <p:cNvPr id="2" name="Title 1"/>
@@ -151,15 +704,21 @@
         </p:nvSpPr>
         <p:spPr>
           <a:xfrm>
-            <a:off x="1524000" y="1122363"/>
-            <a:ext cx="9144000" cy="2387600"/>
+            <a:off x="1507067" y="2404534"/>
+            <a:ext cx="7766936" cy="1646302"/>
           </a:xfrm>
         </p:spPr>
         <p:txBody>
-          <a:bodyPr anchor="b"/>
+          <a:bodyPr anchor="b">
+            <a:noAutofit/>
+          </a:bodyPr>
           <a:lstStyle>
-            <a:lvl1pPr algn="ctr">
-              <a:defRPr sz="6000"/>
+            <a:lvl1pPr algn="r">
+              <a:defRPr sz="5400">
+                <a:solidFill>
+                  <a:schemeClr val="accent1"/>
+                </a:solidFill>
+              </a:defRPr>
             </a:lvl1pPr>
           </a:lstStyle>
           <a:p>
@@ -167,6 +726,7 @@
               <a:rPr lang="en-US"/>
               <a:t>Click to edit Master title style</a:t>
             </a:r>
+            <a:endParaRPr lang="en-US" dirty="0"/>
           </a:p>
         </p:txBody>
       </p:sp>
@@ -182,48 +742,103 @@
         </p:nvSpPr>
         <p:spPr>
           <a:xfrm>
-            <a:off x="1524000" y="3602038"/>
-            <a:ext cx="9144000" cy="1655762"/>
+            <a:off x="1507067" y="4050833"/>
+            <a:ext cx="7766936" cy="1096899"/>
           </a:xfrm>
         </p:spPr>
         <p:txBody>
-          <a:bodyPr/>
+          <a:bodyPr anchor="t"/>
           <a:lstStyle>
-            <a:lvl1pPr marL="0" indent="0" algn="ctr">
-              <a:buNone/>
-              <a:defRPr sz="2400"/>
+            <a:lvl1pPr marL="0" indent="0" algn="r">
+              <a:buNone/>
+              <a:defRPr>
+                <a:solidFill>
+                  <a:schemeClr val="tx1">
+                    <a:lumMod val="50000"/>
+                    <a:lumOff val="50000"/>
+                  </a:schemeClr>
+                </a:solidFill>
+              </a:defRPr>
             </a:lvl1pPr>
             <a:lvl2pPr marL="457200" indent="0" algn="ctr">
               <a:buNone/>
-              <a:defRPr sz="2000"/>
+              <a:defRPr>
+                <a:solidFill>
+                  <a:schemeClr val="tx1">
+                    <a:tint val="75000"/>
+                  </a:schemeClr>
+                </a:solidFill>
+              </a:defRPr>
             </a:lvl2pPr>
             <a:lvl3pPr marL="914400" indent="0" algn="ctr">
               <a:buNone/>
-              <a:defRPr sz="1800"/>
+              <a:defRPr>
+                <a:solidFill>
+                  <a:schemeClr val="tx1">
+                    <a:tint val="75000"/>
+                  </a:schemeClr>
+                </a:solidFill>
+              </a:defRPr>
             </a:lvl3pPr>
             <a:lvl4pPr marL="1371600" indent="0" algn="ctr">
               <a:buNone/>
-              <a:defRPr sz="1600"/>
+              <a:defRPr>
+                <a:solidFill>
+                  <a:schemeClr val="tx1">
+                    <a:tint val="75000"/>
+                  </a:schemeClr>
+                </a:solidFill>
+              </a:defRPr>
             </a:lvl4pPr>
             <a:lvl5pPr marL="1828800" indent="0" algn="ctr">
               <a:buNone/>
-              <a:defRPr sz="1600"/>
+              <a:defRPr>
+                <a:solidFill>
+                  <a:schemeClr val="tx1">
+                    <a:tint val="75000"/>
+                  </a:schemeClr>
+                </a:solidFill>
+              </a:defRPr>
             </a:lvl5pPr>
             <a:lvl6pPr marL="2286000" indent="0" algn="ctr">
               <a:buNone/>
-              <a:defRPr sz="1600"/>
+              <a:defRPr>
+                <a:solidFill>
+                  <a:schemeClr val="tx1">
+                    <a:tint val="75000"/>
+                  </a:schemeClr>
+                </a:solidFill>
+              </a:defRPr>
             </a:lvl6pPr>
             <a:lvl7pPr marL="2743200" indent="0" algn="ctr">
               <a:buNone/>
-              <a:defRPr sz="1600"/>
+              <a:defRPr>
+                <a:solidFill>
+                  <a:schemeClr val="tx1">
+                    <a:tint val="75000"/>
+                  </a:schemeClr>
+                </a:solidFill>
+              </a:defRPr>
             </a:lvl7pPr>
             <a:lvl8pPr marL="3200400" indent="0" algn="ctr">
               <a:buNone/>
-              <a:defRPr sz="1600"/>
+              <a:defRPr>
+                <a:solidFill>
+                  <a:schemeClr val="tx1">
+                    <a:tint val="75000"/>
+                  </a:schemeClr>
+                </a:solidFill>
+              </a:defRPr>
             </a:lvl8pPr>
             <a:lvl9pPr marL="3657600" indent="0" algn="ctr">
               <a:buNone/>
-              <a:defRPr sz="1600"/>
+              <a:defRPr>
+                <a:solidFill>
+                  <a:schemeClr val="tx1">
+                    <a:tint val="75000"/>
+                  </a:schemeClr>
+                </a:solidFill>
+              </a:defRPr>
             </a:lvl9pPr>
           </a:lstStyle>
           <a:p>
@@ -231,6 +846,7 @@
               <a:rPr lang="en-US"/>
               <a:t>Click to edit Master subtitle style</a:t>
             </a:r>
+            <a:endParaRPr lang="en-US" dirty="0"/>
           </a:p>
         </p:txBody>
       </p:sp>
@@ -251,7 +867,7 @@
           <a:p>
             <a:fld id="{0EC4D967-AA5F-D149-AB1F-37E5C06BAA11}" type="datetimeFigureOut">
               <a:rPr lang="en-US" smtClean="0"/>
-              <a:t>11/2/2018</a:t>
+              <a:t>11/6/2018</a:t>
             </a:fld>
             <a:endParaRPr lang="en-US"/>
           </a:p>
@@ -302,7 +918,7 @@
     </p:spTree>
     <p:extLst>
       <p:ext uri="{BB962C8B-B14F-4D97-AF65-F5344CB8AC3E}">
-        <p14:creationId xmlns:p14="http://schemas.microsoft.com/office/powerpoint/2010/main" val="703380056"/>
+        <p14:creationId xmlns:p14="http://schemas.microsoft.com/office/powerpoint/2010/main" val="1274451843"/>
       </p:ext>
     </p:extLst>
   </p:cSld>
@@ -313,6 +929,1611 @@
 </file>
 
 <file path=ppt/slideLayouts/slideLayout10.xml><?xml version="1.0" encoding="utf-8"?>
+<p:sldLayout xmlns:a="http://schemas.openxmlformats.org/drawingml/2006/main" xmlns:r="http://schemas.openxmlformats.org/officeDocument/2006/relationships" xmlns:p="http://schemas.openxmlformats.org/presentationml/2006/main" preserve="1">
+  <p:cSld name="Title and Caption">
+    <p:spTree>
+      <p:nvGrpSpPr>
+        <p:cNvPr id="1" name=""/>
+        <p:cNvGrpSpPr/>
+        <p:nvPr/>
+      </p:nvGrpSpPr>
+      <p:grpSpPr>
+        <a:xfrm>
+          <a:off x="0" y="0"/>
+          <a:ext cx="0" cy="0"/>
+          <a:chOff x="0" y="0"/>
+          <a:chExt cx="0" cy="0"/>
+        </a:xfrm>
+      </p:grpSpPr>
+      <p:sp>
+        <p:nvSpPr>
+          <p:cNvPr id="2" name="Title 1"/>
+          <p:cNvSpPr>
+            <a:spLocks noGrp="1"/>
+          </p:cNvSpPr>
+          <p:nvPr>
+            <p:ph type="title"/>
+          </p:nvPr>
+        </p:nvSpPr>
+        <p:spPr>
+          <a:xfrm>
+            <a:off x="677335" y="609600"/>
+            <a:ext cx="8596668" cy="3403600"/>
+          </a:xfrm>
+        </p:spPr>
+        <p:txBody>
+          <a:bodyPr anchor="ctr">
+            <a:normAutofit/>
+          </a:bodyPr>
+          <a:lstStyle>
+            <a:lvl1pPr algn="l">
+              <a:defRPr sz="4400" b="0" cap="none"/>
+            </a:lvl1pPr>
+          </a:lstStyle>
+          <a:p>
+            <a:r>
+              <a:rPr lang="en-US"/>
+              <a:t>Click to edit Master title style</a:t>
+            </a:r>
+            <a:endParaRPr lang="en-US" dirty="0"/>
+          </a:p>
+        </p:txBody>
+      </p:sp>
+      <p:sp>
+        <p:nvSpPr>
+          <p:cNvPr id="3" name="Text Placeholder 2"/>
+          <p:cNvSpPr>
+            <a:spLocks noGrp="1"/>
+          </p:cNvSpPr>
+          <p:nvPr>
+            <p:ph type="body" idx="1"/>
+          </p:nvPr>
+        </p:nvSpPr>
+        <p:spPr>
+          <a:xfrm>
+            <a:off x="677335" y="4470400"/>
+            <a:ext cx="8596668" cy="1570962"/>
+          </a:xfrm>
+        </p:spPr>
+        <p:txBody>
+          <a:bodyPr anchor="ctr">
+            <a:normAutofit/>
+          </a:bodyPr>
+          <a:lstStyle>
+            <a:lvl1pPr marL="0" indent="0" algn="l">
+              <a:buNone/>
+              <a:defRPr sz="1800">
+                <a:solidFill>
+                  <a:schemeClr val="tx1">
+                    <a:lumMod val="75000"/>
+                    <a:lumOff val="25000"/>
+                  </a:schemeClr>
+                </a:solidFill>
+              </a:defRPr>
+            </a:lvl1pPr>
+            <a:lvl2pPr marL="457200" indent="0">
+              <a:buNone/>
+              <a:defRPr sz="1800">
+                <a:solidFill>
+                  <a:schemeClr val="tx1">
+                    <a:tint val="75000"/>
+                  </a:schemeClr>
+                </a:solidFill>
+              </a:defRPr>
+            </a:lvl2pPr>
+            <a:lvl3pPr marL="914400" indent="0">
+              <a:buNone/>
+              <a:defRPr sz="1600">
+                <a:solidFill>
+                  <a:schemeClr val="tx1">
+                    <a:tint val="75000"/>
+                  </a:schemeClr>
+                </a:solidFill>
+              </a:defRPr>
+            </a:lvl3pPr>
+            <a:lvl4pPr marL="1371600" indent="0">
+              <a:buNone/>
+              <a:defRPr sz="1400">
+                <a:solidFill>
+                  <a:schemeClr val="tx1">
+                    <a:tint val="75000"/>
+                  </a:schemeClr>
+                </a:solidFill>
+              </a:defRPr>
+            </a:lvl4pPr>
+            <a:lvl5pPr marL="1828800" indent="0">
+              <a:buNone/>
+              <a:defRPr sz="1400">
+                <a:solidFill>
+                  <a:schemeClr val="tx1">
+                    <a:tint val="75000"/>
+                  </a:schemeClr>
+                </a:solidFill>
+              </a:defRPr>
+            </a:lvl5pPr>
+            <a:lvl6pPr marL="2286000" indent="0">
+              <a:buNone/>
+              <a:defRPr sz="1400">
+                <a:solidFill>
+                  <a:schemeClr val="tx1">
+                    <a:tint val="75000"/>
+                  </a:schemeClr>
+                </a:solidFill>
+              </a:defRPr>
+            </a:lvl6pPr>
+            <a:lvl7pPr marL="2743200" indent="0">
+              <a:buNone/>
+              <a:defRPr sz="1400">
+                <a:solidFill>
+                  <a:schemeClr val="tx1">
+                    <a:tint val="75000"/>
+                  </a:schemeClr>
+                </a:solidFill>
+              </a:defRPr>
+            </a:lvl7pPr>
+            <a:lvl8pPr marL="3200400" indent="0">
+              <a:buNone/>
+              <a:defRPr sz="1400">
+                <a:solidFill>
+                  <a:schemeClr val="tx1">
+                    <a:tint val="75000"/>
+                  </a:schemeClr>
+                </a:solidFill>
+              </a:defRPr>
+            </a:lvl8pPr>
+            <a:lvl9pPr marL="3657600" indent="0">
+              <a:buNone/>
+              <a:defRPr sz="1400">
+                <a:solidFill>
+                  <a:schemeClr val="tx1">
+                    <a:tint val="75000"/>
+                  </a:schemeClr>
+                </a:solidFill>
+              </a:defRPr>
+            </a:lvl9pPr>
+          </a:lstStyle>
+          <a:p>
+            <a:pPr lvl="0"/>
+            <a:r>
+              <a:rPr lang="en-US"/>
+              <a:t>Edit Master text styles</a:t>
+            </a:r>
+          </a:p>
+        </p:txBody>
+      </p:sp>
+      <p:sp>
+        <p:nvSpPr>
+          <p:cNvPr id="4" name="Date Placeholder 3"/>
+          <p:cNvSpPr>
+            <a:spLocks noGrp="1"/>
+          </p:cNvSpPr>
+          <p:nvPr>
+            <p:ph type="dt" sz="half" idx="10"/>
+          </p:nvPr>
+        </p:nvSpPr>
+        <p:spPr/>
+        <p:txBody>
+          <a:bodyPr/>
+          <a:lstStyle/>
+          <a:p>
+            <a:fld id="{0EC4D967-AA5F-D149-AB1F-37E5C06BAA11}" type="datetimeFigureOut">
+              <a:rPr lang="en-US" smtClean="0"/>
+              <a:t>11/6/2018</a:t>
+            </a:fld>
+            <a:endParaRPr lang="en-US"/>
+          </a:p>
+        </p:txBody>
+      </p:sp>
+      <p:sp>
+        <p:nvSpPr>
+          <p:cNvPr id="5" name="Footer Placeholder 4"/>
+          <p:cNvSpPr>
+            <a:spLocks noGrp="1"/>
+          </p:cNvSpPr>
+          <p:nvPr>
+            <p:ph type="ftr" sz="quarter" idx="11"/>
+          </p:nvPr>
+        </p:nvSpPr>
+        <p:spPr/>
+        <p:txBody>
+          <a:bodyPr/>
+          <a:lstStyle/>
+          <a:p>
+            <a:endParaRPr lang="en-US"/>
+          </a:p>
+        </p:txBody>
+      </p:sp>
+      <p:sp>
+        <p:nvSpPr>
+          <p:cNvPr id="6" name="Slide Number Placeholder 5"/>
+          <p:cNvSpPr>
+            <a:spLocks noGrp="1"/>
+          </p:cNvSpPr>
+          <p:nvPr>
+            <p:ph type="sldNum" sz="quarter" idx="12"/>
+          </p:nvPr>
+        </p:nvSpPr>
+        <p:spPr/>
+        <p:txBody>
+          <a:bodyPr/>
+          <a:lstStyle/>
+          <a:p>
+            <a:fld id="{4AB26747-F046-BA46-84AA-1C78B9136A7F}" type="slidenum">
+              <a:rPr lang="en-US" smtClean="0"/>
+              <a:t>‹#›</a:t>
+            </a:fld>
+            <a:endParaRPr lang="en-US"/>
+          </a:p>
+        </p:txBody>
+      </p:sp>
+    </p:spTree>
+    <p:extLst>
+      <p:ext uri="{BB962C8B-B14F-4D97-AF65-F5344CB8AC3E}">
+        <p14:creationId xmlns:p14="http://schemas.microsoft.com/office/powerpoint/2010/main" val="866379641"/>
+      </p:ext>
+    </p:extLst>
+  </p:cSld>
+  <p:clrMapOvr>
+    <a:masterClrMapping/>
+  </p:clrMapOvr>
+</p:sldLayout>
+</file>
+
+<file path=ppt/slideLayouts/slideLayout11.xml><?xml version="1.0" encoding="utf-8"?>
+<p:sldLayout xmlns:a="http://schemas.openxmlformats.org/drawingml/2006/main" xmlns:r="http://schemas.openxmlformats.org/officeDocument/2006/relationships" xmlns:p="http://schemas.openxmlformats.org/presentationml/2006/main" preserve="1">
+  <p:cSld name="Quote with Caption">
+    <p:spTree>
+      <p:nvGrpSpPr>
+        <p:cNvPr id="1" name=""/>
+        <p:cNvGrpSpPr/>
+        <p:nvPr/>
+      </p:nvGrpSpPr>
+      <p:grpSpPr>
+        <a:xfrm>
+          <a:off x="0" y="0"/>
+          <a:ext cx="0" cy="0"/>
+          <a:chOff x="0" y="0"/>
+          <a:chExt cx="0" cy="0"/>
+        </a:xfrm>
+      </p:grpSpPr>
+      <p:sp>
+        <p:nvSpPr>
+          <p:cNvPr id="2" name="Title 1"/>
+          <p:cNvSpPr>
+            <a:spLocks noGrp="1"/>
+          </p:cNvSpPr>
+          <p:nvPr>
+            <p:ph type="title"/>
+          </p:nvPr>
+        </p:nvSpPr>
+        <p:spPr>
+          <a:xfrm>
+            <a:off x="931334" y="609600"/>
+            <a:ext cx="8094134" cy="3022600"/>
+          </a:xfrm>
+        </p:spPr>
+        <p:txBody>
+          <a:bodyPr anchor="ctr">
+            <a:normAutofit/>
+          </a:bodyPr>
+          <a:lstStyle>
+            <a:lvl1pPr algn="l">
+              <a:defRPr sz="4400" b="0" cap="none"/>
+            </a:lvl1pPr>
+          </a:lstStyle>
+          <a:p>
+            <a:r>
+              <a:rPr lang="en-US"/>
+              <a:t>Click to edit Master title style</a:t>
+            </a:r>
+            <a:endParaRPr lang="en-US" dirty="0"/>
+          </a:p>
+        </p:txBody>
+      </p:sp>
+      <p:sp>
+        <p:nvSpPr>
+          <p:cNvPr id="23" name="Text Placeholder 9"/>
+          <p:cNvSpPr>
+            <a:spLocks noGrp="1"/>
+          </p:cNvSpPr>
+          <p:nvPr>
+            <p:ph type="body" sz="quarter" idx="13"/>
+          </p:nvPr>
+        </p:nvSpPr>
+        <p:spPr>
+          <a:xfrm>
+            <a:off x="1366139" y="3632200"/>
+            <a:ext cx="7224524" cy="381000"/>
+          </a:xfrm>
+        </p:spPr>
+        <p:txBody>
+          <a:bodyPr anchor="ctr">
+            <a:noAutofit/>
+          </a:bodyPr>
+          <a:lstStyle>
+            <a:lvl1pPr marL="0" indent="0">
+              <a:buFontTx/>
+              <a:buNone/>
+              <a:defRPr sz="1600">
+                <a:solidFill>
+                  <a:schemeClr val="tx1">
+                    <a:lumMod val="50000"/>
+                    <a:lumOff val="50000"/>
+                  </a:schemeClr>
+                </a:solidFill>
+              </a:defRPr>
+            </a:lvl1pPr>
+            <a:lvl2pPr marL="457200" indent="0">
+              <a:buFontTx/>
+              <a:buNone/>
+              <a:defRPr/>
+            </a:lvl2pPr>
+            <a:lvl3pPr marL="914400" indent="0">
+              <a:buFontTx/>
+              <a:buNone/>
+              <a:defRPr/>
+            </a:lvl3pPr>
+            <a:lvl4pPr marL="1371600" indent="0">
+              <a:buFontTx/>
+              <a:buNone/>
+              <a:defRPr/>
+            </a:lvl4pPr>
+            <a:lvl5pPr marL="1828800" indent="0">
+              <a:buFontTx/>
+              <a:buNone/>
+              <a:defRPr/>
+            </a:lvl5pPr>
+          </a:lstStyle>
+          <a:p>
+            <a:pPr lvl="0"/>
+            <a:r>
+              <a:rPr lang="en-US"/>
+              <a:t>Edit Master text styles</a:t>
+            </a:r>
+          </a:p>
+        </p:txBody>
+      </p:sp>
+      <p:sp>
+        <p:nvSpPr>
+          <p:cNvPr id="3" name="Text Placeholder 2"/>
+          <p:cNvSpPr>
+            <a:spLocks noGrp="1"/>
+          </p:cNvSpPr>
+          <p:nvPr>
+            <p:ph type="body" idx="1"/>
+          </p:nvPr>
+        </p:nvSpPr>
+        <p:spPr>
+          <a:xfrm>
+            <a:off x="677335" y="4470400"/>
+            <a:ext cx="8596668" cy="1570962"/>
+          </a:xfrm>
+        </p:spPr>
+        <p:txBody>
+          <a:bodyPr anchor="ctr">
+            <a:normAutofit/>
+          </a:bodyPr>
+          <a:lstStyle>
+            <a:lvl1pPr marL="0" indent="0" algn="l">
+              <a:buNone/>
+              <a:defRPr sz="1800">
+                <a:solidFill>
+                  <a:schemeClr val="tx1">
+                    <a:lumMod val="75000"/>
+                    <a:lumOff val="25000"/>
+                  </a:schemeClr>
+                </a:solidFill>
+              </a:defRPr>
+            </a:lvl1pPr>
+            <a:lvl2pPr marL="457200" indent="0">
+              <a:buNone/>
+              <a:defRPr sz="1800">
+                <a:solidFill>
+                  <a:schemeClr val="tx1">
+                    <a:tint val="75000"/>
+                  </a:schemeClr>
+                </a:solidFill>
+              </a:defRPr>
+            </a:lvl2pPr>
+            <a:lvl3pPr marL="914400" indent="0">
+              <a:buNone/>
+              <a:defRPr sz="1600">
+                <a:solidFill>
+                  <a:schemeClr val="tx1">
+                    <a:tint val="75000"/>
+                  </a:schemeClr>
+                </a:solidFill>
+              </a:defRPr>
+            </a:lvl3pPr>
+            <a:lvl4pPr marL="1371600" indent="0">
+              <a:buNone/>
+              <a:defRPr sz="1400">
+                <a:solidFill>
+                  <a:schemeClr val="tx1">
+                    <a:tint val="75000"/>
+                  </a:schemeClr>
+                </a:solidFill>
+              </a:defRPr>
+            </a:lvl4pPr>
+            <a:lvl5pPr marL="1828800" indent="0">
+              <a:buNone/>
+              <a:defRPr sz="1400">
+                <a:solidFill>
+                  <a:schemeClr val="tx1">
+                    <a:tint val="75000"/>
+                  </a:schemeClr>
+                </a:solidFill>
+              </a:defRPr>
+            </a:lvl5pPr>
+            <a:lvl6pPr marL="2286000" indent="0">
+              <a:buNone/>
+              <a:defRPr sz="1400">
+                <a:solidFill>
+                  <a:schemeClr val="tx1">
+                    <a:tint val="75000"/>
+                  </a:schemeClr>
+                </a:solidFill>
+              </a:defRPr>
+            </a:lvl6pPr>
+            <a:lvl7pPr marL="2743200" indent="0">
+              <a:buNone/>
+              <a:defRPr sz="1400">
+                <a:solidFill>
+                  <a:schemeClr val="tx1">
+                    <a:tint val="75000"/>
+                  </a:schemeClr>
+                </a:solidFill>
+              </a:defRPr>
+            </a:lvl7pPr>
+            <a:lvl8pPr marL="3200400" indent="0">
+              <a:buNone/>
+              <a:defRPr sz="1400">
+                <a:solidFill>
+                  <a:schemeClr val="tx1">
+                    <a:tint val="75000"/>
+                  </a:schemeClr>
+                </a:solidFill>
+              </a:defRPr>
+            </a:lvl8pPr>
+            <a:lvl9pPr marL="3657600" indent="0">
+              <a:buNone/>
+              <a:defRPr sz="1400">
+                <a:solidFill>
+                  <a:schemeClr val="tx1">
+                    <a:tint val="75000"/>
+                  </a:schemeClr>
+                </a:solidFill>
+              </a:defRPr>
+            </a:lvl9pPr>
+          </a:lstStyle>
+          <a:p>
+            <a:pPr lvl="0"/>
+            <a:r>
+              <a:rPr lang="en-US"/>
+              <a:t>Edit Master text styles</a:t>
+            </a:r>
+          </a:p>
+        </p:txBody>
+      </p:sp>
+      <p:sp>
+        <p:nvSpPr>
+          <p:cNvPr id="4" name="Date Placeholder 3"/>
+          <p:cNvSpPr>
+            <a:spLocks noGrp="1"/>
+          </p:cNvSpPr>
+          <p:nvPr>
+            <p:ph type="dt" sz="half" idx="10"/>
+          </p:nvPr>
+        </p:nvSpPr>
+        <p:spPr/>
+        <p:txBody>
+          <a:bodyPr/>
+          <a:lstStyle/>
+          <a:p>
+            <a:fld id="{0EC4D967-AA5F-D149-AB1F-37E5C06BAA11}" type="datetimeFigureOut">
+              <a:rPr lang="en-US" smtClean="0"/>
+              <a:t>11/6/2018</a:t>
+            </a:fld>
+            <a:endParaRPr lang="en-US"/>
+          </a:p>
+        </p:txBody>
+      </p:sp>
+      <p:sp>
+        <p:nvSpPr>
+          <p:cNvPr id="5" name="Footer Placeholder 4"/>
+          <p:cNvSpPr>
+            <a:spLocks noGrp="1"/>
+          </p:cNvSpPr>
+          <p:nvPr>
+            <p:ph type="ftr" sz="quarter" idx="11"/>
+          </p:nvPr>
+        </p:nvSpPr>
+        <p:spPr/>
+        <p:txBody>
+          <a:bodyPr/>
+          <a:lstStyle/>
+          <a:p>
+            <a:endParaRPr lang="en-US"/>
+          </a:p>
+        </p:txBody>
+      </p:sp>
+      <p:sp>
+        <p:nvSpPr>
+          <p:cNvPr id="6" name="Slide Number Placeholder 5"/>
+          <p:cNvSpPr>
+            <a:spLocks noGrp="1"/>
+          </p:cNvSpPr>
+          <p:nvPr>
+            <p:ph type="sldNum" sz="quarter" idx="12"/>
+          </p:nvPr>
+        </p:nvSpPr>
+        <p:spPr/>
+        <p:txBody>
+          <a:bodyPr/>
+          <a:lstStyle/>
+          <a:p>
+            <a:fld id="{4AB26747-F046-BA46-84AA-1C78B9136A7F}" type="slidenum">
+              <a:rPr lang="en-US" smtClean="0"/>
+              <a:t>‹#›</a:t>
+            </a:fld>
+            <a:endParaRPr lang="en-US"/>
+          </a:p>
+        </p:txBody>
+      </p:sp>
+      <p:sp>
+        <p:nvSpPr>
+          <p:cNvPr id="24" name="TextBox 23"/>
+          <p:cNvSpPr txBox="1"/>
+          <p:nvPr/>
+        </p:nvSpPr>
+        <p:spPr>
+          <a:xfrm>
+            <a:off x="541870" y="790378"/>
+            <a:ext cx="609600" cy="584776"/>
+          </a:xfrm>
+          <a:prstGeom prst="rect">
+            <a:avLst/>
+          </a:prstGeom>
+        </p:spPr>
+        <p:txBody>
+          <a:bodyPr vert="horz" lIns="91440" tIns="45720" rIns="91440" bIns="45720" rtlCol="0" anchor="ctr">
+            <a:noAutofit/>
+          </a:bodyPr>
+          <a:lstStyle/>
+          <a:p>
+            <a:pPr lvl="0"/>
+            <a:r>
+              <a:rPr lang="en-US" sz="8000" baseline="0" dirty="0">
+                <a:ln w="3175" cmpd="sng">
+                  <a:noFill/>
+                </a:ln>
+                <a:solidFill>
+                  <a:schemeClr val="accent1">
+                    <a:lumMod val="60000"/>
+                    <a:lumOff val="40000"/>
+                  </a:schemeClr>
+                </a:solidFill>
+                <a:effectLst/>
+                <a:latin typeface="Arial"/>
+              </a:rPr>
+              <a:t>“</a:t>
+            </a:r>
+          </a:p>
+        </p:txBody>
+      </p:sp>
+      <p:sp>
+        <p:nvSpPr>
+          <p:cNvPr id="25" name="TextBox 24"/>
+          <p:cNvSpPr txBox="1"/>
+          <p:nvPr/>
+        </p:nvSpPr>
+        <p:spPr>
+          <a:xfrm>
+            <a:off x="8893011" y="2886556"/>
+            <a:ext cx="609600" cy="584776"/>
+          </a:xfrm>
+          <a:prstGeom prst="rect">
+            <a:avLst/>
+          </a:prstGeom>
+        </p:spPr>
+        <p:txBody>
+          <a:bodyPr vert="horz" lIns="91440" tIns="45720" rIns="91440" bIns="45720" rtlCol="0" anchor="ctr">
+            <a:noAutofit/>
+          </a:bodyPr>
+          <a:lstStyle/>
+          <a:p>
+            <a:pPr lvl="0"/>
+            <a:r>
+              <a:rPr lang="en-US" sz="8000" baseline="0" dirty="0">
+                <a:ln w="3175" cmpd="sng">
+                  <a:noFill/>
+                </a:ln>
+                <a:solidFill>
+                  <a:schemeClr val="accent1">
+                    <a:lumMod val="60000"/>
+                    <a:lumOff val="40000"/>
+                  </a:schemeClr>
+                </a:solidFill>
+                <a:effectLst/>
+                <a:latin typeface="Arial"/>
+              </a:rPr>
+              <a:t>”</a:t>
+            </a:r>
+          </a:p>
+        </p:txBody>
+      </p:sp>
+    </p:spTree>
+    <p:extLst>
+      <p:ext uri="{BB962C8B-B14F-4D97-AF65-F5344CB8AC3E}">
+        <p14:creationId xmlns:p14="http://schemas.microsoft.com/office/powerpoint/2010/main" val="221973434"/>
+      </p:ext>
+    </p:extLst>
+  </p:cSld>
+  <p:clrMapOvr>
+    <a:masterClrMapping/>
+  </p:clrMapOvr>
+</p:sldLayout>
+</file>
+
+<file path=ppt/slideLayouts/slideLayout12.xml><?xml version="1.0" encoding="utf-8"?>
+<p:sldLayout xmlns:a="http://schemas.openxmlformats.org/drawingml/2006/main" xmlns:r="http://schemas.openxmlformats.org/officeDocument/2006/relationships" xmlns:p="http://schemas.openxmlformats.org/presentationml/2006/main" preserve="1">
+  <p:cSld name="Name Card">
+    <p:spTree>
+      <p:nvGrpSpPr>
+        <p:cNvPr id="1" name=""/>
+        <p:cNvGrpSpPr/>
+        <p:nvPr/>
+      </p:nvGrpSpPr>
+      <p:grpSpPr>
+        <a:xfrm>
+          <a:off x="0" y="0"/>
+          <a:ext cx="0" cy="0"/>
+          <a:chOff x="0" y="0"/>
+          <a:chExt cx="0" cy="0"/>
+        </a:xfrm>
+      </p:grpSpPr>
+      <p:sp>
+        <p:nvSpPr>
+          <p:cNvPr id="2" name="Title 1"/>
+          <p:cNvSpPr>
+            <a:spLocks noGrp="1"/>
+          </p:cNvSpPr>
+          <p:nvPr>
+            <p:ph type="title"/>
+          </p:nvPr>
+        </p:nvSpPr>
+        <p:spPr>
+          <a:xfrm>
+            <a:off x="677335" y="1931988"/>
+            <a:ext cx="8596668" cy="2595460"/>
+          </a:xfrm>
+        </p:spPr>
+        <p:txBody>
+          <a:bodyPr anchor="b">
+            <a:normAutofit/>
+          </a:bodyPr>
+          <a:lstStyle>
+            <a:lvl1pPr algn="l">
+              <a:defRPr sz="4400" b="0" cap="none"/>
+            </a:lvl1pPr>
+          </a:lstStyle>
+          <a:p>
+            <a:r>
+              <a:rPr lang="en-US"/>
+              <a:t>Click to edit Master title style</a:t>
+            </a:r>
+            <a:endParaRPr lang="en-US" dirty="0"/>
+          </a:p>
+        </p:txBody>
+      </p:sp>
+      <p:sp>
+        <p:nvSpPr>
+          <p:cNvPr id="3" name="Text Placeholder 2"/>
+          <p:cNvSpPr>
+            <a:spLocks noGrp="1"/>
+          </p:cNvSpPr>
+          <p:nvPr>
+            <p:ph type="body" idx="1"/>
+          </p:nvPr>
+        </p:nvSpPr>
+        <p:spPr>
+          <a:xfrm>
+            <a:off x="677335" y="4527448"/>
+            <a:ext cx="8596668" cy="1513914"/>
+          </a:xfrm>
+        </p:spPr>
+        <p:txBody>
+          <a:bodyPr anchor="t">
+            <a:normAutofit/>
+          </a:bodyPr>
+          <a:lstStyle>
+            <a:lvl1pPr marL="0" indent="0" algn="l">
+              <a:buNone/>
+              <a:defRPr sz="1800">
+                <a:solidFill>
+                  <a:schemeClr val="tx1">
+                    <a:lumMod val="75000"/>
+                    <a:lumOff val="25000"/>
+                  </a:schemeClr>
+                </a:solidFill>
+              </a:defRPr>
+            </a:lvl1pPr>
+            <a:lvl2pPr marL="457200" indent="0">
+              <a:buNone/>
+              <a:defRPr sz="1800">
+                <a:solidFill>
+                  <a:schemeClr val="tx1">
+                    <a:tint val="75000"/>
+                  </a:schemeClr>
+                </a:solidFill>
+              </a:defRPr>
+            </a:lvl2pPr>
+            <a:lvl3pPr marL="914400" indent="0">
+              <a:buNone/>
+              <a:defRPr sz="1600">
+                <a:solidFill>
+                  <a:schemeClr val="tx1">
+                    <a:tint val="75000"/>
+                  </a:schemeClr>
+                </a:solidFill>
+              </a:defRPr>
+            </a:lvl3pPr>
+            <a:lvl4pPr marL="1371600" indent="0">
+              <a:buNone/>
+              <a:defRPr sz="1400">
+                <a:solidFill>
+                  <a:schemeClr val="tx1">
+                    <a:tint val="75000"/>
+                  </a:schemeClr>
+                </a:solidFill>
+              </a:defRPr>
+            </a:lvl4pPr>
+            <a:lvl5pPr marL="1828800" indent="0">
+              <a:buNone/>
+              <a:defRPr sz="1400">
+                <a:solidFill>
+                  <a:schemeClr val="tx1">
+                    <a:tint val="75000"/>
+                  </a:schemeClr>
+                </a:solidFill>
+              </a:defRPr>
+            </a:lvl5pPr>
+            <a:lvl6pPr marL="2286000" indent="0">
+              <a:buNone/>
+              <a:defRPr sz="1400">
+                <a:solidFill>
+                  <a:schemeClr val="tx1">
+                    <a:tint val="75000"/>
+                  </a:schemeClr>
+                </a:solidFill>
+              </a:defRPr>
+            </a:lvl6pPr>
+            <a:lvl7pPr marL="2743200" indent="0">
+              <a:buNone/>
+              <a:defRPr sz="1400">
+                <a:solidFill>
+                  <a:schemeClr val="tx1">
+                    <a:tint val="75000"/>
+                  </a:schemeClr>
+                </a:solidFill>
+              </a:defRPr>
+            </a:lvl7pPr>
+            <a:lvl8pPr marL="3200400" indent="0">
+              <a:buNone/>
+              <a:defRPr sz="1400">
+                <a:solidFill>
+                  <a:schemeClr val="tx1">
+                    <a:tint val="75000"/>
+                  </a:schemeClr>
+                </a:solidFill>
+              </a:defRPr>
+            </a:lvl8pPr>
+            <a:lvl9pPr marL="3657600" indent="0">
+              <a:buNone/>
+              <a:defRPr sz="1400">
+                <a:solidFill>
+                  <a:schemeClr val="tx1">
+                    <a:tint val="75000"/>
+                  </a:schemeClr>
+                </a:solidFill>
+              </a:defRPr>
+            </a:lvl9pPr>
+          </a:lstStyle>
+          <a:p>
+            <a:pPr lvl="0"/>
+            <a:r>
+              <a:rPr lang="en-US"/>
+              <a:t>Edit Master text styles</a:t>
+            </a:r>
+          </a:p>
+        </p:txBody>
+      </p:sp>
+      <p:sp>
+        <p:nvSpPr>
+          <p:cNvPr id="4" name="Date Placeholder 3"/>
+          <p:cNvSpPr>
+            <a:spLocks noGrp="1"/>
+          </p:cNvSpPr>
+          <p:nvPr>
+            <p:ph type="dt" sz="half" idx="10"/>
+          </p:nvPr>
+        </p:nvSpPr>
+        <p:spPr/>
+        <p:txBody>
+          <a:bodyPr/>
+          <a:lstStyle/>
+          <a:p>
+            <a:fld id="{0EC4D967-AA5F-D149-AB1F-37E5C06BAA11}" type="datetimeFigureOut">
+              <a:rPr lang="en-US" smtClean="0"/>
+              <a:t>11/6/2018</a:t>
+            </a:fld>
+            <a:endParaRPr lang="en-US"/>
+          </a:p>
+        </p:txBody>
+      </p:sp>
+      <p:sp>
+        <p:nvSpPr>
+          <p:cNvPr id="5" name="Footer Placeholder 4"/>
+          <p:cNvSpPr>
+            <a:spLocks noGrp="1"/>
+          </p:cNvSpPr>
+          <p:nvPr>
+            <p:ph type="ftr" sz="quarter" idx="11"/>
+          </p:nvPr>
+        </p:nvSpPr>
+        <p:spPr/>
+        <p:txBody>
+          <a:bodyPr/>
+          <a:lstStyle/>
+          <a:p>
+            <a:endParaRPr lang="en-US"/>
+          </a:p>
+        </p:txBody>
+      </p:sp>
+      <p:sp>
+        <p:nvSpPr>
+          <p:cNvPr id="6" name="Slide Number Placeholder 5"/>
+          <p:cNvSpPr>
+            <a:spLocks noGrp="1"/>
+          </p:cNvSpPr>
+          <p:nvPr>
+            <p:ph type="sldNum" sz="quarter" idx="12"/>
+          </p:nvPr>
+        </p:nvSpPr>
+        <p:spPr/>
+        <p:txBody>
+          <a:bodyPr/>
+          <a:lstStyle/>
+          <a:p>
+            <a:fld id="{4AB26747-F046-BA46-84AA-1C78B9136A7F}" type="slidenum">
+              <a:rPr lang="en-US" smtClean="0"/>
+              <a:t>‹#›</a:t>
+            </a:fld>
+            <a:endParaRPr lang="en-US"/>
+          </a:p>
+        </p:txBody>
+      </p:sp>
+    </p:spTree>
+    <p:extLst>
+      <p:ext uri="{BB962C8B-B14F-4D97-AF65-F5344CB8AC3E}">
+        <p14:creationId xmlns:p14="http://schemas.microsoft.com/office/powerpoint/2010/main" val="2353533466"/>
+      </p:ext>
+    </p:extLst>
+  </p:cSld>
+  <p:clrMapOvr>
+    <a:masterClrMapping/>
+  </p:clrMapOvr>
+</p:sldLayout>
+</file>
+
+<file path=ppt/slideLayouts/slideLayout13.xml><?xml version="1.0" encoding="utf-8"?>
+<p:sldLayout xmlns:a="http://schemas.openxmlformats.org/drawingml/2006/main" xmlns:r="http://schemas.openxmlformats.org/officeDocument/2006/relationships" xmlns:p="http://schemas.openxmlformats.org/presentationml/2006/main" preserve="1">
+  <p:cSld name="Quote Name Card">
+    <p:spTree>
+      <p:nvGrpSpPr>
+        <p:cNvPr id="1" name=""/>
+        <p:cNvGrpSpPr/>
+        <p:nvPr/>
+      </p:nvGrpSpPr>
+      <p:grpSpPr>
+        <a:xfrm>
+          <a:off x="0" y="0"/>
+          <a:ext cx="0" cy="0"/>
+          <a:chOff x="0" y="0"/>
+          <a:chExt cx="0" cy="0"/>
+        </a:xfrm>
+      </p:grpSpPr>
+      <p:sp>
+        <p:nvSpPr>
+          <p:cNvPr id="2" name="Title 1"/>
+          <p:cNvSpPr>
+            <a:spLocks noGrp="1"/>
+          </p:cNvSpPr>
+          <p:nvPr>
+            <p:ph type="title"/>
+          </p:nvPr>
+        </p:nvSpPr>
+        <p:spPr>
+          <a:xfrm>
+            <a:off x="931334" y="609600"/>
+            <a:ext cx="8094134" cy="3022600"/>
+          </a:xfrm>
+        </p:spPr>
+        <p:txBody>
+          <a:bodyPr anchor="ctr">
+            <a:normAutofit/>
+          </a:bodyPr>
+          <a:lstStyle>
+            <a:lvl1pPr algn="l">
+              <a:defRPr sz="4400" b="0" cap="none"/>
+            </a:lvl1pPr>
+          </a:lstStyle>
+          <a:p>
+            <a:r>
+              <a:rPr lang="en-US"/>
+              <a:t>Click to edit Master title style</a:t>
+            </a:r>
+            <a:endParaRPr lang="en-US" dirty="0"/>
+          </a:p>
+        </p:txBody>
+      </p:sp>
+      <p:sp>
+        <p:nvSpPr>
+          <p:cNvPr id="23" name="Text Placeholder 9"/>
+          <p:cNvSpPr>
+            <a:spLocks noGrp="1"/>
+          </p:cNvSpPr>
+          <p:nvPr>
+            <p:ph type="body" sz="quarter" idx="13"/>
+          </p:nvPr>
+        </p:nvSpPr>
+        <p:spPr>
+          <a:xfrm>
+            <a:off x="677332" y="4013200"/>
+            <a:ext cx="8596669" cy="514248"/>
+          </a:xfrm>
+        </p:spPr>
+        <p:txBody>
+          <a:bodyPr anchor="b">
+            <a:noAutofit/>
+          </a:bodyPr>
+          <a:lstStyle>
+            <a:lvl1pPr marL="0" indent="0">
+              <a:buFontTx/>
+              <a:buNone/>
+              <a:defRPr sz="2400">
+                <a:solidFill>
+                  <a:schemeClr val="tx1">
+                    <a:lumMod val="75000"/>
+                    <a:lumOff val="25000"/>
+                  </a:schemeClr>
+                </a:solidFill>
+              </a:defRPr>
+            </a:lvl1pPr>
+            <a:lvl2pPr marL="457200" indent="0">
+              <a:buFontTx/>
+              <a:buNone/>
+              <a:defRPr/>
+            </a:lvl2pPr>
+            <a:lvl3pPr marL="914400" indent="0">
+              <a:buFontTx/>
+              <a:buNone/>
+              <a:defRPr/>
+            </a:lvl3pPr>
+            <a:lvl4pPr marL="1371600" indent="0">
+              <a:buFontTx/>
+              <a:buNone/>
+              <a:defRPr/>
+            </a:lvl4pPr>
+            <a:lvl5pPr marL="1828800" indent="0">
+              <a:buFontTx/>
+              <a:buNone/>
+              <a:defRPr/>
+            </a:lvl5pPr>
+          </a:lstStyle>
+          <a:p>
+            <a:pPr lvl="0"/>
+            <a:r>
+              <a:rPr lang="en-US"/>
+              <a:t>Edit Master text styles</a:t>
+            </a:r>
+          </a:p>
+        </p:txBody>
+      </p:sp>
+      <p:sp>
+        <p:nvSpPr>
+          <p:cNvPr id="3" name="Text Placeholder 2"/>
+          <p:cNvSpPr>
+            <a:spLocks noGrp="1"/>
+          </p:cNvSpPr>
+          <p:nvPr>
+            <p:ph type="body" idx="1"/>
+          </p:nvPr>
+        </p:nvSpPr>
+        <p:spPr>
+          <a:xfrm>
+            <a:off x="677335" y="4527448"/>
+            <a:ext cx="8596668" cy="1513914"/>
+          </a:xfrm>
+        </p:spPr>
+        <p:txBody>
+          <a:bodyPr anchor="t">
+            <a:normAutofit/>
+          </a:bodyPr>
+          <a:lstStyle>
+            <a:lvl1pPr marL="0" indent="0" algn="l">
+              <a:buNone/>
+              <a:defRPr sz="1800">
+                <a:solidFill>
+                  <a:schemeClr val="tx1">
+                    <a:lumMod val="50000"/>
+                    <a:lumOff val="50000"/>
+                  </a:schemeClr>
+                </a:solidFill>
+              </a:defRPr>
+            </a:lvl1pPr>
+            <a:lvl2pPr marL="457200" indent="0">
+              <a:buNone/>
+              <a:defRPr sz="1800">
+                <a:solidFill>
+                  <a:schemeClr val="tx1">
+                    <a:tint val="75000"/>
+                  </a:schemeClr>
+                </a:solidFill>
+              </a:defRPr>
+            </a:lvl2pPr>
+            <a:lvl3pPr marL="914400" indent="0">
+              <a:buNone/>
+              <a:defRPr sz="1600">
+                <a:solidFill>
+                  <a:schemeClr val="tx1">
+                    <a:tint val="75000"/>
+                  </a:schemeClr>
+                </a:solidFill>
+              </a:defRPr>
+            </a:lvl3pPr>
+            <a:lvl4pPr marL="1371600" indent="0">
+              <a:buNone/>
+              <a:defRPr sz="1400">
+                <a:solidFill>
+                  <a:schemeClr val="tx1">
+                    <a:tint val="75000"/>
+                  </a:schemeClr>
+                </a:solidFill>
+              </a:defRPr>
+            </a:lvl4pPr>
+            <a:lvl5pPr marL="1828800" indent="0">
+              <a:buNone/>
+              <a:defRPr sz="1400">
+                <a:solidFill>
+                  <a:schemeClr val="tx1">
+                    <a:tint val="75000"/>
+                  </a:schemeClr>
+                </a:solidFill>
+              </a:defRPr>
+            </a:lvl5pPr>
+            <a:lvl6pPr marL="2286000" indent="0">
+              <a:buNone/>
+              <a:defRPr sz="1400">
+                <a:solidFill>
+                  <a:schemeClr val="tx1">
+                    <a:tint val="75000"/>
+                  </a:schemeClr>
+                </a:solidFill>
+              </a:defRPr>
+            </a:lvl6pPr>
+            <a:lvl7pPr marL="2743200" indent="0">
+              <a:buNone/>
+              <a:defRPr sz="1400">
+                <a:solidFill>
+                  <a:schemeClr val="tx1">
+                    <a:tint val="75000"/>
+                  </a:schemeClr>
+                </a:solidFill>
+              </a:defRPr>
+            </a:lvl7pPr>
+            <a:lvl8pPr marL="3200400" indent="0">
+              <a:buNone/>
+              <a:defRPr sz="1400">
+                <a:solidFill>
+                  <a:schemeClr val="tx1">
+                    <a:tint val="75000"/>
+                  </a:schemeClr>
+                </a:solidFill>
+              </a:defRPr>
+            </a:lvl8pPr>
+            <a:lvl9pPr marL="3657600" indent="0">
+              <a:buNone/>
+              <a:defRPr sz="1400">
+                <a:solidFill>
+                  <a:schemeClr val="tx1">
+                    <a:tint val="75000"/>
+                  </a:schemeClr>
+                </a:solidFill>
+              </a:defRPr>
+            </a:lvl9pPr>
+          </a:lstStyle>
+          <a:p>
+            <a:pPr lvl="0"/>
+            <a:r>
+              <a:rPr lang="en-US"/>
+              <a:t>Edit Master text styles</a:t>
+            </a:r>
+          </a:p>
+        </p:txBody>
+      </p:sp>
+      <p:sp>
+        <p:nvSpPr>
+          <p:cNvPr id="4" name="Date Placeholder 3"/>
+          <p:cNvSpPr>
+            <a:spLocks noGrp="1"/>
+          </p:cNvSpPr>
+          <p:nvPr>
+            <p:ph type="dt" sz="half" idx="10"/>
+          </p:nvPr>
+        </p:nvSpPr>
+        <p:spPr/>
+        <p:txBody>
+          <a:bodyPr/>
+          <a:lstStyle/>
+          <a:p>
+            <a:fld id="{0EC4D967-AA5F-D149-AB1F-37E5C06BAA11}" type="datetimeFigureOut">
+              <a:rPr lang="en-US" smtClean="0"/>
+              <a:t>11/6/2018</a:t>
+            </a:fld>
+            <a:endParaRPr lang="en-US"/>
+          </a:p>
+        </p:txBody>
+      </p:sp>
+      <p:sp>
+        <p:nvSpPr>
+          <p:cNvPr id="5" name="Footer Placeholder 4"/>
+          <p:cNvSpPr>
+            <a:spLocks noGrp="1"/>
+          </p:cNvSpPr>
+          <p:nvPr>
+            <p:ph type="ftr" sz="quarter" idx="11"/>
+          </p:nvPr>
+        </p:nvSpPr>
+        <p:spPr/>
+        <p:txBody>
+          <a:bodyPr/>
+          <a:lstStyle/>
+          <a:p>
+            <a:endParaRPr lang="en-US"/>
+          </a:p>
+        </p:txBody>
+      </p:sp>
+      <p:sp>
+        <p:nvSpPr>
+          <p:cNvPr id="6" name="Slide Number Placeholder 5"/>
+          <p:cNvSpPr>
+            <a:spLocks noGrp="1"/>
+          </p:cNvSpPr>
+          <p:nvPr>
+            <p:ph type="sldNum" sz="quarter" idx="12"/>
+          </p:nvPr>
+        </p:nvSpPr>
+        <p:spPr/>
+        <p:txBody>
+          <a:bodyPr/>
+          <a:lstStyle/>
+          <a:p>
+            <a:fld id="{4AB26747-F046-BA46-84AA-1C78B9136A7F}" type="slidenum">
+              <a:rPr lang="en-US" smtClean="0"/>
+              <a:t>‹#›</a:t>
+            </a:fld>
+            <a:endParaRPr lang="en-US"/>
+          </a:p>
+        </p:txBody>
+      </p:sp>
+      <p:sp>
+        <p:nvSpPr>
+          <p:cNvPr id="24" name="TextBox 23"/>
+          <p:cNvSpPr txBox="1"/>
+          <p:nvPr/>
+        </p:nvSpPr>
+        <p:spPr>
+          <a:xfrm>
+            <a:off x="541870" y="790378"/>
+            <a:ext cx="609600" cy="584776"/>
+          </a:xfrm>
+          <a:prstGeom prst="rect">
+            <a:avLst/>
+          </a:prstGeom>
+        </p:spPr>
+        <p:txBody>
+          <a:bodyPr vert="horz" lIns="91440" tIns="45720" rIns="91440" bIns="45720" rtlCol="0" anchor="ctr">
+            <a:noAutofit/>
+          </a:bodyPr>
+          <a:lstStyle/>
+          <a:p>
+            <a:pPr lvl="0"/>
+            <a:r>
+              <a:rPr lang="en-US" sz="8000" baseline="0" dirty="0">
+                <a:ln w="3175" cmpd="sng">
+                  <a:noFill/>
+                </a:ln>
+                <a:solidFill>
+                  <a:schemeClr val="accent1">
+                    <a:lumMod val="60000"/>
+                    <a:lumOff val="40000"/>
+                  </a:schemeClr>
+                </a:solidFill>
+                <a:effectLst/>
+                <a:latin typeface="Arial"/>
+              </a:rPr>
+              <a:t>“</a:t>
+            </a:r>
+          </a:p>
+        </p:txBody>
+      </p:sp>
+      <p:sp>
+        <p:nvSpPr>
+          <p:cNvPr id="25" name="TextBox 24"/>
+          <p:cNvSpPr txBox="1"/>
+          <p:nvPr/>
+        </p:nvSpPr>
+        <p:spPr>
+          <a:xfrm>
+            <a:off x="8893011" y="2886556"/>
+            <a:ext cx="609600" cy="584776"/>
+          </a:xfrm>
+          <a:prstGeom prst="rect">
+            <a:avLst/>
+          </a:prstGeom>
+        </p:spPr>
+        <p:txBody>
+          <a:bodyPr vert="horz" lIns="91440" tIns="45720" rIns="91440" bIns="45720" rtlCol="0" anchor="ctr">
+            <a:noAutofit/>
+          </a:bodyPr>
+          <a:lstStyle/>
+          <a:p>
+            <a:pPr lvl="0"/>
+            <a:r>
+              <a:rPr lang="en-US" sz="8000" baseline="0" dirty="0">
+                <a:ln w="3175" cmpd="sng">
+                  <a:noFill/>
+                </a:ln>
+                <a:solidFill>
+                  <a:schemeClr val="accent1">
+                    <a:lumMod val="60000"/>
+                    <a:lumOff val="40000"/>
+                  </a:schemeClr>
+                </a:solidFill>
+                <a:effectLst/>
+                <a:latin typeface="Arial"/>
+              </a:rPr>
+              <a:t>”</a:t>
+            </a:r>
+          </a:p>
+        </p:txBody>
+      </p:sp>
+    </p:spTree>
+    <p:extLst>
+      <p:ext uri="{BB962C8B-B14F-4D97-AF65-F5344CB8AC3E}">
+        <p14:creationId xmlns:p14="http://schemas.microsoft.com/office/powerpoint/2010/main" val="3241863946"/>
+      </p:ext>
+    </p:extLst>
+  </p:cSld>
+  <p:clrMapOvr>
+    <a:masterClrMapping/>
+  </p:clrMapOvr>
+</p:sldLayout>
+</file>
+
+<file path=ppt/slideLayouts/slideLayout14.xml><?xml version="1.0" encoding="utf-8"?>
+<p:sldLayout xmlns:a="http://schemas.openxmlformats.org/drawingml/2006/main" xmlns:r="http://schemas.openxmlformats.org/officeDocument/2006/relationships" xmlns:p="http://schemas.openxmlformats.org/presentationml/2006/main" preserve="1">
+  <p:cSld name="True or False">
+    <p:spTree>
+      <p:nvGrpSpPr>
+        <p:cNvPr id="1" name=""/>
+        <p:cNvGrpSpPr/>
+        <p:nvPr/>
+      </p:nvGrpSpPr>
+      <p:grpSpPr>
+        <a:xfrm>
+          <a:off x="0" y="0"/>
+          <a:ext cx="0" cy="0"/>
+          <a:chOff x="0" y="0"/>
+          <a:chExt cx="0" cy="0"/>
+        </a:xfrm>
+      </p:grpSpPr>
+      <p:sp>
+        <p:nvSpPr>
+          <p:cNvPr id="2" name="Title 1"/>
+          <p:cNvSpPr>
+            <a:spLocks noGrp="1"/>
+          </p:cNvSpPr>
+          <p:nvPr>
+            <p:ph type="title"/>
+          </p:nvPr>
+        </p:nvSpPr>
+        <p:spPr>
+          <a:xfrm>
+            <a:off x="685799" y="609600"/>
+            <a:ext cx="8588203" cy="3022600"/>
+          </a:xfrm>
+        </p:spPr>
+        <p:txBody>
+          <a:bodyPr anchor="ctr">
+            <a:normAutofit/>
+          </a:bodyPr>
+          <a:lstStyle>
+            <a:lvl1pPr algn="l">
+              <a:defRPr sz="4400" b="0" cap="none"/>
+            </a:lvl1pPr>
+          </a:lstStyle>
+          <a:p>
+            <a:r>
+              <a:rPr lang="en-US"/>
+              <a:t>Click to edit Master title style</a:t>
+            </a:r>
+            <a:endParaRPr lang="en-US" dirty="0"/>
+          </a:p>
+        </p:txBody>
+      </p:sp>
+      <p:sp>
+        <p:nvSpPr>
+          <p:cNvPr id="23" name="Text Placeholder 9"/>
+          <p:cNvSpPr>
+            <a:spLocks noGrp="1"/>
+          </p:cNvSpPr>
+          <p:nvPr>
+            <p:ph type="body" sz="quarter" idx="13"/>
+          </p:nvPr>
+        </p:nvSpPr>
+        <p:spPr>
+          <a:xfrm>
+            <a:off x="677332" y="4013200"/>
+            <a:ext cx="8596669" cy="514248"/>
+          </a:xfrm>
+        </p:spPr>
+        <p:txBody>
+          <a:bodyPr anchor="b">
+            <a:noAutofit/>
+          </a:bodyPr>
+          <a:lstStyle>
+            <a:lvl1pPr marL="0" indent="0">
+              <a:buFontTx/>
+              <a:buNone/>
+              <a:defRPr sz="2400">
+                <a:solidFill>
+                  <a:schemeClr val="accent1"/>
+                </a:solidFill>
+              </a:defRPr>
+            </a:lvl1pPr>
+            <a:lvl2pPr marL="457200" indent="0">
+              <a:buFontTx/>
+              <a:buNone/>
+              <a:defRPr/>
+            </a:lvl2pPr>
+            <a:lvl3pPr marL="914400" indent="0">
+              <a:buFontTx/>
+              <a:buNone/>
+              <a:defRPr/>
+            </a:lvl3pPr>
+            <a:lvl4pPr marL="1371600" indent="0">
+              <a:buFontTx/>
+              <a:buNone/>
+              <a:defRPr/>
+            </a:lvl4pPr>
+            <a:lvl5pPr marL="1828800" indent="0">
+              <a:buFontTx/>
+              <a:buNone/>
+              <a:defRPr/>
+            </a:lvl5pPr>
+          </a:lstStyle>
+          <a:p>
+            <a:pPr lvl="0"/>
+            <a:r>
+              <a:rPr lang="en-US"/>
+              <a:t>Edit Master text styles</a:t>
+            </a:r>
+          </a:p>
+        </p:txBody>
+      </p:sp>
+      <p:sp>
+        <p:nvSpPr>
+          <p:cNvPr id="3" name="Text Placeholder 2"/>
+          <p:cNvSpPr>
+            <a:spLocks noGrp="1"/>
+          </p:cNvSpPr>
+          <p:nvPr>
+            <p:ph type="body" idx="1"/>
+          </p:nvPr>
+        </p:nvSpPr>
+        <p:spPr>
+          <a:xfrm>
+            <a:off x="677335" y="4527448"/>
+            <a:ext cx="8596668" cy="1513914"/>
+          </a:xfrm>
+        </p:spPr>
+        <p:txBody>
+          <a:bodyPr anchor="t">
+            <a:normAutofit/>
+          </a:bodyPr>
+          <a:lstStyle>
+            <a:lvl1pPr marL="0" indent="0" algn="l">
+              <a:buNone/>
+              <a:defRPr sz="1800">
+                <a:solidFill>
+                  <a:schemeClr val="tx1">
+                    <a:lumMod val="50000"/>
+                    <a:lumOff val="50000"/>
+                  </a:schemeClr>
+                </a:solidFill>
+              </a:defRPr>
+            </a:lvl1pPr>
+            <a:lvl2pPr marL="457200" indent="0">
+              <a:buNone/>
+              <a:defRPr sz="1800">
+                <a:solidFill>
+                  <a:schemeClr val="tx1">
+                    <a:tint val="75000"/>
+                  </a:schemeClr>
+                </a:solidFill>
+              </a:defRPr>
+            </a:lvl2pPr>
+            <a:lvl3pPr marL="914400" indent="0">
+              <a:buNone/>
+              <a:defRPr sz="1600">
+                <a:solidFill>
+                  <a:schemeClr val="tx1">
+                    <a:tint val="75000"/>
+                  </a:schemeClr>
+                </a:solidFill>
+              </a:defRPr>
+            </a:lvl3pPr>
+            <a:lvl4pPr marL="1371600" indent="0">
+              <a:buNone/>
+              <a:defRPr sz="1400">
+                <a:solidFill>
+                  <a:schemeClr val="tx1">
+                    <a:tint val="75000"/>
+                  </a:schemeClr>
+                </a:solidFill>
+              </a:defRPr>
+            </a:lvl4pPr>
+            <a:lvl5pPr marL="1828800" indent="0">
+              <a:buNone/>
+              <a:defRPr sz="1400">
+                <a:solidFill>
+                  <a:schemeClr val="tx1">
+                    <a:tint val="75000"/>
+                  </a:schemeClr>
+                </a:solidFill>
+              </a:defRPr>
+            </a:lvl5pPr>
+            <a:lvl6pPr marL="2286000" indent="0">
+              <a:buNone/>
+              <a:defRPr sz="1400">
+                <a:solidFill>
+                  <a:schemeClr val="tx1">
+                    <a:tint val="75000"/>
+                  </a:schemeClr>
+                </a:solidFill>
+              </a:defRPr>
+            </a:lvl6pPr>
+            <a:lvl7pPr marL="2743200" indent="0">
+              <a:buNone/>
+              <a:defRPr sz="1400">
+                <a:solidFill>
+                  <a:schemeClr val="tx1">
+                    <a:tint val="75000"/>
+                  </a:schemeClr>
+                </a:solidFill>
+              </a:defRPr>
+            </a:lvl7pPr>
+            <a:lvl8pPr marL="3200400" indent="0">
+              <a:buNone/>
+              <a:defRPr sz="1400">
+                <a:solidFill>
+                  <a:schemeClr val="tx1">
+                    <a:tint val="75000"/>
+                  </a:schemeClr>
+                </a:solidFill>
+              </a:defRPr>
+            </a:lvl8pPr>
+            <a:lvl9pPr marL="3657600" indent="0">
+              <a:buNone/>
+              <a:defRPr sz="1400">
+                <a:solidFill>
+                  <a:schemeClr val="tx1">
+                    <a:tint val="75000"/>
+                  </a:schemeClr>
+                </a:solidFill>
+              </a:defRPr>
+            </a:lvl9pPr>
+          </a:lstStyle>
+          <a:p>
+            <a:pPr lvl="0"/>
+            <a:r>
+              <a:rPr lang="en-US"/>
+              <a:t>Edit Master text styles</a:t>
+            </a:r>
+          </a:p>
+        </p:txBody>
+      </p:sp>
+      <p:sp>
+        <p:nvSpPr>
+          <p:cNvPr id="4" name="Date Placeholder 3"/>
+          <p:cNvSpPr>
+            <a:spLocks noGrp="1"/>
+          </p:cNvSpPr>
+          <p:nvPr>
+            <p:ph type="dt" sz="half" idx="10"/>
+          </p:nvPr>
+        </p:nvSpPr>
+        <p:spPr/>
+        <p:txBody>
+          <a:bodyPr/>
+          <a:lstStyle/>
+          <a:p>
+            <a:fld id="{0EC4D967-AA5F-D149-AB1F-37E5C06BAA11}" type="datetimeFigureOut">
+              <a:rPr lang="en-US" smtClean="0"/>
+              <a:t>11/6/2018</a:t>
+            </a:fld>
+            <a:endParaRPr lang="en-US"/>
+          </a:p>
+        </p:txBody>
+      </p:sp>
+      <p:sp>
+        <p:nvSpPr>
+          <p:cNvPr id="5" name="Footer Placeholder 4"/>
+          <p:cNvSpPr>
+            <a:spLocks noGrp="1"/>
+          </p:cNvSpPr>
+          <p:nvPr>
+            <p:ph type="ftr" sz="quarter" idx="11"/>
+          </p:nvPr>
+        </p:nvSpPr>
+        <p:spPr/>
+        <p:txBody>
+          <a:bodyPr/>
+          <a:lstStyle/>
+          <a:p>
+            <a:endParaRPr lang="en-US"/>
+          </a:p>
+        </p:txBody>
+      </p:sp>
+      <p:sp>
+        <p:nvSpPr>
+          <p:cNvPr id="6" name="Slide Number Placeholder 5"/>
+          <p:cNvSpPr>
+            <a:spLocks noGrp="1"/>
+          </p:cNvSpPr>
+          <p:nvPr>
+            <p:ph type="sldNum" sz="quarter" idx="12"/>
+          </p:nvPr>
+        </p:nvSpPr>
+        <p:spPr/>
+        <p:txBody>
+          <a:bodyPr/>
+          <a:lstStyle/>
+          <a:p>
+            <a:fld id="{4AB26747-F046-BA46-84AA-1C78B9136A7F}" type="slidenum">
+              <a:rPr lang="en-US" smtClean="0"/>
+              <a:t>‹#›</a:t>
+            </a:fld>
+            <a:endParaRPr lang="en-US"/>
+          </a:p>
+        </p:txBody>
+      </p:sp>
+    </p:spTree>
+    <p:extLst>
+      <p:ext uri="{BB962C8B-B14F-4D97-AF65-F5344CB8AC3E}">
+        <p14:creationId xmlns:p14="http://schemas.microsoft.com/office/powerpoint/2010/main" val="1221313603"/>
+      </p:ext>
+    </p:extLst>
+  </p:cSld>
+  <p:clrMapOvr>
+    <a:masterClrMapping/>
+  </p:clrMapOvr>
+</p:sldLayout>
+</file>
+
+<file path=ppt/slideLayouts/slideLayout15.xml><?xml version="1.0" encoding="utf-8"?>
 <p:sldLayout xmlns:a="http://schemas.openxmlformats.org/drawingml/2006/main" xmlns:r="http://schemas.openxmlformats.org/officeDocument/2006/relationships" xmlns:p="http://schemas.openxmlformats.org/presentationml/2006/main" type="vertTx" preserve="1">
   <p:cSld name="Title and Vertical Text">
     <p:spTree>
@@ -348,6 +2569,7 @@
               <a:rPr lang="en-US"/>
               <a:t>Click to edit Master title style</a:t>
             </a:r>
+            <a:endParaRPr lang="en-US" dirty="0"/>
           </a:p>
         </p:txBody>
       </p:sp>
@@ -369,7 +2591,7 @@
             <a:pPr lvl="0"/>
             <a:r>
               <a:rPr lang="en-US"/>
-              <a:t>Click to edit Master text styles</a:t>
+              <a:t>Edit Master text styles</a:t>
             </a:r>
           </a:p>
           <a:p>
@@ -399,6 +2621,7 @@
               <a:rPr lang="en-US"/>
               <a:t>Fifth level</a:t>
             </a:r>
+            <a:endParaRPr lang="en-US" dirty="0"/>
           </a:p>
         </p:txBody>
       </p:sp>
@@ -419,7 +2642,7 @@
           <a:p>
             <a:fld id="{0EC4D967-AA5F-D149-AB1F-37E5C06BAA11}" type="datetimeFigureOut">
               <a:rPr lang="en-US" smtClean="0"/>
-              <a:t>11/2/2018</a:t>
+              <a:t>11/6/2018</a:t>
             </a:fld>
             <a:endParaRPr lang="en-US"/>
           </a:p>
@@ -470,7 +2693,7 @@
     </p:spTree>
     <p:extLst>
       <p:ext uri="{BB962C8B-B14F-4D97-AF65-F5344CB8AC3E}">
-        <p14:creationId xmlns:p14="http://schemas.microsoft.com/office/powerpoint/2010/main" val="285199495"/>
+        <p14:creationId xmlns:p14="http://schemas.microsoft.com/office/powerpoint/2010/main" val="2418980773"/>
       </p:ext>
     </p:extLst>
   </p:cSld>
@@ -480,7 +2703,7 @@
 </p:sldLayout>
 </file>
 
-<file path=ppt/slideLayouts/slideLayout11.xml><?xml version="1.0" encoding="utf-8"?>
+<file path=ppt/slideLayouts/slideLayout16.xml><?xml version="1.0" encoding="utf-8"?>
 <p:sldLayout xmlns:a="http://schemas.openxmlformats.org/drawingml/2006/main" xmlns:r="http://schemas.openxmlformats.org/officeDocument/2006/relationships" xmlns:p="http://schemas.openxmlformats.org/presentationml/2006/main" type="vertTitleAndTx" preserve="1">
   <p:cSld name="Vertical Title and Text">
     <p:spTree>
@@ -509,18 +2732,19 @@
         </p:nvSpPr>
         <p:spPr>
           <a:xfrm>
-            <a:off x="8724900" y="365125"/>
-            <a:ext cx="2628900" cy="5811838"/>
+            <a:off x="7967673" y="609599"/>
+            <a:ext cx="1304743" cy="5251451"/>
           </a:xfrm>
         </p:spPr>
         <p:txBody>
-          <a:bodyPr vert="eaVert"/>
+          <a:bodyPr vert="eaVert" anchor="ctr"/>
           <a:lstStyle/>
           <a:p>
             <a:r>
               <a:rPr lang="en-US"/>
               <a:t>Click to edit Master title style</a:t>
             </a:r>
+            <a:endParaRPr lang="en-US" dirty="0"/>
           </a:p>
         </p:txBody>
       </p:sp>
@@ -536,8 +2760,8 @@
         </p:nvSpPr>
         <p:spPr>
           <a:xfrm>
-            <a:off x="838200" y="365125"/>
-            <a:ext cx="7734300" cy="5811838"/>
+            <a:off x="677335" y="609600"/>
+            <a:ext cx="7060150" cy="5251450"/>
           </a:xfrm>
         </p:spPr>
         <p:txBody>
@@ -547,7 +2771,7 @@
             <a:pPr lvl="0"/>
             <a:r>
               <a:rPr lang="en-US"/>
-              <a:t>Click to edit Master text styles</a:t>
+              <a:t>Edit Master text styles</a:t>
             </a:r>
           </a:p>
           <a:p>
@@ -577,6 +2801,7 @@
               <a:rPr lang="en-US"/>
               <a:t>Fifth level</a:t>
             </a:r>
+            <a:endParaRPr lang="en-US" dirty="0"/>
           </a:p>
         </p:txBody>
       </p:sp>
@@ -597,7 +2822,7 @@
           <a:p>
             <a:fld id="{0EC4D967-AA5F-D149-AB1F-37E5C06BAA11}" type="datetimeFigureOut">
               <a:rPr lang="en-US" smtClean="0"/>
-              <a:t>11/2/2018</a:t>
+              <a:t>11/6/2018</a:t>
             </a:fld>
             <a:endParaRPr lang="en-US"/>
           </a:p>
@@ -648,7 +2873,7 @@
     </p:spTree>
     <p:extLst>
       <p:ext uri="{BB962C8B-B14F-4D97-AF65-F5344CB8AC3E}">
-        <p14:creationId xmlns:p14="http://schemas.microsoft.com/office/powerpoint/2010/main" val="164412361"/>
+        <p14:creationId xmlns:p14="http://schemas.microsoft.com/office/powerpoint/2010/main" val="3654601464"/>
       </p:ext>
     </p:extLst>
   </p:cSld>
@@ -694,6 +2919,7 @@
               <a:rPr lang="en-US"/>
               <a:t>Click to edit Master title style</a:t>
             </a:r>
+            <a:endParaRPr lang="en-US" dirty="0"/>
           </a:p>
         </p:txBody>
       </p:sp>
@@ -715,7 +2941,7 @@
             <a:pPr lvl="0"/>
             <a:r>
               <a:rPr lang="en-US"/>
-              <a:t>Click to edit Master text styles</a:t>
+              <a:t>Edit Master text styles</a:t>
             </a:r>
           </a:p>
           <a:p>
@@ -745,6 +2971,7 @@
               <a:rPr lang="en-US"/>
               <a:t>Fifth level</a:t>
             </a:r>
+            <a:endParaRPr lang="en-US" dirty="0"/>
           </a:p>
         </p:txBody>
       </p:sp>
@@ -765,7 +2992,7 @@
           <a:p>
             <a:fld id="{0EC4D967-AA5F-D149-AB1F-37E5C06BAA11}" type="datetimeFigureOut">
               <a:rPr lang="en-US" smtClean="0"/>
-              <a:t>11/2/2018</a:t>
+              <a:t>11/6/2018</a:t>
             </a:fld>
             <a:endParaRPr lang="en-US"/>
           </a:p>
@@ -816,7 +3043,7 @@
     </p:spTree>
     <p:extLst>
       <p:ext uri="{BB962C8B-B14F-4D97-AF65-F5344CB8AC3E}">
-        <p14:creationId xmlns:p14="http://schemas.microsoft.com/office/powerpoint/2010/main" val="614044777"/>
+        <p14:creationId xmlns:p14="http://schemas.microsoft.com/office/powerpoint/2010/main" val="1303926016"/>
       </p:ext>
     </p:extLst>
   </p:cSld>
@@ -855,15 +3082,15 @@
         </p:nvSpPr>
         <p:spPr>
           <a:xfrm>
-            <a:off x="831850" y="1709738"/>
-            <a:ext cx="10515600" cy="2852737"/>
+            <a:off x="677335" y="2700867"/>
+            <a:ext cx="8596668" cy="1826581"/>
           </a:xfrm>
         </p:spPr>
         <p:txBody>
           <a:bodyPr anchor="b"/>
           <a:lstStyle>
-            <a:lvl1pPr>
-              <a:defRPr sz="6000"/>
+            <a:lvl1pPr algn="l">
+              <a:defRPr sz="4000" b="0" cap="none"/>
             </a:lvl1pPr>
           </a:lstStyle>
           <a:p>
@@ -871,6 +3098,7 @@
               <a:rPr lang="en-US"/>
               <a:t>Click to edit Master title style</a:t>
             </a:r>
+            <a:endParaRPr lang="en-US" dirty="0"/>
           </a:p>
         </p:txBody>
       </p:sp>
@@ -886,26 +3114,27 @@
         </p:nvSpPr>
         <p:spPr>
           <a:xfrm>
-            <a:off x="831850" y="4589463"/>
-            <a:ext cx="10515600" cy="1500187"/>
+            <a:off x="677335" y="4527448"/>
+            <a:ext cx="8596668" cy="860400"/>
           </a:xfrm>
         </p:spPr>
         <p:txBody>
-          <a:bodyPr/>
+          <a:bodyPr anchor="t"/>
           <a:lstStyle>
-            <a:lvl1pPr marL="0" indent="0">
-              <a:buNone/>
-              <a:defRPr sz="2400">
+            <a:lvl1pPr marL="0" indent="0" algn="l">
+              <a:buNone/>
+              <a:defRPr sz="2000">
                 <a:solidFill>
                   <a:schemeClr val="tx1">
-                    <a:tint val="75000"/>
+                    <a:lumMod val="50000"/>
+                    <a:lumOff val="50000"/>
                   </a:schemeClr>
                 </a:solidFill>
               </a:defRPr>
             </a:lvl1pPr>
             <a:lvl2pPr marL="457200" indent="0">
               <a:buNone/>
-              <a:defRPr sz="2000">
+              <a:defRPr sz="1800">
                 <a:solidFill>
                   <a:schemeClr val="tx1">
                     <a:tint val="75000"/>
@@ -915,7 +3144,7 @@
             </a:lvl2pPr>
             <a:lvl3pPr marL="914400" indent="0">
               <a:buNone/>
-              <a:defRPr sz="1800">
+              <a:defRPr sz="1600">
                 <a:solidFill>
                   <a:schemeClr val="tx1">
                     <a:tint val="75000"/>
@@ -925,7 +3154,7 @@
             </a:lvl3pPr>
             <a:lvl4pPr marL="1371600" indent="0">
               <a:buNone/>
-              <a:defRPr sz="1600">
+              <a:defRPr sz="1400">
                 <a:solidFill>
                   <a:schemeClr val="tx1">
                     <a:tint val="75000"/>
@@ -935,7 +3164,7 @@
             </a:lvl4pPr>
             <a:lvl5pPr marL="1828800" indent="0">
               <a:buNone/>
-              <a:defRPr sz="1600">
+              <a:defRPr sz="1400">
                 <a:solidFill>
                   <a:schemeClr val="tx1">
                     <a:tint val="75000"/>
@@ -945,7 +3174,7 @@
             </a:lvl5pPr>
             <a:lvl6pPr marL="2286000" indent="0">
               <a:buNone/>
-              <a:defRPr sz="1600">
+              <a:defRPr sz="1400">
                 <a:solidFill>
                   <a:schemeClr val="tx1">
                     <a:tint val="75000"/>
@@ -955,7 +3184,7 @@
             </a:lvl6pPr>
             <a:lvl7pPr marL="2743200" indent="0">
               <a:buNone/>
-              <a:defRPr sz="1600">
+              <a:defRPr sz="1400">
                 <a:solidFill>
                   <a:schemeClr val="tx1">
                     <a:tint val="75000"/>
@@ -965,7 +3194,7 @@
             </a:lvl7pPr>
             <a:lvl8pPr marL="3200400" indent="0">
               <a:buNone/>
-              <a:defRPr sz="1600">
+              <a:defRPr sz="1400">
                 <a:solidFill>
                   <a:schemeClr val="tx1">
                     <a:tint val="75000"/>
@@ -975,7 +3204,7 @@
             </a:lvl8pPr>
             <a:lvl9pPr marL="3657600" indent="0">
               <a:buNone/>
-              <a:defRPr sz="1600">
+              <a:defRPr sz="1400">
                 <a:solidFill>
                   <a:schemeClr val="tx1">
                     <a:tint val="75000"/>
@@ -988,7 +3217,7 @@
             <a:pPr lvl="0"/>
             <a:r>
               <a:rPr lang="en-US"/>
-              <a:t>Click to edit Master text styles</a:t>
+              <a:t>Edit Master text styles</a:t>
             </a:r>
           </a:p>
         </p:txBody>
@@ -1010,7 +3239,7 @@
           <a:p>
             <a:fld id="{0EC4D967-AA5F-D149-AB1F-37E5C06BAA11}" type="datetimeFigureOut">
               <a:rPr lang="en-US" smtClean="0"/>
-              <a:t>11/2/2018</a:t>
+              <a:t>11/6/2018</a:t>
             </a:fld>
             <a:endParaRPr lang="en-US"/>
           </a:p>
@@ -1061,7 +3290,7 @@
     </p:spTree>
     <p:extLst>
       <p:ext uri="{BB962C8B-B14F-4D97-AF65-F5344CB8AC3E}">
-        <p14:creationId xmlns:p14="http://schemas.microsoft.com/office/powerpoint/2010/main" val="385227994"/>
+        <p14:creationId xmlns:p14="http://schemas.microsoft.com/office/powerpoint/2010/main" val="645806765"/>
       </p:ext>
     </p:extLst>
   </p:cSld>
@@ -1107,6 +3336,7 @@
               <a:rPr lang="en-US"/>
               <a:t>Click to edit Master title style</a:t>
             </a:r>
+            <a:endParaRPr lang="en-US" dirty="0"/>
           </a:p>
         </p:txBody>
       </p:sp>
@@ -1122,8 +3352,8 @@
         </p:nvSpPr>
         <p:spPr>
           <a:xfrm>
-            <a:off x="838200" y="1825625"/>
-            <a:ext cx="5181600" cy="4351338"/>
+            <a:off x="677334" y="2160589"/>
+            <a:ext cx="4184035" cy="3880772"/>
           </a:xfrm>
         </p:spPr>
         <p:txBody>
@@ -1133,7 +3363,7 @@
             <a:pPr lvl="0"/>
             <a:r>
               <a:rPr lang="en-US"/>
-              <a:t>Click to edit Master text styles</a:t>
+              <a:t>Edit Master text styles</a:t>
             </a:r>
           </a:p>
           <a:p>
@@ -1163,6 +3393,7 @@
               <a:rPr lang="en-US"/>
               <a:t>Fifth level</a:t>
             </a:r>
+            <a:endParaRPr lang="en-US" dirty="0"/>
           </a:p>
         </p:txBody>
       </p:sp>
@@ -1178,8 +3409,8 @@
         </p:nvSpPr>
         <p:spPr>
           <a:xfrm>
-            <a:off x="6172200" y="1825625"/>
-            <a:ext cx="5181600" cy="4351338"/>
+            <a:off x="5089970" y="2160589"/>
+            <a:ext cx="4184034" cy="3880773"/>
           </a:xfrm>
         </p:spPr>
         <p:txBody>
@@ -1189,7 +3420,7 @@
             <a:pPr lvl="0"/>
             <a:r>
               <a:rPr lang="en-US"/>
-              <a:t>Click to edit Master text styles</a:t>
+              <a:t>Edit Master text styles</a:t>
             </a:r>
           </a:p>
           <a:p>
@@ -1219,6 +3450,7 @@
               <a:rPr lang="en-US"/>
               <a:t>Fifth level</a:t>
             </a:r>
+            <a:endParaRPr lang="en-US" dirty="0"/>
           </a:p>
         </p:txBody>
       </p:sp>
@@ -1239,7 +3471,7 @@
           <a:p>
             <a:fld id="{0EC4D967-AA5F-D149-AB1F-37E5C06BAA11}" type="datetimeFigureOut">
               <a:rPr lang="en-US" smtClean="0"/>
-              <a:t>11/2/2018</a:t>
+              <a:t>11/6/2018</a:t>
             </a:fld>
             <a:endParaRPr lang="en-US"/>
           </a:p>
@@ -1290,7 +3522,7 @@
     </p:spTree>
     <p:extLst>
       <p:ext uri="{BB962C8B-B14F-4D97-AF65-F5344CB8AC3E}">
-        <p14:creationId xmlns:p14="http://schemas.microsoft.com/office/powerpoint/2010/main" val="2011183100"/>
+        <p14:creationId xmlns:p14="http://schemas.microsoft.com/office/powerpoint/2010/main" val="63017854"/>
       </p:ext>
     </p:extLst>
   </p:cSld>
@@ -1327,45 +3559,47 @@
             <p:ph type="title"/>
           </p:nvPr>
         </p:nvSpPr>
+        <p:spPr/>
+        <p:txBody>
+          <a:bodyPr/>
+          <a:lstStyle>
+            <a:lvl1pPr>
+              <a:defRPr/>
+            </a:lvl1pPr>
+          </a:lstStyle>
+          <a:p>
+            <a:r>
+              <a:rPr lang="en-US"/>
+              <a:t>Click to edit Master title style</a:t>
+            </a:r>
+            <a:endParaRPr lang="en-US" dirty="0"/>
+          </a:p>
+        </p:txBody>
+      </p:sp>
+      <p:sp>
+        <p:nvSpPr>
+          <p:cNvPr id="3" name="Text Placeholder 2"/>
+          <p:cNvSpPr>
+            <a:spLocks noGrp="1"/>
+          </p:cNvSpPr>
+          <p:nvPr>
+            <p:ph type="body" idx="1"/>
+          </p:nvPr>
+        </p:nvSpPr>
         <p:spPr>
           <a:xfrm>
-            <a:off x="839788" y="365125"/>
-            <a:ext cx="10515600" cy="1325563"/>
+            <a:off x="675745" y="2160983"/>
+            <a:ext cx="4185623" cy="576262"/>
           </a:xfrm>
         </p:spPr>
         <p:txBody>
-          <a:bodyPr/>
-          <a:lstStyle/>
-          <a:p>
-            <a:r>
-              <a:rPr lang="en-US"/>
-              <a:t>Click to edit Master title style</a:t>
-            </a:r>
-          </a:p>
-        </p:txBody>
-      </p:sp>
-      <p:sp>
-        <p:nvSpPr>
-          <p:cNvPr id="3" name="Text Placeholder 2"/>
-          <p:cNvSpPr>
-            <a:spLocks noGrp="1"/>
-          </p:cNvSpPr>
-          <p:nvPr>
-            <p:ph type="body" idx="1"/>
-          </p:nvPr>
-        </p:nvSpPr>
-        <p:spPr>
-          <a:xfrm>
-            <a:off x="839788" y="1681163"/>
-            <a:ext cx="5157787" cy="823912"/>
-          </a:xfrm>
-        </p:spPr>
-        <p:txBody>
-          <a:bodyPr anchor="b"/>
+          <a:bodyPr anchor="b">
+            <a:noAutofit/>
+          </a:bodyPr>
           <a:lstStyle>
             <a:lvl1pPr marL="0" indent="0">
               <a:buNone/>
-              <a:defRPr sz="2400" b="1"/>
+              <a:defRPr sz="2400" b="0"/>
             </a:lvl1pPr>
             <a:lvl2pPr marL="457200" indent="0">
               <a:buNone/>
@@ -1404,7 +3638,7 @@
             <a:pPr lvl="0"/>
             <a:r>
               <a:rPr lang="en-US"/>
-              <a:t>Click to edit Master text styles</a:t>
+              <a:t>Edit Master text styles</a:t>
             </a:r>
           </a:p>
         </p:txBody>
@@ -1421,18 +3655,20 @@
         </p:nvSpPr>
         <p:spPr>
           <a:xfrm>
-            <a:off x="839788" y="2505075"/>
-            <a:ext cx="5157787" cy="3684588"/>
+            <a:off x="675745" y="2737245"/>
+            <a:ext cx="4185623" cy="3304117"/>
           </a:xfrm>
         </p:spPr>
         <p:txBody>
-          <a:bodyPr/>
+          <a:bodyPr>
+            <a:normAutofit/>
+          </a:bodyPr>
           <a:lstStyle/>
           <a:p>
             <a:pPr lvl="0"/>
             <a:r>
               <a:rPr lang="en-US"/>
-              <a:t>Click to edit Master text styles</a:t>
+              <a:t>Edit Master text styles</a:t>
             </a:r>
           </a:p>
           <a:p>
@@ -1462,6 +3698,7 @@
               <a:rPr lang="en-US"/>
               <a:t>Fifth level</a:t>
             </a:r>
+            <a:endParaRPr lang="en-US" dirty="0"/>
           </a:p>
         </p:txBody>
       </p:sp>
@@ -1477,16 +3714,18 @@
         </p:nvSpPr>
         <p:spPr>
           <a:xfrm>
-            <a:off x="6172200" y="1681163"/>
-            <a:ext cx="5183188" cy="823912"/>
+            <a:off x="5088383" y="2160983"/>
+            <a:ext cx="4185618" cy="576262"/>
           </a:xfrm>
         </p:spPr>
         <p:txBody>
-          <a:bodyPr anchor="b"/>
+          <a:bodyPr anchor="b">
+            <a:noAutofit/>
+          </a:bodyPr>
           <a:lstStyle>
             <a:lvl1pPr marL="0" indent="0">
               <a:buNone/>
-              <a:defRPr sz="2400" b="1"/>
+              <a:defRPr sz="2400" b="0"/>
             </a:lvl1pPr>
             <a:lvl2pPr marL="457200" indent="0">
               <a:buNone/>
@@ -1525,7 +3764,7 @@
             <a:pPr lvl="0"/>
             <a:r>
               <a:rPr lang="en-US"/>
-              <a:t>Click to edit Master text styles</a:t>
+              <a:t>Edit Master text styles</a:t>
             </a:r>
           </a:p>
         </p:txBody>
@@ -1542,18 +3781,20 @@
         </p:nvSpPr>
         <p:spPr>
           <a:xfrm>
-            <a:off x="6172200" y="2505075"/>
-            <a:ext cx="5183188" cy="3684588"/>
+            <a:off x="5088384" y="2737245"/>
+            <a:ext cx="4185617" cy="3304117"/>
           </a:xfrm>
         </p:spPr>
         <p:txBody>
-          <a:bodyPr/>
+          <a:bodyPr>
+            <a:normAutofit/>
+          </a:bodyPr>
           <a:lstStyle/>
           <a:p>
             <a:pPr lvl="0"/>
             <a:r>
               <a:rPr lang="en-US"/>
-              <a:t>Click to edit Master text styles</a:t>
+              <a:t>Edit Master text styles</a:t>
             </a:r>
           </a:p>
           <a:p>
@@ -1583,6 +3824,7 @@
               <a:rPr lang="en-US"/>
               <a:t>Fifth level</a:t>
             </a:r>
+            <a:endParaRPr lang="en-US" dirty="0"/>
           </a:p>
         </p:txBody>
       </p:sp>
@@ -1603,7 +3845,7 @@
           <a:p>
             <a:fld id="{0EC4D967-AA5F-D149-AB1F-37E5C06BAA11}" type="datetimeFigureOut">
               <a:rPr lang="en-US" smtClean="0"/>
-              <a:t>11/2/2018</a:t>
+              <a:t>11/6/2018</a:t>
             </a:fld>
             <a:endParaRPr lang="en-US"/>
           </a:p>
@@ -1654,7 +3896,7 @@
     </p:spTree>
     <p:extLst>
       <p:ext uri="{BB962C8B-B14F-4D97-AF65-F5344CB8AC3E}">
-        <p14:creationId xmlns:p14="http://schemas.microsoft.com/office/powerpoint/2010/main" val="561757920"/>
+        <p14:creationId xmlns:p14="http://schemas.microsoft.com/office/powerpoint/2010/main" val="634215378"/>
       </p:ext>
     </p:extLst>
   </p:cSld>
@@ -1691,7 +3933,12 @@
             <p:ph type="title"/>
           </p:nvPr>
         </p:nvSpPr>
-        <p:spPr/>
+        <p:spPr>
+          <a:xfrm>
+            <a:off x="677334" y="609600"/>
+            <a:ext cx="8596668" cy="1320800"/>
+          </a:xfrm>
+        </p:spPr>
         <p:txBody>
           <a:bodyPr/>
           <a:lstStyle/>
@@ -1700,6 +3947,7 @@
               <a:rPr lang="en-US"/>
               <a:t>Click to edit Master title style</a:t>
             </a:r>
+            <a:endParaRPr lang="en-US" dirty="0"/>
           </a:p>
         </p:txBody>
       </p:sp>
@@ -1720,7 +3968,7 @@
           <a:p>
             <a:fld id="{0EC4D967-AA5F-D149-AB1F-37E5C06BAA11}" type="datetimeFigureOut">
               <a:rPr lang="en-US" smtClean="0"/>
-              <a:t>11/2/2018</a:t>
+              <a:t>11/6/2018</a:t>
             </a:fld>
             <a:endParaRPr lang="en-US"/>
           </a:p>
@@ -1771,7 +4019,7 @@
     </p:spTree>
     <p:extLst>
       <p:ext uri="{BB962C8B-B14F-4D97-AF65-F5344CB8AC3E}">
-        <p14:creationId xmlns:p14="http://schemas.microsoft.com/office/powerpoint/2010/main" val="1127249228"/>
+        <p14:creationId xmlns:p14="http://schemas.microsoft.com/office/powerpoint/2010/main" val="2531694256"/>
       </p:ext>
     </p:extLst>
   </p:cSld>
@@ -1815,7 +4063,7 @@
           <a:p>
             <a:fld id="{0EC4D967-AA5F-D149-AB1F-37E5C06BAA11}" type="datetimeFigureOut">
               <a:rPr lang="en-US" smtClean="0"/>
-              <a:t>11/2/2018</a:t>
+              <a:t>11/6/2018</a:t>
             </a:fld>
             <a:endParaRPr lang="en-US"/>
           </a:p>
@@ -1866,7 +4114,7 @@
     </p:spTree>
     <p:extLst>
       <p:ext uri="{BB962C8B-B14F-4D97-AF65-F5344CB8AC3E}">
-        <p14:creationId xmlns:p14="http://schemas.microsoft.com/office/powerpoint/2010/main" val="577041162"/>
+        <p14:creationId xmlns:p14="http://schemas.microsoft.com/office/powerpoint/2010/main" val="1418991825"/>
       </p:ext>
     </p:extLst>
   </p:cSld>
@@ -1905,15 +4153,17 @@
         </p:nvSpPr>
         <p:spPr>
           <a:xfrm>
-            <a:off x="839788" y="457200"/>
-            <a:ext cx="3932237" cy="1600200"/>
+            <a:off x="677334" y="1498604"/>
+            <a:ext cx="3854528" cy="1278466"/>
           </a:xfrm>
         </p:spPr>
         <p:txBody>
-          <a:bodyPr anchor="b"/>
+          <a:bodyPr anchor="b">
+            <a:normAutofit/>
+          </a:bodyPr>
           <a:lstStyle>
             <a:lvl1pPr>
-              <a:defRPr sz="3200"/>
+              <a:defRPr sz="2000"/>
             </a:lvl1pPr>
           </a:lstStyle>
           <a:p>
@@ -1921,6 +4171,7 @@
               <a:rPr lang="en-US"/>
               <a:t>Click to edit Master title style</a:t>
             </a:r>
+            <a:endParaRPr lang="en-US" dirty="0"/>
           </a:p>
         </p:txBody>
       </p:sp>
@@ -1936,46 +4187,20 @@
         </p:nvSpPr>
         <p:spPr>
           <a:xfrm>
-            <a:off x="5183188" y="987425"/>
-            <a:ext cx="6172200" cy="4873625"/>
+            <a:off x="4760461" y="514924"/>
+            <a:ext cx="4513541" cy="5526437"/>
           </a:xfrm>
         </p:spPr>
         <p:txBody>
-          <a:bodyPr/>
-          <a:lstStyle>
-            <a:lvl1pPr>
-              <a:defRPr sz="3200"/>
-            </a:lvl1pPr>
-            <a:lvl2pPr>
-              <a:defRPr sz="2800"/>
-            </a:lvl2pPr>
-            <a:lvl3pPr>
-              <a:defRPr sz="2400"/>
-            </a:lvl3pPr>
-            <a:lvl4pPr>
-              <a:defRPr sz="2000"/>
-            </a:lvl4pPr>
-            <a:lvl5pPr>
-              <a:defRPr sz="2000"/>
-            </a:lvl5pPr>
-            <a:lvl6pPr>
-              <a:defRPr sz="2000"/>
-            </a:lvl6pPr>
-            <a:lvl7pPr>
-              <a:defRPr sz="2000"/>
-            </a:lvl7pPr>
-            <a:lvl8pPr>
-              <a:defRPr sz="2000"/>
-            </a:lvl8pPr>
-            <a:lvl9pPr>
-              <a:defRPr sz="2000"/>
-            </a:lvl9pPr>
-          </a:lstStyle>
+          <a:bodyPr>
+            <a:normAutofit/>
+          </a:bodyPr>
+          <a:lstStyle/>
           <a:p>
             <a:pPr lvl="0"/>
             <a:r>
               <a:rPr lang="en-US"/>
-              <a:t>Click to edit Master text styles</a:t>
+              <a:t>Edit Master text styles</a:t>
             </a:r>
           </a:p>
           <a:p>
@@ -2005,6 +4230,7 @@
               <a:rPr lang="en-US"/>
               <a:t>Fifth level</a:t>
             </a:r>
+            <a:endParaRPr lang="en-US" dirty="0"/>
           </a:p>
         </p:txBody>
       </p:sp>
@@ -2020,46 +4246,48 @@
         </p:nvSpPr>
         <p:spPr>
           <a:xfrm>
-            <a:off x="839788" y="2057400"/>
-            <a:ext cx="3932237" cy="3811588"/>
+            <a:off x="677334" y="2777069"/>
+            <a:ext cx="3854528" cy="2584449"/>
           </a:xfrm>
         </p:spPr>
         <p:txBody>
-          <a:bodyPr/>
+          <a:bodyPr>
+            <a:normAutofit/>
+          </a:bodyPr>
           <a:lstStyle>
             <a:lvl1pPr marL="0" indent="0">
               <a:buNone/>
-              <a:defRPr sz="1600"/>
+              <a:defRPr sz="1400"/>
             </a:lvl1pPr>
-            <a:lvl2pPr marL="457200" indent="0">
+            <a:lvl2pPr marL="457063" indent="0">
               <a:buNone/>
               <a:defRPr sz="1400"/>
             </a:lvl2pPr>
-            <a:lvl3pPr marL="914400" indent="0">
+            <a:lvl3pPr marL="914126" indent="0">
               <a:buNone/>
               <a:defRPr sz="1200"/>
             </a:lvl3pPr>
-            <a:lvl4pPr marL="1371600" indent="0">
+            <a:lvl4pPr marL="1371189" indent="0">
               <a:buNone/>
               <a:defRPr sz="1000"/>
             </a:lvl4pPr>
-            <a:lvl5pPr marL="1828800" indent="0">
+            <a:lvl5pPr marL="1828251" indent="0">
               <a:buNone/>
               <a:defRPr sz="1000"/>
             </a:lvl5pPr>
-            <a:lvl6pPr marL="2286000" indent="0">
+            <a:lvl6pPr marL="2285314" indent="0">
               <a:buNone/>
               <a:defRPr sz="1000"/>
             </a:lvl6pPr>
-            <a:lvl7pPr marL="2743200" indent="0">
+            <a:lvl7pPr marL="2742377" indent="0">
               <a:buNone/>
               <a:defRPr sz="1000"/>
             </a:lvl7pPr>
-            <a:lvl8pPr marL="3200400" indent="0">
+            <a:lvl8pPr marL="3199440" indent="0">
               <a:buNone/>
               <a:defRPr sz="1000"/>
             </a:lvl8pPr>
-            <a:lvl9pPr marL="3657600" indent="0">
+            <a:lvl9pPr marL="3656503" indent="0">
               <a:buNone/>
               <a:defRPr sz="1000"/>
             </a:lvl9pPr>
@@ -2068,7 +4296,7 @@
             <a:pPr lvl="0"/>
             <a:r>
               <a:rPr lang="en-US"/>
-              <a:t>Click to edit Master text styles</a:t>
+              <a:t>Edit Master text styles</a:t>
             </a:r>
           </a:p>
         </p:txBody>
@@ -2090,7 +4318,7 @@
           <a:p>
             <a:fld id="{0EC4D967-AA5F-D149-AB1F-37E5C06BAA11}" type="datetimeFigureOut">
               <a:rPr lang="en-US" smtClean="0"/>
-              <a:t>11/2/2018</a:t>
+              <a:t>11/6/2018</a:t>
             </a:fld>
             <a:endParaRPr lang="en-US"/>
           </a:p>
@@ -2141,7 +4369,7 @@
     </p:spTree>
     <p:extLst>
       <p:ext uri="{BB962C8B-B14F-4D97-AF65-F5344CB8AC3E}">
-        <p14:creationId xmlns:p14="http://schemas.microsoft.com/office/powerpoint/2010/main" val="294659882"/>
+        <p14:creationId xmlns:p14="http://schemas.microsoft.com/office/powerpoint/2010/main" val="1151312279"/>
       </p:ext>
     </p:extLst>
   </p:cSld>
@@ -2180,15 +4408,17 @@
         </p:nvSpPr>
         <p:spPr>
           <a:xfrm>
-            <a:off x="839788" y="457200"/>
-            <a:ext cx="3932237" cy="1600200"/>
+            <a:off x="677334" y="4800600"/>
+            <a:ext cx="8596667" cy="566738"/>
           </a:xfrm>
         </p:spPr>
         <p:txBody>
-          <a:bodyPr anchor="b"/>
+          <a:bodyPr anchor="b">
+            <a:normAutofit/>
+          </a:bodyPr>
           <a:lstStyle>
-            <a:lvl1pPr>
-              <a:defRPr sz="3200"/>
+            <a:lvl1pPr algn="l">
+              <a:defRPr sz="2400" b="0"/>
             </a:lvl1pPr>
           </a:lstStyle>
           <a:p>
@@ -2196,6 +4426,7 @@
               <a:rPr lang="en-US"/>
               <a:t>Click to edit Master title style</a:t>
             </a:r>
+            <a:endParaRPr lang="en-US" dirty="0"/>
           </a:p>
         </p:txBody>
       </p:sp>
@@ -2203,7 +4434,7 @@
         <p:nvSpPr>
           <p:cNvPr id="3" name="Picture Placeholder 2"/>
           <p:cNvSpPr>
-            <a:spLocks noGrp="1"/>
+            <a:spLocks noGrp="1" noChangeAspect="1"/>
           </p:cNvSpPr>
           <p:nvPr>
             <p:ph type="pic" idx="1"/>
@@ -2211,140 +4442,125 @@
         </p:nvSpPr>
         <p:spPr>
           <a:xfrm>
-            <a:off x="5183188" y="987425"/>
-            <a:ext cx="6172200" cy="4873625"/>
+            <a:off x="677334" y="609600"/>
+            <a:ext cx="8596668" cy="3845718"/>
           </a:xfrm>
         </p:spPr>
         <p:txBody>
-          <a:bodyPr/>
+          <a:bodyPr anchor="t">
+            <a:normAutofit/>
+          </a:bodyPr>
           <a:lstStyle>
-            <a:lvl1pPr marL="0" indent="0">
-              <a:buNone/>
-              <a:defRPr sz="3200"/>
-            </a:lvl1pPr>
-            <a:lvl2pPr marL="457200" indent="0">
-              <a:buNone/>
-              <a:defRPr sz="2800"/>
-            </a:lvl2pPr>
-            <a:lvl3pPr marL="914400" indent="0">
-              <a:buNone/>
-              <a:defRPr sz="2400"/>
-            </a:lvl3pPr>
-            <a:lvl4pPr marL="1371600" indent="0">
-              <a:buNone/>
-              <a:defRPr sz="2000"/>
-            </a:lvl4pPr>
-            <a:lvl5pPr marL="1828800" indent="0">
-              <a:buNone/>
-              <a:defRPr sz="2000"/>
-            </a:lvl5pPr>
-            <a:lvl6pPr marL="2286000" indent="0">
-              <a:buNone/>
-              <a:defRPr sz="2000"/>
-            </a:lvl6pPr>
-            <a:lvl7pPr marL="2743200" indent="0">
-              <a:buNone/>
-              <a:defRPr sz="2000"/>
-            </a:lvl7pPr>
-            <a:lvl8pPr marL="3200400" indent="0">
-              <a:buNone/>
-              <a:defRPr sz="2000"/>
-            </a:lvl8pPr>
-            <a:lvl9pPr marL="3657600" indent="0">
-              <a:buNone/>
-              <a:defRPr sz="2000"/>
-            </a:lvl9pPr>
-          </a:lstStyle>
-          <a:p>
-            <a:endParaRPr lang="en-US"/>
-          </a:p>
-        </p:txBody>
-      </p:sp>
-      <p:sp>
-        <p:nvSpPr>
-          <p:cNvPr id="4" name="Text Placeholder 3"/>
-          <p:cNvSpPr>
-            <a:spLocks noGrp="1"/>
-          </p:cNvSpPr>
-          <p:nvPr>
-            <p:ph type="body" sz="half" idx="2"/>
-          </p:nvPr>
-        </p:nvSpPr>
-        <p:spPr>
-          <a:xfrm>
-            <a:off x="839788" y="2057400"/>
-            <a:ext cx="3932237" cy="3811588"/>
-          </a:xfrm>
-        </p:spPr>
-        <p:txBody>
-          <a:bodyPr/>
-          <a:lstStyle>
-            <a:lvl1pPr marL="0" indent="0">
+            <a:lvl1pPr marL="0" indent="0" algn="ctr">
               <a:buNone/>
               <a:defRPr sz="1600"/>
             </a:lvl1pPr>
             <a:lvl2pPr marL="457200" indent="0">
               <a:buNone/>
-              <a:defRPr sz="1400"/>
+              <a:defRPr sz="1600"/>
             </a:lvl2pPr>
             <a:lvl3pPr marL="914400" indent="0">
               <a:buNone/>
-              <a:defRPr sz="1200"/>
+              <a:defRPr sz="1600"/>
             </a:lvl3pPr>
             <a:lvl4pPr marL="1371600" indent="0">
               <a:buNone/>
-              <a:defRPr sz="1000"/>
+              <a:defRPr sz="1600"/>
             </a:lvl4pPr>
             <a:lvl5pPr marL="1828800" indent="0">
               <a:buNone/>
-              <a:defRPr sz="1000"/>
+              <a:defRPr sz="1600"/>
             </a:lvl5pPr>
             <a:lvl6pPr marL="2286000" indent="0">
               <a:buNone/>
-              <a:defRPr sz="1000"/>
+              <a:defRPr sz="1600"/>
             </a:lvl6pPr>
             <a:lvl7pPr marL="2743200" indent="0">
               <a:buNone/>
-              <a:defRPr sz="1000"/>
+              <a:defRPr sz="1600"/>
             </a:lvl7pPr>
             <a:lvl8pPr marL="3200400" indent="0">
               <a:buNone/>
-              <a:defRPr sz="1000"/>
+              <a:defRPr sz="1600"/>
             </a:lvl8pPr>
             <a:lvl9pPr marL="3657600" indent="0">
               <a:buNone/>
-              <a:defRPr sz="1000"/>
+              <a:defRPr sz="1600"/>
             </a:lvl9pPr>
           </a:lstStyle>
           <a:p>
+            <a:r>
+              <a:rPr lang="en-US"/>
+              <a:t>Click icon to add picture</a:t>
+            </a:r>
+            <a:endParaRPr lang="en-US" dirty="0"/>
+          </a:p>
+        </p:txBody>
+      </p:sp>
+      <p:sp>
+        <p:nvSpPr>
+          <p:cNvPr id="4" name="Text Placeholder 3"/>
+          <p:cNvSpPr>
+            <a:spLocks noGrp="1"/>
+          </p:cNvSpPr>
+          <p:nvPr>
+            <p:ph type="body" sz="half" idx="2"/>
+          </p:nvPr>
+        </p:nvSpPr>
+        <p:spPr>
+          <a:xfrm>
+            <a:off x="677334" y="5367338"/>
+            <a:ext cx="8596667" cy="674024"/>
+          </a:xfrm>
+        </p:spPr>
+        <p:txBody>
+          <a:bodyPr>
+            <a:normAutofit/>
+          </a:bodyPr>
+          <a:lstStyle>
+            <a:lvl1pPr marL="0" indent="0">
+              <a:buNone/>
+              <a:defRPr sz="1200"/>
+            </a:lvl1pPr>
+            <a:lvl2pPr marL="457200" indent="0">
+              <a:buNone/>
+              <a:defRPr sz="1200"/>
+            </a:lvl2pPr>
+            <a:lvl3pPr marL="914400" indent="0">
+              <a:buNone/>
+              <a:defRPr sz="1000"/>
+            </a:lvl3pPr>
+            <a:lvl4pPr marL="1371600" indent="0">
+              <a:buNone/>
+              <a:defRPr sz="900"/>
+            </a:lvl4pPr>
+            <a:lvl5pPr marL="1828800" indent="0">
+              <a:buNone/>
+              <a:defRPr sz="900"/>
+            </a:lvl5pPr>
+            <a:lvl6pPr marL="2286000" indent="0">
+              <a:buNone/>
+              <a:defRPr sz="900"/>
+            </a:lvl6pPr>
+            <a:lvl7pPr marL="2743200" indent="0">
+              <a:buNone/>
+              <a:defRPr sz="900"/>
+            </a:lvl7pPr>
+            <a:lvl8pPr marL="3200400" indent="0">
+              <a:buNone/>
+              <a:defRPr sz="900"/>
+            </a:lvl8pPr>
+            <a:lvl9pPr marL="3657600" indent="0">
+              <a:buNone/>
+              <a:defRPr sz="900"/>
+            </a:lvl9pPr>
+          </a:lstStyle>
+          <a:p>
             <a:pPr lvl="0"/>
             <a:r>
               <a:rPr lang="en-US"/>
-              <a:t>Click to edit Master text styles</a:t>
-            </a:r>
-          </a:p>
-        </p:txBody>
-      </p:sp>
-      <p:sp>
-        <p:nvSpPr>
-          <p:cNvPr id="5" name="Date Placeholder 4"/>
-          <p:cNvSpPr>
-            <a:spLocks noGrp="1"/>
-          </p:cNvSpPr>
-          <p:nvPr>
-            <p:ph type="dt" sz="half" idx="10"/>
-          </p:nvPr>
-        </p:nvSpPr>
-        <p:spPr/>
-        <p:txBody>
-          <a:bodyPr/>
-          <a:lstStyle/>
-          <a:p>
-            <a:fld id="{0EC4D967-AA5F-D149-AB1F-37E5C06BAA11}" type="datetimeFigureOut">
-              <a:rPr lang="en-US" smtClean="0"/>
-              <a:t>11/2/2018</a:t>
-            </a:fld>
-            <a:endParaRPr lang="en-US"/>
+              <a:t>Edit Master text styles</a:t>
+            </a:r>
           </a:p>
         </p:txBody>
       </p:sp>
@@ -2390,10 +4606,33 @@
           </a:p>
         </p:txBody>
       </p:sp>
+      <p:sp>
+        <p:nvSpPr>
+          <p:cNvPr id="5" name="Date Placeholder 4"/>
+          <p:cNvSpPr>
+            <a:spLocks noGrp="1"/>
+          </p:cNvSpPr>
+          <p:nvPr>
+            <p:ph type="dt" sz="half" idx="10"/>
+          </p:nvPr>
+        </p:nvSpPr>
+        <p:spPr/>
+        <p:txBody>
+          <a:bodyPr/>
+          <a:lstStyle/>
+          <a:p>
+            <a:fld id="{0EC4D967-AA5F-D149-AB1F-37E5C06BAA11}" type="datetimeFigureOut">
+              <a:rPr lang="en-US" smtClean="0"/>
+              <a:t>11/6/2018</a:t>
+            </a:fld>
+            <a:endParaRPr lang="en-US"/>
+          </a:p>
+        </p:txBody>
+      </p:sp>
     </p:spTree>
     <p:extLst>
       <p:ext uri="{BB962C8B-B14F-4D97-AF65-F5344CB8AC3E}">
-        <p14:creationId xmlns:p14="http://schemas.microsoft.com/office/powerpoint/2010/main" val="251346792"/>
+        <p14:creationId xmlns:p14="http://schemas.microsoft.com/office/powerpoint/2010/main" val="1988202789"/>
       </p:ext>
     </p:extLst>
   </p:cSld>
@@ -2425,6 +4664,537 @@
           <a:chExt cx="0" cy="0"/>
         </a:xfrm>
       </p:grpSpPr>
+      <p:grpSp>
+        <p:nvGrpSpPr>
+          <p:cNvPr id="44" name="Group 43"/>
+          <p:cNvGrpSpPr/>
+          <p:nvPr/>
+        </p:nvGrpSpPr>
+        <p:grpSpPr>
+          <a:xfrm>
+            <a:off x="0" y="-8467"/>
+            <a:ext cx="12192000" cy="6866467"/>
+            <a:chOff x="0" y="-8467"/>
+            <a:chExt cx="12192000" cy="6866467"/>
+          </a:xfrm>
+        </p:grpSpPr>
+        <p:cxnSp>
+          <p:nvCxnSpPr>
+            <p:cNvPr id="20" name="Straight Connector 19"/>
+            <p:cNvCxnSpPr/>
+            <p:nvPr/>
+          </p:nvCxnSpPr>
+          <p:spPr>
+            <a:xfrm>
+              <a:off x="9371012" y="0"/>
+              <a:ext cx="1219200" cy="6858000"/>
+            </a:xfrm>
+            <a:prstGeom prst="line">
+              <a:avLst/>
+            </a:prstGeom>
+            <a:ln w="9525">
+              <a:solidFill>
+                <a:schemeClr val="accent1">
+                  <a:alpha val="70000"/>
+                </a:schemeClr>
+              </a:solidFill>
+            </a:ln>
+          </p:spPr>
+          <p:style>
+            <a:lnRef idx="2">
+              <a:schemeClr val="accent1"/>
+            </a:lnRef>
+            <a:fillRef idx="0">
+              <a:schemeClr val="accent1"/>
+            </a:fillRef>
+            <a:effectRef idx="1">
+              <a:schemeClr val="accent1"/>
+            </a:effectRef>
+            <a:fontRef idx="minor">
+              <a:schemeClr val="tx1"/>
+            </a:fontRef>
+          </p:style>
+        </p:cxnSp>
+        <p:cxnSp>
+          <p:nvCxnSpPr>
+            <p:cNvPr id="21" name="Straight Connector 20"/>
+            <p:cNvCxnSpPr/>
+            <p:nvPr/>
+          </p:nvCxnSpPr>
+          <p:spPr>
+            <a:xfrm flipH="1">
+              <a:off x="7425267" y="3681413"/>
+              <a:ext cx="4763558" cy="3176587"/>
+            </a:xfrm>
+            <a:prstGeom prst="line">
+              <a:avLst/>
+            </a:prstGeom>
+            <a:ln w="9525">
+              <a:solidFill>
+                <a:schemeClr val="accent1">
+                  <a:alpha val="70000"/>
+                </a:schemeClr>
+              </a:solidFill>
+            </a:ln>
+          </p:spPr>
+          <p:style>
+            <a:lnRef idx="2">
+              <a:schemeClr val="accent1"/>
+            </a:lnRef>
+            <a:fillRef idx="0">
+              <a:schemeClr val="accent1"/>
+            </a:fillRef>
+            <a:effectRef idx="1">
+              <a:schemeClr val="accent1"/>
+            </a:effectRef>
+            <a:fontRef idx="minor">
+              <a:schemeClr val="tx1"/>
+            </a:fontRef>
+          </p:style>
+        </p:cxnSp>
+        <p:sp>
+          <p:nvSpPr>
+            <p:cNvPr id="22" name="Rectangle 23"/>
+            <p:cNvSpPr/>
+            <p:nvPr/>
+          </p:nvSpPr>
+          <p:spPr>
+            <a:xfrm>
+              <a:off x="9181476" y="-8467"/>
+              <a:ext cx="3007349" cy="6866467"/>
+            </a:xfrm>
+            <a:custGeom>
+              <a:avLst/>
+              <a:gdLst/>
+              <a:ahLst/>
+              <a:cxnLst/>
+              <a:rect l="l" t="t" r="r" b="b"/>
+              <a:pathLst>
+                <a:path w="3007349" h="6866467">
+                  <a:moveTo>
+                    <a:pt x="2045532" y="0"/>
+                  </a:moveTo>
+                  <a:lnTo>
+                    <a:pt x="3007349" y="0"/>
+                  </a:lnTo>
+                  <a:lnTo>
+                    <a:pt x="3007349" y="6866467"/>
+                  </a:lnTo>
+                  <a:lnTo>
+                    <a:pt x="0" y="6866467"/>
+                  </a:lnTo>
+                  <a:lnTo>
+                    <a:pt x="2045532" y="0"/>
+                  </a:lnTo>
+                  <a:close/>
+                </a:path>
+              </a:pathLst>
+            </a:custGeom>
+            <a:solidFill>
+              <a:schemeClr val="accent1">
+                <a:alpha val="36000"/>
+              </a:schemeClr>
+            </a:solidFill>
+            <a:ln>
+              <a:noFill/>
+            </a:ln>
+            <a:effectLst/>
+          </p:spPr>
+          <p:style>
+            <a:lnRef idx="1">
+              <a:schemeClr val="accent1"/>
+            </a:lnRef>
+            <a:fillRef idx="3">
+              <a:schemeClr val="accent1"/>
+            </a:fillRef>
+            <a:effectRef idx="2">
+              <a:schemeClr val="accent1"/>
+            </a:effectRef>
+            <a:fontRef idx="minor">
+              <a:schemeClr val="lt1"/>
+            </a:fontRef>
+          </p:style>
+        </p:sp>
+        <p:sp>
+          <p:nvSpPr>
+            <p:cNvPr id="23" name="Rectangle 25"/>
+            <p:cNvSpPr/>
+            <p:nvPr/>
+          </p:nvSpPr>
+          <p:spPr>
+            <a:xfrm>
+              <a:off x="9603442" y="-8467"/>
+              <a:ext cx="2588558" cy="6866467"/>
+            </a:xfrm>
+            <a:custGeom>
+              <a:avLst/>
+              <a:gdLst/>
+              <a:ahLst/>
+              <a:cxnLst/>
+              <a:rect l="l" t="t" r="r" b="b"/>
+              <a:pathLst>
+                <a:path w="2573311" h="6866467">
+                  <a:moveTo>
+                    <a:pt x="0" y="0"/>
+                  </a:moveTo>
+                  <a:lnTo>
+                    <a:pt x="2573311" y="0"/>
+                  </a:lnTo>
+                  <a:lnTo>
+                    <a:pt x="2573311" y="6866467"/>
+                  </a:lnTo>
+                  <a:lnTo>
+                    <a:pt x="1202336" y="6866467"/>
+                  </a:lnTo>
+                  <a:lnTo>
+                    <a:pt x="0" y="0"/>
+                  </a:lnTo>
+                  <a:close/>
+                </a:path>
+              </a:pathLst>
+            </a:custGeom>
+            <a:solidFill>
+              <a:schemeClr val="accent1">
+                <a:alpha val="20000"/>
+              </a:schemeClr>
+            </a:solidFill>
+            <a:ln>
+              <a:noFill/>
+            </a:ln>
+            <a:effectLst/>
+          </p:spPr>
+          <p:style>
+            <a:lnRef idx="1">
+              <a:schemeClr val="accent1"/>
+            </a:lnRef>
+            <a:fillRef idx="3">
+              <a:schemeClr val="accent1"/>
+            </a:fillRef>
+            <a:effectRef idx="2">
+              <a:schemeClr val="accent1"/>
+            </a:effectRef>
+            <a:fontRef idx="minor">
+              <a:schemeClr val="lt1"/>
+            </a:fontRef>
+          </p:style>
+        </p:sp>
+        <p:sp>
+          <p:nvSpPr>
+            <p:cNvPr id="24" name="Isosceles Triangle 23"/>
+            <p:cNvSpPr/>
+            <p:nvPr/>
+          </p:nvSpPr>
+          <p:spPr>
+            <a:xfrm>
+              <a:off x="8932333" y="3048000"/>
+              <a:ext cx="3259667" cy="3810000"/>
+            </a:xfrm>
+            <a:prstGeom prst="triangle">
+              <a:avLst>
+                <a:gd name="adj" fmla="val 100000"/>
+              </a:avLst>
+            </a:prstGeom>
+            <a:solidFill>
+              <a:schemeClr val="accent1">
+                <a:lumMod val="75000"/>
+                <a:alpha val="66000"/>
+              </a:schemeClr>
+            </a:solidFill>
+            <a:ln>
+              <a:noFill/>
+            </a:ln>
+            <a:effectLst/>
+          </p:spPr>
+          <p:style>
+            <a:lnRef idx="1">
+              <a:schemeClr val="accent1"/>
+            </a:lnRef>
+            <a:fillRef idx="3">
+              <a:schemeClr val="accent1"/>
+            </a:fillRef>
+            <a:effectRef idx="2">
+              <a:schemeClr val="accent1"/>
+            </a:effectRef>
+            <a:fontRef idx="minor">
+              <a:schemeClr val="lt1"/>
+            </a:fontRef>
+          </p:style>
+        </p:sp>
+        <p:sp>
+          <p:nvSpPr>
+            <p:cNvPr id="25" name="Rectangle 27"/>
+            <p:cNvSpPr/>
+            <p:nvPr/>
+          </p:nvSpPr>
+          <p:spPr>
+            <a:xfrm>
+              <a:off x="9334500" y="-8467"/>
+              <a:ext cx="2854326" cy="6866467"/>
+            </a:xfrm>
+            <a:custGeom>
+              <a:avLst/>
+              <a:gdLst/>
+              <a:ahLst/>
+              <a:cxnLst/>
+              <a:rect l="l" t="t" r="r" b="b"/>
+              <a:pathLst>
+                <a:path w="2858013" h="6866467">
+                  <a:moveTo>
+                    <a:pt x="0" y="0"/>
+                  </a:moveTo>
+                  <a:lnTo>
+                    <a:pt x="2858013" y="0"/>
+                  </a:lnTo>
+                  <a:lnTo>
+                    <a:pt x="2858013" y="6866467"/>
+                  </a:lnTo>
+                  <a:lnTo>
+                    <a:pt x="2473942" y="6866467"/>
+                  </a:lnTo>
+                  <a:lnTo>
+                    <a:pt x="0" y="0"/>
+                  </a:lnTo>
+                  <a:close/>
+                </a:path>
+              </a:pathLst>
+            </a:custGeom>
+            <a:solidFill>
+              <a:schemeClr val="accent1">
+                <a:lumMod val="75000"/>
+                <a:alpha val="50000"/>
+              </a:schemeClr>
+            </a:solidFill>
+            <a:ln>
+              <a:noFill/>
+            </a:ln>
+            <a:effectLst/>
+          </p:spPr>
+          <p:style>
+            <a:lnRef idx="1">
+              <a:schemeClr val="accent1"/>
+            </a:lnRef>
+            <a:fillRef idx="3">
+              <a:schemeClr val="accent1"/>
+            </a:fillRef>
+            <a:effectRef idx="2">
+              <a:schemeClr val="accent1"/>
+            </a:effectRef>
+            <a:fontRef idx="minor">
+              <a:schemeClr val="lt1"/>
+            </a:fontRef>
+          </p:style>
+        </p:sp>
+        <p:sp>
+          <p:nvSpPr>
+            <p:cNvPr id="26" name="Rectangle 28"/>
+            <p:cNvSpPr/>
+            <p:nvPr/>
+          </p:nvSpPr>
+          <p:spPr>
+            <a:xfrm>
+              <a:off x="10898730" y="-8467"/>
+              <a:ext cx="1290094" cy="6866467"/>
+            </a:xfrm>
+            <a:custGeom>
+              <a:avLst/>
+              <a:gdLst/>
+              <a:ahLst/>
+              <a:cxnLst/>
+              <a:rect l="l" t="t" r="r" b="b"/>
+              <a:pathLst>
+                <a:path w="1290094" h="6858000">
+                  <a:moveTo>
+                    <a:pt x="1019735" y="0"/>
+                  </a:moveTo>
+                  <a:lnTo>
+                    <a:pt x="1290094" y="0"/>
+                  </a:lnTo>
+                  <a:lnTo>
+                    <a:pt x="1290094" y="6858000"/>
+                  </a:lnTo>
+                  <a:lnTo>
+                    <a:pt x="0" y="6858000"/>
+                  </a:lnTo>
+                  <a:lnTo>
+                    <a:pt x="1019735" y="0"/>
+                  </a:lnTo>
+                  <a:close/>
+                </a:path>
+              </a:pathLst>
+            </a:custGeom>
+            <a:solidFill>
+              <a:schemeClr val="accent2">
+                <a:alpha val="70000"/>
+              </a:schemeClr>
+            </a:solidFill>
+            <a:ln>
+              <a:noFill/>
+            </a:ln>
+            <a:effectLst/>
+          </p:spPr>
+          <p:style>
+            <a:lnRef idx="1">
+              <a:schemeClr val="accent1"/>
+            </a:lnRef>
+            <a:fillRef idx="3">
+              <a:schemeClr val="accent1"/>
+            </a:fillRef>
+            <a:effectRef idx="2">
+              <a:schemeClr val="accent1"/>
+            </a:effectRef>
+            <a:fontRef idx="minor">
+              <a:schemeClr val="lt1"/>
+            </a:fontRef>
+          </p:style>
+        </p:sp>
+        <p:sp>
+          <p:nvSpPr>
+            <p:cNvPr id="27" name="Rectangle 29"/>
+            <p:cNvSpPr/>
+            <p:nvPr/>
+          </p:nvSpPr>
+          <p:spPr>
+            <a:xfrm>
+              <a:off x="10938999" y="-8467"/>
+              <a:ext cx="1249825" cy="6866467"/>
+            </a:xfrm>
+            <a:custGeom>
+              <a:avLst/>
+              <a:gdLst/>
+              <a:ahLst/>
+              <a:cxnLst/>
+              <a:rect l="l" t="t" r="r" b="b"/>
+              <a:pathLst>
+                <a:path w="1249825" h="6858000">
+                  <a:moveTo>
+                    <a:pt x="0" y="0"/>
+                  </a:moveTo>
+                  <a:lnTo>
+                    <a:pt x="1249825" y="0"/>
+                  </a:lnTo>
+                  <a:lnTo>
+                    <a:pt x="1249825" y="6858000"/>
+                  </a:lnTo>
+                  <a:lnTo>
+                    <a:pt x="1109382" y="6858000"/>
+                  </a:lnTo>
+                  <a:lnTo>
+                    <a:pt x="0" y="0"/>
+                  </a:lnTo>
+                  <a:close/>
+                </a:path>
+              </a:pathLst>
+            </a:custGeom>
+            <a:solidFill>
+              <a:schemeClr val="accent2">
+                <a:lumMod val="75000"/>
+                <a:alpha val="80000"/>
+              </a:schemeClr>
+            </a:solidFill>
+            <a:ln>
+              <a:noFill/>
+            </a:ln>
+            <a:effectLst/>
+          </p:spPr>
+          <p:style>
+            <a:lnRef idx="1">
+              <a:schemeClr val="accent1"/>
+            </a:lnRef>
+            <a:fillRef idx="3">
+              <a:schemeClr val="accent1"/>
+            </a:fillRef>
+            <a:effectRef idx="2">
+              <a:schemeClr val="accent1"/>
+            </a:effectRef>
+            <a:fontRef idx="minor">
+              <a:schemeClr val="lt1"/>
+            </a:fontRef>
+          </p:style>
+        </p:sp>
+        <p:sp>
+          <p:nvSpPr>
+            <p:cNvPr id="28" name="Isosceles Triangle 27"/>
+            <p:cNvSpPr/>
+            <p:nvPr/>
+          </p:nvSpPr>
+          <p:spPr>
+            <a:xfrm>
+              <a:off x="10371666" y="3589867"/>
+              <a:ext cx="1817159" cy="3268133"/>
+            </a:xfrm>
+            <a:prstGeom prst="triangle">
+              <a:avLst>
+                <a:gd name="adj" fmla="val 100000"/>
+              </a:avLst>
+            </a:prstGeom>
+            <a:solidFill>
+              <a:schemeClr val="accent1">
+                <a:lumMod val="75000"/>
+                <a:alpha val="66000"/>
+              </a:schemeClr>
+            </a:solidFill>
+            <a:ln>
+              <a:noFill/>
+            </a:ln>
+            <a:effectLst/>
+          </p:spPr>
+          <p:style>
+            <a:lnRef idx="1">
+              <a:schemeClr val="accent1"/>
+            </a:lnRef>
+            <a:fillRef idx="3">
+              <a:schemeClr val="accent1"/>
+            </a:fillRef>
+            <a:effectRef idx="2">
+              <a:schemeClr val="accent1"/>
+            </a:effectRef>
+            <a:fontRef idx="minor">
+              <a:schemeClr val="lt1"/>
+            </a:fontRef>
+          </p:style>
+        </p:sp>
+        <p:sp>
+          <p:nvSpPr>
+            <p:cNvPr id="19" name="Isosceles Triangle 18"/>
+            <p:cNvSpPr/>
+            <p:nvPr/>
+          </p:nvSpPr>
+          <p:spPr>
+            <a:xfrm>
+              <a:off x="0" y="4013200"/>
+              <a:ext cx="448733" cy="2844800"/>
+            </a:xfrm>
+            <a:prstGeom prst="triangle">
+              <a:avLst>
+                <a:gd name="adj" fmla="val 0"/>
+              </a:avLst>
+            </a:prstGeom>
+            <a:solidFill>
+              <a:schemeClr val="accent1">
+                <a:alpha val="70000"/>
+              </a:schemeClr>
+            </a:solidFill>
+            <a:ln>
+              <a:noFill/>
+            </a:ln>
+            <a:effectLst/>
+          </p:spPr>
+          <p:style>
+            <a:lnRef idx="1">
+              <a:schemeClr val="accent1"/>
+            </a:lnRef>
+            <a:fillRef idx="3">
+              <a:schemeClr val="accent1"/>
+            </a:fillRef>
+            <a:effectRef idx="2">
+              <a:schemeClr val="accent1"/>
+            </a:effectRef>
+            <a:fontRef idx="minor">
+              <a:schemeClr val="lt1"/>
+            </a:fontRef>
+          </p:style>
+        </p:sp>
+      </p:grpSp>
       <p:sp>
         <p:nvSpPr>
           <p:cNvPr id="2" name="Title Placeholder 1"/>
@@ -2437,15 +5207,15 @@
         </p:nvSpPr>
         <p:spPr>
           <a:xfrm>
-            <a:off x="838200" y="365125"/>
-            <a:ext cx="10515600" cy="1325563"/>
+            <a:off x="677334" y="609600"/>
+            <a:ext cx="8596668" cy="1320800"/>
           </a:xfrm>
           <a:prstGeom prst="rect">
             <a:avLst/>
           </a:prstGeom>
         </p:spPr>
         <p:txBody>
-          <a:bodyPr vert="horz" lIns="91440" tIns="45720" rIns="91440" bIns="45720" rtlCol="0" anchor="ctr">
+          <a:bodyPr vert="horz" lIns="91440" tIns="45720" rIns="91440" bIns="45720" rtlCol="0" anchor="t">
             <a:normAutofit/>
           </a:bodyPr>
           <a:lstStyle/>
@@ -2454,6 +5224,7 @@
               <a:rPr lang="en-US"/>
               <a:t>Click to edit Master title style</a:t>
             </a:r>
+            <a:endParaRPr lang="en-US" dirty="0"/>
           </a:p>
         </p:txBody>
       </p:sp>
@@ -2469,8 +5240,8 @@
         </p:nvSpPr>
         <p:spPr>
           <a:xfrm>
-            <a:off x="838200" y="1825625"/>
-            <a:ext cx="10515600" cy="4351338"/>
+            <a:off x="677334" y="2160589"/>
+            <a:ext cx="8596668" cy="3880773"/>
           </a:xfrm>
           <a:prstGeom prst="rect">
             <a:avLst/>
@@ -2485,7 +5256,7 @@
             <a:pPr lvl="0"/>
             <a:r>
               <a:rPr lang="en-US"/>
-              <a:t>Click to edit Master text styles</a:t>
+              <a:t>Edit Master text styles</a:t>
             </a:r>
           </a:p>
           <a:p>
@@ -2515,6 +5286,7 @@
               <a:rPr lang="en-US"/>
               <a:t>Fifth level</a:t>
             </a:r>
+            <a:endParaRPr lang="en-US" dirty="0"/>
           </a:p>
         </p:txBody>
       </p:sp>
@@ -2530,8 +5302,8 @@
         </p:nvSpPr>
         <p:spPr>
           <a:xfrm>
-            <a:off x="838200" y="6356350"/>
-            <a:ext cx="2743200" cy="365125"/>
+            <a:off x="7205133" y="6041362"/>
+            <a:ext cx="911939" cy="365125"/>
           </a:xfrm>
           <a:prstGeom prst="rect">
             <a:avLst/>
@@ -2540,8 +5312,8 @@
         <p:txBody>
           <a:bodyPr vert="horz" lIns="91440" tIns="45720" rIns="91440" bIns="45720" rtlCol="0" anchor="ctr"/>
           <a:lstStyle>
-            <a:lvl1pPr algn="l">
-              <a:defRPr sz="1200">
+            <a:lvl1pPr algn="r">
+              <a:defRPr sz="900">
                 <a:solidFill>
                   <a:schemeClr val="tx1">
                     <a:tint val="75000"/>
@@ -2553,7 +5325,7 @@
           <a:p>
             <a:fld id="{0EC4D967-AA5F-D149-AB1F-37E5C06BAA11}" type="datetimeFigureOut">
               <a:rPr lang="en-US" smtClean="0"/>
-              <a:t>11/2/2018</a:t>
+              <a:t>11/6/2018</a:t>
             </a:fld>
             <a:endParaRPr lang="en-US"/>
           </a:p>
@@ -2571,8 +5343,8 @@
         </p:nvSpPr>
         <p:spPr>
           <a:xfrm>
-            <a:off x="4038600" y="6356350"/>
-            <a:ext cx="4114800" cy="365125"/>
+            <a:off x="677334" y="6041362"/>
+            <a:ext cx="6297612" cy="365125"/>
           </a:xfrm>
           <a:prstGeom prst="rect">
             <a:avLst/>
@@ -2581,8 +5353,8 @@
         <p:txBody>
           <a:bodyPr vert="horz" lIns="91440" tIns="45720" rIns="91440" bIns="45720" rtlCol="0" anchor="ctr"/>
           <a:lstStyle>
-            <a:lvl1pPr algn="ctr">
-              <a:defRPr sz="1200">
+            <a:lvl1pPr algn="l">
+              <a:defRPr sz="900">
                 <a:solidFill>
                   <a:schemeClr val="tx1">
                     <a:tint val="75000"/>
@@ -2608,8 +5380,8 @@
         </p:nvSpPr>
         <p:spPr>
           <a:xfrm>
-            <a:off x="8610600" y="6356350"/>
-            <a:ext cx="2743200" cy="365125"/>
+            <a:off x="8590663" y="6041362"/>
+            <a:ext cx="683339" cy="365125"/>
           </a:xfrm>
           <a:prstGeom prst="rect">
             <a:avLst/>
@@ -2619,11 +5391,9 @@
           <a:bodyPr vert="horz" lIns="91440" tIns="45720" rIns="91440" bIns="45720" rtlCol="0" anchor="ctr"/>
           <a:lstStyle>
             <a:lvl1pPr algn="r">
-              <a:defRPr sz="1200">
+              <a:defRPr sz="900">
                 <a:solidFill>
-                  <a:schemeClr val="tx1">
-                    <a:tint val="75000"/>
-                  </a:schemeClr>
+                  <a:schemeClr val="accent1"/>
                 </a:solidFill>
               </a:defRPr>
             </a:lvl1pPr>
@@ -2640,201 +5410,322 @@
     </p:spTree>
     <p:extLst>
       <p:ext uri="{BB962C8B-B14F-4D97-AF65-F5344CB8AC3E}">
-        <p14:creationId xmlns:p14="http://schemas.microsoft.com/office/powerpoint/2010/main" val="2121459771"/>
+        <p14:creationId xmlns:p14="http://schemas.microsoft.com/office/powerpoint/2010/main" val="2960782179"/>
       </p:ext>
     </p:extLst>
   </p:cSld>
   <p:clrMap bg1="lt1" tx1="dk1" bg2="lt2" tx2="dk2" accent1="accent1" accent2="accent2" accent3="accent3" accent4="accent4" accent5="accent5" accent6="accent6" hlink="hlink" folHlink="folHlink"/>
   <p:sldLayoutIdLst>
-    <p:sldLayoutId id="2147483649" r:id="rId1"/>
-    <p:sldLayoutId id="2147483650" r:id="rId2"/>
-    <p:sldLayoutId id="2147483651" r:id="rId3"/>
-    <p:sldLayoutId id="2147483652" r:id="rId4"/>
-    <p:sldLayoutId id="2147483653" r:id="rId5"/>
-    <p:sldLayoutId id="2147483654" r:id="rId6"/>
-    <p:sldLayoutId id="2147483655" r:id="rId7"/>
-    <p:sldLayoutId id="2147483656" r:id="rId8"/>
-    <p:sldLayoutId id="2147483657" r:id="rId9"/>
-    <p:sldLayoutId id="2147483658" r:id="rId10"/>
-    <p:sldLayoutId id="2147483659" r:id="rId11"/>
+    <p:sldLayoutId id="2147483678" r:id="rId1"/>
+    <p:sldLayoutId id="2147483679" r:id="rId2"/>
+    <p:sldLayoutId id="2147483680" r:id="rId3"/>
+    <p:sldLayoutId id="2147483681" r:id="rId4"/>
+    <p:sldLayoutId id="2147483682" r:id="rId5"/>
+    <p:sldLayoutId id="2147483683" r:id="rId6"/>
+    <p:sldLayoutId id="2147483684" r:id="rId7"/>
+    <p:sldLayoutId id="2147483685" r:id="rId8"/>
+    <p:sldLayoutId id="2147483686" r:id="rId9"/>
+    <p:sldLayoutId id="2147483687" r:id="rId10"/>
+    <p:sldLayoutId id="2147483688" r:id="rId11"/>
+    <p:sldLayoutId id="2147483689" r:id="rId12"/>
+    <p:sldLayoutId id="2147483690" r:id="rId13"/>
+    <p:sldLayoutId id="2147483691" r:id="rId14"/>
+    <p:sldLayoutId id="2147483692" r:id="rId15"/>
+    <p:sldLayoutId id="2147483693" r:id="rId16"/>
   </p:sldLayoutIdLst>
   <p:txStyles>
     <p:titleStyle>
-      <a:lvl1pPr algn="l" defTabSz="914400" rtl="0" eaLnBrk="1" latinLnBrk="0" hangingPunct="1">
-        <a:lnSpc>
-          <a:spcPct val="90000"/>
-        </a:lnSpc>
+      <a:lvl1pPr algn="l" defTabSz="457200" rtl="0" eaLnBrk="1" latinLnBrk="0" hangingPunct="1">
         <a:spcBef>
           <a:spcPct val="0"/>
         </a:spcBef>
         <a:buNone/>
-        <a:defRPr sz="4400" kern="1200">
+        <a:defRPr sz="3600" kern="1200">
           <a:solidFill>
-            <a:schemeClr val="tx1"/>
+            <a:schemeClr val="accent1"/>
           </a:solidFill>
           <a:latin typeface="+mj-lt"/>
           <a:ea typeface="+mj-ea"/>
           <a:cs typeface="+mj-cs"/>
         </a:defRPr>
       </a:lvl1pPr>
+      <a:lvl2pPr eaLnBrk="1" hangingPunct="1">
+        <a:defRPr>
+          <a:solidFill>
+            <a:schemeClr val="tx2"/>
+          </a:solidFill>
+        </a:defRPr>
+      </a:lvl2pPr>
+      <a:lvl3pPr eaLnBrk="1" hangingPunct="1">
+        <a:defRPr>
+          <a:solidFill>
+            <a:schemeClr val="tx2"/>
+          </a:solidFill>
+        </a:defRPr>
+      </a:lvl3pPr>
+      <a:lvl4pPr eaLnBrk="1" hangingPunct="1">
+        <a:defRPr>
+          <a:solidFill>
+            <a:schemeClr val="tx2"/>
+          </a:solidFill>
+        </a:defRPr>
+      </a:lvl4pPr>
+      <a:lvl5pPr eaLnBrk="1" hangingPunct="1">
+        <a:defRPr>
+          <a:solidFill>
+            <a:schemeClr val="tx2"/>
+          </a:solidFill>
+        </a:defRPr>
+      </a:lvl5pPr>
+      <a:lvl6pPr eaLnBrk="1" hangingPunct="1">
+        <a:defRPr>
+          <a:solidFill>
+            <a:schemeClr val="tx2"/>
+          </a:solidFill>
+        </a:defRPr>
+      </a:lvl6pPr>
+      <a:lvl7pPr eaLnBrk="1" hangingPunct="1">
+        <a:defRPr>
+          <a:solidFill>
+            <a:schemeClr val="tx2"/>
+          </a:solidFill>
+        </a:defRPr>
+      </a:lvl7pPr>
+      <a:lvl8pPr eaLnBrk="1" hangingPunct="1">
+        <a:defRPr>
+          <a:solidFill>
+            <a:schemeClr val="tx2"/>
+          </a:solidFill>
+        </a:defRPr>
+      </a:lvl8pPr>
+      <a:lvl9pPr eaLnBrk="1" hangingPunct="1">
+        <a:defRPr>
+          <a:solidFill>
+            <a:schemeClr val="tx2"/>
+          </a:solidFill>
+        </a:defRPr>
+      </a:lvl9pPr>
     </p:titleStyle>
     <p:bodyStyle>
-      <a:lvl1pPr marL="228600" indent="-228600" algn="l" defTabSz="914400" rtl="0" eaLnBrk="1" latinLnBrk="0" hangingPunct="1">
-        <a:lnSpc>
-          <a:spcPct val="90000"/>
-        </a:lnSpc>
+      <a:lvl1pPr marL="342900" indent="-342900" algn="l" defTabSz="457200" rtl="0" eaLnBrk="1" latinLnBrk="0" hangingPunct="1">
         <a:spcBef>
           <a:spcPts val="1000"/>
         </a:spcBef>
-        <a:buFont typeface="Arial"/>
-        <a:buChar char="•"/>
-        <a:defRPr sz="2800" kern="1200">
+        <a:spcAft>
+          <a:spcPts val="0"/>
+        </a:spcAft>
+        <a:buClr>
+          <a:schemeClr val="accent1"/>
+        </a:buClr>
+        <a:buSzPct val="80000"/>
+        <a:buFont typeface="Wingdings 3" charset="2"/>
+        <a:buChar char=""/>
+        <a:defRPr sz="1800" kern="1200">
           <a:solidFill>
-            <a:schemeClr val="tx1"/>
+            <a:schemeClr val="tx1">
+              <a:lumMod val="75000"/>
+              <a:lumOff val="25000"/>
+            </a:schemeClr>
           </a:solidFill>
           <a:latin typeface="+mn-lt"/>
           <a:ea typeface="+mn-ea"/>
           <a:cs typeface="+mn-cs"/>
         </a:defRPr>
       </a:lvl1pPr>
-      <a:lvl2pPr marL="685800" indent="-228600" algn="l" defTabSz="914400" rtl="0" eaLnBrk="1" latinLnBrk="0" hangingPunct="1">
-        <a:lnSpc>
-          <a:spcPct val="90000"/>
-        </a:lnSpc>
+      <a:lvl2pPr marL="742950" indent="-285750" algn="l" defTabSz="457200" rtl="0" eaLnBrk="1" latinLnBrk="0" hangingPunct="1">
         <a:spcBef>
-          <a:spcPts val="500"/>
+          <a:spcPts val="1000"/>
         </a:spcBef>
-        <a:buFont typeface="Arial"/>
-        <a:buChar char="•"/>
-        <a:defRPr sz="2400" kern="1200">
+        <a:spcAft>
+          <a:spcPts val="0"/>
+        </a:spcAft>
+        <a:buClr>
+          <a:schemeClr val="accent1"/>
+        </a:buClr>
+        <a:buSzPct val="80000"/>
+        <a:buFont typeface="Wingdings 3" charset="2"/>
+        <a:buChar char=""/>
+        <a:defRPr sz="1600" kern="1200">
           <a:solidFill>
-            <a:schemeClr val="tx1"/>
+            <a:schemeClr val="tx1">
+              <a:lumMod val="75000"/>
+              <a:lumOff val="25000"/>
+            </a:schemeClr>
           </a:solidFill>
           <a:latin typeface="+mn-lt"/>
           <a:ea typeface="+mn-ea"/>
           <a:cs typeface="+mn-cs"/>
         </a:defRPr>
       </a:lvl2pPr>
-      <a:lvl3pPr marL="1143000" indent="-228600" algn="l" defTabSz="914400" rtl="0" eaLnBrk="1" latinLnBrk="0" hangingPunct="1">
-        <a:lnSpc>
-          <a:spcPct val="90000"/>
-        </a:lnSpc>
+      <a:lvl3pPr marL="1143000" indent="-228600" algn="l" defTabSz="457200" rtl="0" eaLnBrk="1" latinLnBrk="0" hangingPunct="1">
         <a:spcBef>
-          <a:spcPts val="500"/>
+          <a:spcPts val="1000"/>
         </a:spcBef>
-        <a:buFont typeface="Arial"/>
-        <a:buChar char="•"/>
-        <a:defRPr sz="2000" kern="1200">
+        <a:spcAft>
+          <a:spcPts val="0"/>
+        </a:spcAft>
+        <a:buClr>
+          <a:schemeClr val="accent1"/>
+        </a:buClr>
+        <a:buSzPct val="80000"/>
+        <a:buFont typeface="Wingdings 3" charset="2"/>
+        <a:buChar char=""/>
+        <a:defRPr sz="1400" kern="1200">
           <a:solidFill>
-            <a:schemeClr val="tx1"/>
+            <a:schemeClr val="tx1">
+              <a:lumMod val="75000"/>
+              <a:lumOff val="25000"/>
+            </a:schemeClr>
           </a:solidFill>
           <a:latin typeface="+mn-lt"/>
           <a:ea typeface="+mn-ea"/>
           <a:cs typeface="+mn-cs"/>
         </a:defRPr>
       </a:lvl3pPr>
-      <a:lvl4pPr marL="1600200" indent="-228600" algn="l" defTabSz="914400" rtl="0" eaLnBrk="1" latinLnBrk="0" hangingPunct="1">
-        <a:lnSpc>
-          <a:spcPct val="90000"/>
-        </a:lnSpc>
+      <a:lvl4pPr marL="1600200" indent="-228600" algn="l" defTabSz="457200" rtl="0" eaLnBrk="1" latinLnBrk="0" hangingPunct="1">
         <a:spcBef>
-          <a:spcPts val="500"/>
+          <a:spcPts val="1000"/>
         </a:spcBef>
-        <a:buFont typeface="Arial"/>
-        <a:buChar char="•"/>
-        <a:defRPr sz="1800" kern="1200">
+        <a:spcAft>
+          <a:spcPts val="0"/>
+        </a:spcAft>
+        <a:buClr>
+          <a:schemeClr val="accent1"/>
+        </a:buClr>
+        <a:buSzPct val="80000"/>
+        <a:buFont typeface="Wingdings 3" charset="2"/>
+        <a:buChar char=""/>
+        <a:defRPr sz="1200" kern="1200">
           <a:solidFill>
-            <a:schemeClr val="tx1"/>
+            <a:schemeClr val="tx1">
+              <a:lumMod val="75000"/>
+              <a:lumOff val="25000"/>
+            </a:schemeClr>
           </a:solidFill>
           <a:latin typeface="+mn-lt"/>
           <a:ea typeface="+mn-ea"/>
           <a:cs typeface="+mn-cs"/>
         </a:defRPr>
       </a:lvl4pPr>
-      <a:lvl5pPr marL="2057400" indent="-228600" algn="l" defTabSz="914400" rtl="0" eaLnBrk="1" latinLnBrk="0" hangingPunct="1">
-        <a:lnSpc>
-          <a:spcPct val="90000"/>
-        </a:lnSpc>
+      <a:lvl5pPr marL="2057400" indent="-228600" algn="l" defTabSz="457200" rtl="0" eaLnBrk="1" latinLnBrk="0" hangingPunct="1">
         <a:spcBef>
-          <a:spcPts val="500"/>
+          <a:spcPts val="1000"/>
         </a:spcBef>
-        <a:buFont typeface="Arial"/>
-        <a:buChar char="•"/>
-        <a:defRPr sz="1800" kern="1200">
+        <a:spcAft>
+          <a:spcPts val="0"/>
+        </a:spcAft>
+        <a:buClr>
+          <a:schemeClr val="accent1"/>
+        </a:buClr>
+        <a:buSzPct val="80000"/>
+        <a:buFont typeface="Wingdings 3" charset="2"/>
+        <a:buChar char=""/>
+        <a:defRPr sz="1200" kern="1200">
           <a:solidFill>
-            <a:schemeClr val="tx1"/>
+            <a:schemeClr val="tx1">
+              <a:lumMod val="75000"/>
+              <a:lumOff val="25000"/>
+            </a:schemeClr>
           </a:solidFill>
           <a:latin typeface="+mn-lt"/>
           <a:ea typeface="+mn-ea"/>
           <a:cs typeface="+mn-cs"/>
         </a:defRPr>
       </a:lvl5pPr>
-      <a:lvl6pPr marL="2514600" indent="-228600" algn="l" defTabSz="914400" rtl="0" eaLnBrk="1" latinLnBrk="0" hangingPunct="1">
-        <a:lnSpc>
-          <a:spcPct val="90000"/>
-        </a:lnSpc>
+      <a:lvl6pPr marL="2514600" indent="-228600" algn="l" defTabSz="457200" rtl="0" eaLnBrk="1" latinLnBrk="0" hangingPunct="1">
         <a:spcBef>
-          <a:spcPts val="500"/>
+          <a:spcPts val="1000"/>
         </a:spcBef>
-        <a:buFont typeface="Arial"/>
-        <a:buChar char="•"/>
-        <a:defRPr sz="1800" kern="1200">
+        <a:spcAft>
+          <a:spcPts val="0"/>
+        </a:spcAft>
+        <a:buClr>
+          <a:schemeClr val="accent1"/>
+        </a:buClr>
+        <a:buSzPct val="80000"/>
+        <a:buFont typeface="Wingdings 3" charset="2"/>
+        <a:buChar char=""/>
+        <a:defRPr sz="1200" kern="1200">
           <a:solidFill>
-            <a:schemeClr val="tx1"/>
+            <a:schemeClr val="tx1">
+              <a:lumMod val="75000"/>
+              <a:lumOff val="25000"/>
+            </a:schemeClr>
           </a:solidFill>
           <a:latin typeface="+mn-lt"/>
           <a:ea typeface="+mn-ea"/>
           <a:cs typeface="+mn-cs"/>
         </a:defRPr>
       </a:lvl6pPr>
-      <a:lvl7pPr marL="2971800" indent="-228600" algn="l" defTabSz="914400" rtl="0" eaLnBrk="1" latinLnBrk="0" hangingPunct="1">
-        <a:lnSpc>
-          <a:spcPct val="90000"/>
-        </a:lnSpc>
+      <a:lvl7pPr marL="2971800" indent="-228600" algn="l" defTabSz="457200" rtl="0" eaLnBrk="1" latinLnBrk="0" hangingPunct="1">
         <a:spcBef>
-          <a:spcPts val="500"/>
+          <a:spcPts val="1000"/>
         </a:spcBef>
-        <a:buFont typeface="Arial"/>
-        <a:buChar char="•"/>
-        <a:defRPr sz="1800" kern="1200">
+        <a:spcAft>
+          <a:spcPts val="0"/>
+        </a:spcAft>
+        <a:buClr>
+          <a:schemeClr val="accent1"/>
+        </a:buClr>
+        <a:buSzPct val="80000"/>
+        <a:buFont typeface="Wingdings 3" charset="2"/>
+        <a:buChar char=""/>
+        <a:defRPr sz="1200" kern="1200">
           <a:solidFill>
-            <a:schemeClr val="tx1"/>
+            <a:schemeClr val="tx1">
+              <a:lumMod val="75000"/>
+              <a:lumOff val="25000"/>
+            </a:schemeClr>
           </a:solidFill>
           <a:latin typeface="+mn-lt"/>
           <a:ea typeface="+mn-ea"/>
           <a:cs typeface="+mn-cs"/>
         </a:defRPr>
       </a:lvl7pPr>
-      <a:lvl8pPr marL="3429000" indent="-228600" algn="l" defTabSz="914400" rtl="0" eaLnBrk="1" latinLnBrk="0" hangingPunct="1">
-        <a:lnSpc>
-          <a:spcPct val="90000"/>
-        </a:lnSpc>
+      <a:lvl8pPr marL="3429000" indent="-228600" algn="l" defTabSz="457200" rtl="0" eaLnBrk="1" latinLnBrk="0" hangingPunct="1">
         <a:spcBef>
-          <a:spcPts val="500"/>
+          <a:spcPts val="1000"/>
         </a:spcBef>
-        <a:buFont typeface="Arial"/>
-        <a:buChar char="•"/>
-        <a:defRPr sz="1800" kern="1200">
+        <a:spcAft>
+          <a:spcPts val="0"/>
+        </a:spcAft>
+        <a:buClr>
+          <a:schemeClr val="accent1"/>
+        </a:buClr>
+        <a:buSzPct val="80000"/>
+        <a:buFont typeface="Wingdings 3" charset="2"/>
+        <a:buChar char=""/>
+        <a:defRPr sz="1200" kern="1200">
           <a:solidFill>
-            <a:schemeClr val="tx1"/>
+            <a:schemeClr val="tx1">
+              <a:lumMod val="75000"/>
+              <a:lumOff val="25000"/>
+            </a:schemeClr>
           </a:solidFill>
           <a:latin typeface="+mn-lt"/>
           <a:ea typeface="+mn-ea"/>
           <a:cs typeface="+mn-cs"/>
         </a:defRPr>
       </a:lvl8pPr>
-      <a:lvl9pPr marL="3886200" indent="-228600" algn="l" defTabSz="914400" rtl="0" eaLnBrk="1" latinLnBrk="0" hangingPunct="1">
-        <a:lnSpc>
-          <a:spcPct val="90000"/>
-        </a:lnSpc>
+      <a:lvl9pPr marL="3886200" indent="-228600" algn="l" defTabSz="457200" rtl="0" eaLnBrk="1" latinLnBrk="0" hangingPunct="1">
         <a:spcBef>
-          <a:spcPts val="500"/>
+          <a:spcPts val="1000"/>
         </a:spcBef>
-        <a:buFont typeface="Arial"/>
-        <a:buChar char="•"/>
-        <a:defRPr sz="1800" kern="1200">
+        <a:spcAft>
+          <a:spcPts val="0"/>
+        </a:spcAft>
+        <a:buClr>
+          <a:schemeClr val="accent1"/>
+        </a:buClr>
+        <a:buSzPct val="80000"/>
+        <a:buFont typeface="Wingdings 3" charset="2"/>
+        <a:buChar char=""/>
+        <a:defRPr sz="1200" kern="1200">
           <a:solidFill>
-            <a:schemeClr val="tx1"/>
+            <a:schemeClr val="tx1">
+              <a:lumMod val="75000"/>
+              <a:lumOff val="25000"/>
+            </a:schemeClr>
           </a:solidFill>
           <a:latin typeface="+mn-lt"/>
           <a:ea typeface="+mn-ea"/>
@@ -2846,7 +5737,7 @@
       <a:defPPr>
         <a:defRPr lang="en-US"/>
       </a:defPPr>
-      <a:lvl1pPr marL="0" algn="l" defTabSz="914400" rtl="0" eaLnBrk="1" latinLnBrk="0" hangingPunct="1">
+      <a:lvl1pPr marL="0" algn="l" defTabSz="457200" rtl="0" eaLnBrk="1" latinLnBrk="0" hangingPunct="1">
         <a:defRPr sz="1800" kern="1200">
           <a:solidFill>
             <a:schemeClr val="tx1"/>
@@ -2856,7 +5747,7 @@
           <a:cs typeface="+mn-cs"/>
         </a:defRPr>
       </a:lvl1pPr>
-      <a:lvl2pPr marL="457200" algn="l" defTabSz="914400" rtl="0" eaLnBrk="1" latinLnBrk="0" hangingPunct="1">
+      <a:lvl2pPr marL="457200" algn="l" defTabSz="457200" rtl="0" eaLnBrk="1" latinLnBrk="0" hangingPunct="1">
         <a:defRPr sz="1800" kern="1200">
           <a:solidFill>
             <a:schemeClr val="tx1"/>
@@ -2866,7 +5757,7 @@
           <a:cs typeface="+mn-cs"/>
         </a:defRPr>
       </a:lvl2pPr>
-      <a:lvl3pPr marL="914400" algn="l" defTabSz="914400" rtl="0" eaLnBrk="1" latinLnBrk="0" hangingPunct="1">
+      <a:lvl3pPr marL="914400" algn="l" defTabSz="457200" rtl="0" eaLnBrk="1" latinLnBrk="0" hangingPunct="1">
         <a:defRPr sz="1800" kern="1200">
           <a:solidFill>
             <a:schemeClr val="tx1"/>
@@ -2876,7 +5767,7 @@
           <a:cs typeface="+mn-cs"/>
         </a:defRPr>
       </a:lvl3pPr>
-      <a:lvl4pPr marL="1371600" algn="l" defTabSz="914400" rtl="0" eaLnBrk="1" latinLnBrk="0" hangingPunct="1">
+      <a:lvl4pPr marL="1371600" algn="l" defTabSz="457200" rtl="0" eaLnBrk="1" latinLnBrk="0" hangingPunct="1">
         <a:defRPr sz="1800" kern="1200">
           <a:solidFill>
             <a:schemeClr val="tx1"/>
@@ -2886,7 +5777,7 @@
           <a:cs typeface="+mn-cs"/>
         </a:defRPr>
       </a:lvl4pPr>
-      <a:lvl5pPr marL="1828800" algn="l" defTabSz="914400" rtl="0" eaLnBrk="1" latinLnBrk="0" hangingPunct="1">
+      <a:lvl5pPr marL="1828800" algn="l" defTabSz="457200" rtl="0" eaLnBrk="1" latinLnBrk="0" hangingPunct="1">
         <a:defRPr sz="1800" kern="1200">
           <a:solidFill>
             <a:schemeClr val="tx1"/>
@@ -2896,7 +5787,7 @@
           <a:cs typeface="+mn-cs"/>
         </a:defRPr>
       </a:lvl5pPr>
-      <a:lvl6pPr marL="2286000" algn="l" defTabSz="914400" rtl="0" eaLnBrk="1" latinLnBrk="0" hangingPunct="1">
+      <a:lvl6pPr marL="2286000" algn="l" defTabSz="457200" rtl="0" eaLnBrk="1" latinLnBrk="0" hangingPunct="1">
         <a:defRPr sz="1800" kern="1200">
           <a:solidFill>
             <a:schemeClr val="tx1"/>
@@ -2906,7 +5797,7 @@
           <a:cs typeface="+mn-cs"/>
         </a:defRPr>
       </a:lvl6pPr>
-      <a:lvl7pPr marL="2743200" algn="l" defTabSz="914400" rtl="0" eaLnBrk="1" latinLnBrk="0" hangingPunct="1">
+      <a:lvl7pPr marL="2743200" algn="l" defTabSz="457200" rtl="0" eaLnBrk="1" latinLnBrk="0" hangingPunct="1">
         <a:defRPr sz="1800" kern="1200">
           <a:solidFill>
             <a:schemeClr val="tx1"/>
@@ -2916,7 +5807,7 @@
           <a:cs typeface="+mn-cs"/>
         </a:defRPr>
       </a:lvl7pPr>
-      <a:lvl8pPr marL="3200400" algn="l" defTabSz="914400" rtl="0" eaLnBrk="1" latinLnBrk="0" hangingPunct="1">
+      <a:lvl8pPr marL="3200400" algn="l" defTabSz="457200" rtl="0" eaLnBrk="1" latinLnBrk="0" hangingPunct="1">
         <a:defRPr sz="1800" kern="1200">
           <a:solidFill>
             <a:schemeClr val="tx1"/>
@@ -2926,7 +5817,7 @@
           <a:cs typeface="+mn-cs"/>
         </a:defRPr>
       </a:lvl8pPr>
-      <a:lvl9pPr marL="3657600" algn="l" defTabSz="914400" rtl="0" eaLnBrk="1" latinLnBrk="0" hangingPunct="1">
+      <a:lvl9pPr marL="3657600" algn="l" defTabSz="457200" rtl="0" eaLnBrk="1" latinLnBrk="0" hangingPunct="1">
         <a:defRPr sz="1800" kern="1200">
           <a:solidFill>
             <a:schemeClr val="tx1"/>
@@ -2944,6 +5835,14 @@
 <file path=ppt/slides/slide1.xml><?xml version="1.0" encoding="utf-8"?>
 <p:sld xmlns:a="http://schemas.openxmlformats.org/drawingml/2006/main" xmlns:r="http://schemas.openxmlformats.org/officeDocument/2006/relationships" xmlns:p="http://schemas.openxmlformats.org/presentationml/2006/main">
   <p:cSld>
+    <p:bg>
+      <p:bgPr>
+        <a:solidFill>
+          <a:schemeClr val="bg1"/>
+        </a:solidFill>
+        <a:effectLst/>
+      </p:bgPr>
+    </p:bg>
     <p:spTree>
       <p:nvGrpSpPr>
         <p:cNvPr id="1" name=""/>
@@ -2968,7 +5867,12 @@
             <p:ph type="ctrTitle"/>
           </p:nvPr>
         </p:nvSpPr>
-        <p:spPr/>
+        <p:spPr>
+          <a:xfrm>
+            <a:off x="731520" y="928468"/>
+            <a:ext cx="7469945" cy="2264898"/>
+          </a:xfrm>
+        </p:spPr>
         <p:txBody>
           <a:bodyPr>
             <a:normAutofit fontScale="90000"/>
@@ -2976,7 +5880,11 @@
           <a:lstStyle/>
           <a:p>
             <a:r>
-              <a:rPr lang="en-US" u="sng" dirty="0"/>
+              <a:rPr lang="en-US" b="1" u="sng" dirty="0">
+                <a:solidFill>
+                  <a:schemeClr val="tx1"/>
+                </a:solidFill>
+              </a:rPr>
               <a:t>Smart City Monitor: Motion Detection</a:t>
             </a:r>
             <a:br>
@@ -2998,65 +5906,96 @@
             <p:ph type="subTitle" idx="1"/>
           </p:nvPr>
         </p:nvSpPr>
-        <p:spPr/>
+        <p:spPr>
+          <a:xfrm>
+            <a:off x="1507066" y="4599282"/>
+            <a:ext cx="8030829" cy="1096899"/>
+          </a:xfrm>
+        </p:spPr>
         <p:txBody>
           <a:bodyPr>
-            <a:normAutofit fontScale="77500" lnSpcReduction="20000"/>
+            <a:noAutofit/>
           </a:bodyPr>
           <a:lstStyle/>
           <a:p>
-            <a:r>
-              <a:rPr lang="en-US" dirty="0" err="1"/>
+            <a:pPr algn="just"/>
+            <a:r>
+              <a:rPr lang="en-US" sz="2400" dirty="0" err="1"/>
               <a:t>Metin</a:t>
             </a:r>
             <a:r>
-              <a:rPr lang="en-US" dirty="0"/>
+              <a:rPr lang="en-US" sz="2400" dirty="0"/>
               <a:t> </a:t>
             </a:r>
             <a:r>
-              <a:rPr lang="en-US" dirty="0" err="1"/>
+              <a:rPr lang="en-US" sz="2400" dirty="0" err="1"/>
               <a:t>Senturk</a:t>
             </a:r>
-            <a:endParaRPr lang="en-US" dirty="0"/>
-          </a:p>
-          <a:p>
-            <a:r>
-              <a:rPr lang="en-US" dirty="0"/>
+            <a:endParaRPr lang="en-US" sz="2400" dirty="0"/>
+          </a:p>
+          <a:p>
+            <a:pPr algn="just"/>
+            <a:r>
+              <a:rPr lang="en-US" sz="2400" dirty="0"/>
               <a:t>Pooja </a:t>
             </a:r>
             <a:r>
-              <a:rPr lang="en-US" dirty="0" err="1"/>
+              <a:rPr lang="en-US" sz="2400" dirty="0" err="1"/>
               <a:t>Umathe</a:t>
             </a:r>
-            <a:endParaRPr lang="en-US" dirty="0"/>
-          </a:p>
-          <a:p>
-            <a:r>
-              <a:rPr lang="en-US" dirty="0" err="1"/>
+            <a:endParaRPr lang="en-US" sz="2400" dirty="0"/>
+          </a:p>
+          <a:p>
+            <a:pPr algn="just"/>
+            <a:r>
+              <a:rPr lang="en-US" sz="2400" dirty="0" err="1"/>
               <a:t>Janam</a:t>
             </a:r>
             <a:r>
-              <a:rPr lang="en-US" dirty="0"/>
+              <a:rPr lang="en-US" sz="2400" dirty="0"/>
               <a:t> </a:t>
             </a:r>
             <a:r>
-              <a:rPr lang="en-US" dirty="0" err="1"/>
+              <a:rPr lang="en-US" sz="2400" dirty="0" err="1"/>
               <a:t>Dalal</a:t>
             </a:r>
-            <a:endParaRPr lang="en-US" dirty="0"/>
-          </a:p>
-          <a:p>
-            <a:endParaRPr lang="en-US" dirty="0"/>
-          </a:p>
-          <a:p>
-            <a:r>
-              <a:rPr lang="en-US" dirty="0" err="1"/>
-              <a:t>Hfuililsd;dflo</a:t>
-            </a:r>
-            <a:endParaRPr lang="en-US" dirty="0"/>
-          </a:p>
-        </p:txBody>
-      </p:sp>
+            <a:endParaRPr lang="en-US" sz="2400" dirty="0"/>
+          </a:p>
+          <a:p>
+            <a:endParaRPr lang="en-US" sz="2400" dirty="0"/>
+          </a:p>
+        </p:txBody>
+      </p:sp>
+      <p:pic>
+        <p:nvPicPr>
+          <p:cNvPr id="5" name="Picture 4">
+            <a:extLst>
+              <a:ext uri="{FF2B5EF4-FFF2-40B4-BE49-F238E27FC236}">
+                <a16:creationId xmlns:a16="http://schemas.microsoft.com/office/drawing/2014/main" id="{71E8D83A-89B6-4140-8FE1-CC2BB5FE41E7}"/>
+              </a:ext>
+            </a:extLst>
+          </p:cNvPr>
+          <p:cNvPicPr>
+            <a:picLocks noChangeAspect="1"/>
+          </p:cNvPicPr>
+          <p:nvPr/>
+        </p:nvPicPr>
+        <p:blipFill>
+          <a:blip r:embed="rId2"/>
+          <a:stretch>
+            <a:fillRect/>
+          </a:stretch>
+        </p:blipFill>
+        <p:spPr>
+          <a:xfrm>
+            <a:off x="7013917" y="2587723"/>
+            <a:ext cx="2819400" cy="1619250"/>
+          </a:xfrm>
+          <a:prstGeom prst="rect">
+            <a:avLst/>
+          </a:prstGeom>
+        </p:spPr>
+      </p:pic>
     </p:spTree>
     <p:extLst>
       <p:ext uri="{BB962C8B-B14F-4D97-AF65-F5344CB8AC3E}">
@@ -3421,7 +6360,7 @@
           <a:p>
             <a:r>
               <a:rPr lang="en-US" dirty="0"/>
-              <a:t>Tools and Technologies covered</a:t>
+              <a:t>Tools and Technologies covered:</a:t>
             </a:r>
           </a:p>
         </p:txBody>
@@ -3454,10 +6393,9 @@
           </a:p>
           <a:p>
             <a:r>
-              <a:rPr lang="en-US" dirty="0" err="1"/>
+              <a:rPr lang="en-US" dirty="0"/>
               <a:t>Numpy</a:t>
             </a:r>
-            <a:endParaRPr lang="en-US" dirty="0"/>
           </a:p>
           <a:p>
             <a:r>
@@ -3597,7 +6535,7 @@
           <a:p>
             <a:r>
               <a:rPr lang="en-US" dirty="0"/>
-              <a:t>Algorithms</a:t>
+              <a:t>Algorithms:</a:t>
             </a:r>
           </a:p>
         </p:txBody>
@@ -3622,7 +6560,7 @@
             </a:pPr>
             <a:r>
               <a:rPr lang="en-US" dirty="0"/>
-              <a:t>The methods used for the project are the following</a:t>
+              <a:t>The methods used for the project are the following:</a:t>
             </a:r>
           </a:p>
           <a:p>
@@ -3909,6 +6847,14 @@
 <file path=ppt/slides/slide8.xml><?xml version="1.0" encoding="utf-8"?>
 <p:sld xmlns:a="http://schemas.openxmlformats.org/drawingml/2006/main" xmlns:r="http://schemas.openxmlformats.org/officeDocument/2006/relationships" xmlns:p="http://schemas.openxmlformats.org/presentationml/2006/main">
   <p:cSld>
+    <p:bg>
+      <p:bgPr>
+        <a:solidFill>
+          <a:schemeClr val="bg1"/>
+        </a:solidFill>
+        <a:effectLst/>
+      </p:bgPr>
+    </p:bg>
     <p:spTree>
       <p:nvGrpSpPr>
         <p:cNvPr id="1" name=""/>
@@ -3933,17 +6879,81 @@
             <p:ph type="title"/>
           </p:nvPr>
         </p:nvSpPr>
-        <p:spPr/>
-        <p:txBody>
-          <a:bodyPr/>
-          <a:lstStyle/>
-          <a:p>
-            <a:r>
-              <a:rPr lang="en-US" dirty="0"/>
+        <p:spPr>
+          <a:xfrm>
+            <a:off x="677334" y="609600"/>
+            <a:ext cx="8596668" cy="1320800"/>
+          </a:xfrm>
+        </p:spPr>
+        <p:txBody>
+          <a:bodyPr>
+            <a:normAutofit/>
+          </a:bodyPr>
+          <a:lstStyle/>
+          <a:p>
+            <a:r>
+              <a:rPr lang="en-US"/>
               <a:t>	Background Subtraction contd. </a:t>
             </a:r>
-          </a:p>
-        </p:txBody>
+            <a:endParaRPr lang="en-US" dirty="0"/>
+          </a:p>
+        </p:txBody>
+      </p:sp>
+      <p:sp>
+        <p:nvSpPr>
+          <p:cNvPr id="12" name="Isosceles Triangle 8">
+            <a:extLst>
+              <a:ext uri="{FF2B5EF4-FFF2-40B4-BE49-F238E27FC236}">
+                <a16:creationId xmlns:a16="http://schemas.microsoft.com/office/drawing/2014/main" id="{F43F2E2C-73D3-4E55-A2E5-DD5FB3FBC0F5}"/>
+              </a:ext>
+              <a:ext uri="{C183D7F6-B498-43B3-948B-1728B52AA6E4}">
+                <adec:decorative xmlns:adec="http://schemas.microsoft.com/office/drawing/2017/decorative" val="1"/>
+              </a:ext>
+            </a:extLst>
+          </p:cNvPr>
+          <p:cNvSpPr>
+            <a:spLocks noGrp="1" noRot="1" noChangeAspect="1" noMove="1" noResize="1" noEditPoints="1" noAdjustHandles="1" noChangeArrowheads="1" noChangeShapeType="1" noTextEdit="1"/>
+          </p:cNvSpPr>
+          <p:nvPr>
+            <p:extLst>
+              <p:ext uri="{386F3935-93C4-4BCD-93E2-E3B085C9AB24}">
+                <p16:designElem xmlns:p16="http://schemas.microsoft.com/office/powerpoint/2015/main" val="1"/>
+              </p:ext>
+            </p:extLst>
+          </p:nvPr>
+        </p:nvSpPr>
+        <p:spPr>
+          <a:xfrm>
+            <a:off x="0" y="4013201"/>
+            <a:ext cx="476655" cy="2844800"/>
+          </a:xfrm>
+          <a:prstGeom prst="triangle">
+            <a:avLst>
+              <a:gd name="adj" fmla="val 0"/>
+            </a:avLst>
+          </a:prstGeom>
+          <a:solidFill>
+            <a:schemeClr val="accent1"/>
+          </a:solidFill>
+          <a:ln>
+            <a:noFill/>
+          </a:ln>
+          <a:effectLst/>
+        </p:spPr>
+        <p:style>
+          <a:lnRef idx="1">
+            <a:schemeClr val="accent1"/>
+          </a:lnRef>
+          <a:fillRef idx="3">
+            <a:schemeClr val="accent1"/>
+          </a:fillRef>
+          <a:effectRef idx="2">
+            <a:schemeClr val="accent1"/>
+          </a:effectRef>
+          <a:fontRef idx="minor">
+            <a:schemeClr val="lt1"/>
+          </a:fontRef>
+        </p:style>
       </p:sp>
       <p:sp>
         <p:nvSpPr>
@@ -3955,63 +6965,165 @@
             <p:ph idx="1"/>
           </p:nvPr>
         </p:nvSpPr>
-        <p:spPr/>
-        <p:txBody>
-          <a:bodyPr/>
-          <a:lstStyle/>
-          <a:p>
-            <a:pPr lvl="1"/>
-            <a:r>
-              <a:rPr lang="en-US" dirty="0"/>
+        <p:spPr>
+          <a:xfrm>
+            <a:off x="681001" y="2160589"/>
+            <a:ext cx="5211607" cy="3880773"/>
+          </a:xfrm>
+        </p:spPr>
+        <p:txBody>
+          <a:bodyPr>
+            <a:normAutofit/>
+          </a:bodyPr>
+          <a:lstStyle/>
+          <a:p>
+            <a:pPr lvl="1">
+              <a:lnSpc>
+                <a:spcPct val="90000"/>
+              </a:lnSpc>
+            </a:pPr>
+            <a:r>
+              <a:rPr lang="en-US"/>
               <a:t>Locating differences within two </a:t>
             </a:r>
             <a:r>
-              <a:rPr lang="en-US" b="1" dirty="0"/>
+              <a:rPr lang="en-US" b="1"/>
               <a:t>frames.</a:t>
             </a:r>
           </a:p>
           <a:p>
-            <a:pPr lvl="1"/>
-            <a:r>
-              <a:rPr lang="en-US" dirty="0"/>
+            <a:pPr lvl="1">
+              <a:lnSpc>
+                <a:spcPct val="90000"/>
+              </a:lnSpc>
+            </a:pPr>
+            <a:r>
+              <a:rPr lang="en-US"/>
               <a:t>The first </a:t>
             </a:r>
             <a:r>
-              <a:rPr lang="en-US" b="1" dirty="0"/>
+              <a:rPr lang="en-US" b="1"/>
               <a:t>frame</a:t>
             </a:r>
             <a:r>
-              <a:rPr lang="en-US" dirty="0"/>
+              <a:rPr lang="en-US"/>
               <a:t> captured is assumed to be the background of the environment (T0), and following with the future </a:t>
             </a:r>
             <a:r>
-              <a:rPr lang="en-US" b="1" dirty="0"/>
+              <a:rPr lang="en-US" b="1"/>
               <a:t>frames</a:t>
             </a:r>
             <a:r>
-              <a:rPr lang="en-US" dirty="0"/>
+              <a:rPr lang="en-US"/>
               <a:t> their will be a comparison against T0 frame in order to recognize and differentiate object presence/motion. </a:t>
             </a:r>
           </a:p>
           <a:p>
-            <a:pPr lvl="1"/>
-            <a:r>
-              <a:rPr lang="en-US" dirty="0"/>
+            <a:pPr lvl="1">
+              <a:lnSpc>
+                <a:spcPct val="90000"/>
+              </a:lnSpc>
+            </a:pPr>
+            <a:r>
+              <a:rPr lang="en-US"/>
               <a:t>Also, the step mentioned above can be further advanced by the means of comparing the current frame (T(N)) and then following by measuring the results against (T(N-1))</a:t>
             </a:r>
           </a:p>
           <a:p>
-            <a:pPr lvl="1"/>
-            <a:r>
-              <a:rPr lang="en-US" dirty="0"/>
+            <a:pPr lvl="1">
+              <a:lnSpc>
+                <a:spcPct val="90000"/>
+              </a:lnSpc>
+            </a:pPr>
+            <a:r>
+              <a:rPr lang="en-US"/>
               <a:t>Once difference is identified between the number of frames, a threshold frame will be created.</a:t>
             </a:r>
           </a:p>
           <a:p>
+            <a:pPr lvl="1">
+              <a:lnSpc>
+                <a:spcPct val="90000"/>
+              </a:lnSpc>
+            </a:pPr>
+            <a:endParaRPr lang="en-US"/>
+          </a:p>
+          <a:p>
+            <a:pPr lvl="1">
+              <a:lnSpc>
+                <a:spcPct val="90000"/>
+              </a:lnSpc>
+            </a:pPr>
+            <a:endParaRPr lang="en-US"/>
+          </a:p>
+          <a:p>
+            <a:pPr>
+              <a:lnSpc>
+                <a:spcPct val="90000"/>
+              </a:lnSpc>
+            </a:pPr>
             <a:endParaRPr lang="en-US" dirty="0"/>
           </a:p>
         </p:txBody>
       </p:sp>
+      <p:pic>
+        <p:nvPicPr>
+          <p:cNvPr id="7" name="Picture 6">
+            <a:extLst>
+              <a:ext uri="{FF2B5EF4-FFF2-40B4-BE49-F238E27FC236}">
+                <a16:creationId xmlns:a16="http://schemas.microsoft.com/office/drawing/2014/main" id="{2BFE820F-879D-406D-9853-2A7E8BEDCF8A}"/>
+              </a:ext>
+            </a:extLst>
+          </p:cNvPr>
+          <p:cNvPicPr>
+            <a:picLocks noChangeAspect="1"/>
+          </p:cNvPicPr>
+          <p:nvPr/>
+        </p:nvPicPr>
+        <p:blipFill rotWithShape="1">
+          <a:blip r:embed="rId2"/>
+          <a:srcRect l="3177" r="-6" b="-6"/>
+          <a:stretch/>
+        </p:blipFill>
+        <p:spPr>
+          <a:xfrm>
+            <a:off x="6129404" y="2158073"/>
+            <a:ext cx="3144597" cy="1826881"/>
+          </a:xfrm>
+          <a:prstGeom prst="rect">
+            <a:avLst/>
+          </a:prstGeom>
+        </p:spPr>
+      </p:pic>
+      <p:pic>
+        <p:nvPicPr>
+          <p:cNvPr id="5" name="Picture 4">
+            <a:extLst>
+              <a:ext uri="{FF2B5EF4-FFF2-40B4-BE49-F238E27FC236}">
+                <a16:creationId xmlns:a16="http://schemas.microsoft.com/office/drawing/2014/main" id="{03B32519-E26D-46F8-9FB2-AEA001CADBA8}"/>
+              </a:ext>
+            </a:extLst>
+          </p:cNvPr>
+          <p:cNvPicPr>
+            <a:picLocks noChangeAspect="1"/>
+          </p:cNvPicPr>
+          <p:nvPr/>
+        </p:nvPicPr>
+        <p:blipFill rotWithShape="1">
+          <a:blip r:embed="rId3"/>
+          <a:srcRect r="3172" b="-5"/>
+          <a:stretch/>
+        </p:blipFill>
+        <p:spPr>
+          <a:xfrm>
+            <a:off x="6129404" y="4214811"/>
+            <a:ext cx="3144597" cy="1826881"/>
+          </a:xfrm>
+          <a:prstGeom prst="rect">
+            <a:avLst/>
+          </a:prstGeom>
+        </p:spPr>
+      </p:pic>
     </p:spTree>
     <p:extLst>
       <p:ext uri="{BB962C8B-B14F-4D97-AF65-F5344CB8AC3E}">
@@ -4028,6 +7140,14 @@
 <file path=ppt/slides/slide9.xml><?xml version="1.0" encoding="utf-8"?>
 <p:sld xmlns:a="http://schemas.openxmlformats.org/drawingml/2006/main" xmlns:r="http://schemas.openxmlformats.org/officeDocument/2006/relationships" xmlns:p="http://schemas.openxmlformats.org/presentationml/2006/main">
   <p:cSld>
+    <p:bg>
+      <p:bgPr>
+        <a:solidFill>
+          <a:schemeClr val="bg1"/>
+        </a:solidFill>
+        <a:effectLst/>
+      </p:bgPr>
+    </p:bg>
     <p:spTree>
       <p:nvGrpSpPr>
         <p:cNvPr id="1" name=""/>
@@ -4052,13 +7172,20 @@
             <p:ph type="title"/>
           </p:nvPr>
         </p:nvSpPr>
-        <p:spPr/>
-        <p:txBody>
-          <a:bodyPr/>
-          <a:lstStyle/>
-          <a:p>
-            <a:r>
-              <a:rPr lang="en-US" dirty="0"/>
+        <p:spPr>
+          <a:xfrm>
+            <a:off x="677334" y="609600"/>
+            <a:ext cx="8596668" cy="1320800"/>
+          </a:xfrm>
+        </p:spPr>
+        <p:txBody>
+          <a:bodyPr>
+            <a:normAutofit/>
+          </a:bodyPr>
+          <a:lstStyle/>
+          <a:p>
+            <a:r>
+              <a:rPr lang="en-US"/>
               <a:t>	Background Subtraction contd. </a:t>
             </a:r>
           </a:p>
@@ -4066,6 +7193,62 @@
       </p:sp>
       <p:sp>
         <p:nvSpPr>
+          <p:cNvPr id="12" name="Isosceles Triangle 8">
+            <a:extLst>
+              <a:ext uri="{FF2B5EF4-FFF2-40B4-BE49-F238E27FC236}">
+                <a16:creationId xmlns:a16="http://schemas.microsoft.com/office/drawing/2014/main" id="{F43F2E2C-73D3-4E55-A2E5-DD5FB3FBC0F5}"/>
+              </a:ext>
+              <a:ext uri="{C183D7F6-B498-43B3-948B-1728B52AA6E4}">
+                <adec:decorative xmlns:adec="http://schemas.microsoft.com/office/drawing/2017/decorative" val="1"/>
+              </a:ext>
+            </a:extLst>
+          </p:cNvPr>
+          <p:cNvSpPr>
+            <a:spLocks noGrp="1" noRot="1" noChangeAspect="1" noMove="1" noResize="1" noEditPoints="1" noAdjustHandles="1" noChangeArrowheads="1" noChangeShapeType="1" noTextEdit="1"/>
+          </p:cNvSpPr>
+          <p:nvPr>
+            <p:extLst>
+              <p:ext uri="{386F3935-93C4-4BCD-93E2-E3B085C9AB24}">
+                <p16:designElem xmlns:p16="http://schemas.microsoft.com/office/powerpoint/2015/main" val="1"/>
+              </p:ext>
+            </p:extLst>
+          </p:nvPr>
+        </p:nvSpPr>
+        <p:spPr>
+          <a:xfrm>
+            <a:off x="0" y="4013201"/>
+            <a:ext cx="476655" cy="2844800"/>
+          </a:xfrm>
+          <a:prstGeom prst="triangle">
+            <a:avLst>
+              <a:gd name="adj" fmla="val 0"/>
+            </a:avLst>
+          </a:prstGeom>
+          <a:solidFill>
+            <a:schemeClr val="accent1"/>
+          </a:solidFill>
+          <a:ln>
+            <a:noFill/>
+          </a:ln>
+          <a:effectLst/>
+        </p:spPr>
+        <p:style>
+          <a:lnRef idx="1">
+            <a:schemeClr val="accent1"/>
+          </a:lnRef>
+          <a:fillRef idx="3">
+            <a:schemeClr val="accent1"/>
+          </a:fillRef>
+          <a:effectRef idx="2">
+            <a:schemeClr val="accent1"/>
+          </a:effectRef>
+          <a:fontRef idx="minor">
+            <a:schemeClr val="lt1"/>
+          </a:fontRef>
+        </p:style>
+      </p:sp>
+      <p:sp>
+        <p:nvSpPr>
           <p:cNvPr id="3" name="Content Placeholder 2"/>
           <p:cNvSpPr>
             <a:spLocks noGrp="1"/>
@@ -4074,9 +7257,16 @@
             <p:ph idx="1"/>
           </p:nvPr>
         </p:nvSpPr>
-        <p:spPr/>
-        <p:txBody>
-          <a:bodyPr/>
+        <p:spPr>
+          <a:xfrm>
+            <a:off x="681001" y="2160589"/>
+            <a:ext cx="5211607" cy="3880773"/>
+          </a:xfrm>
+        </p:spPr>
+        <p:txBody>
+          <a:bodyPr>
+            <a:normAutofit/>
+          </a:bodyPr>
           <a:lstStyle/>
           <a:p>
             <a:pPr marL="0" indent="0">
@@ -4086,15 +7276,27 @@
               <a:rPr lang="en-US" dirty="0"/>
               <a:t>Identifying shape of objects in the frame</a:t>
             </a:r>
+            <a:endParaRPr lang="en-US"/>
           </a:p>
           <a:p>
             <a:r>
               <a:rPr lang="en-US" dirty="0"/>
-              <a:t>The moving objects in the frame is recognized and highlighted with a rectangle.  </a:t>
-            </a:r>
-          </a:p>
-          <a:p>
-            <a:endParaRPr lang="en-US" dirty="0"/>
+              <a:t>The moving objects in the frame is recognized and highlighted with a rectangle. </a:t>
+            </a:r>
+            <a:endParaRPr lang="en-US"/>
+          </a:p>
+          <a:p>
+            <a:pPr marL="0" indent="0">
+              <a:buNone/>
+            </a:pPr>
+            <a:r>
+              <a:rPr lang="en-US" dirty="0"/>
+              <a:t> </a:t>
+            </a:r>
+            <a:endParaRPr lang="en-US"/>
+          </a:p>
+          <a:p>
+            <a:endParaRPr lang="en-US"/>
           </a:p>
           <a:p>
             <a:pPr marL="0" indent="0">
@@ -4104,16 +7306,75 @@
               <a:rPr lang="en-US" dirty="0"/>
               <a:t>Displaying video results</a:t>
             </a:r>
-          </a:p>
-          <a:p>
-            <a:r>
-              <a:rPr lang="en-US"/>
+            <a:endParaRPr lang="en-US"/>
+          </a:p>
+          <a:p>
+            <a:r>
+              <a:rPr lang="en-US" dirty="0"/>
               <a:t>Thus results will be created allowing for user to investigate scenario. </a:t>
             </a:r>
-            <a:endParaRPr lang="en-US" dirty="0"/>
-          </a:p>
-        </p:txBody>
-      </p:sp>
+            <a:endParaRPr lang="en-US"/>
+          </a:p>
+        </p:txBody>
+      </p:sp>
+      <p:pic>
+        <p:nvPicPr>
+          <p:cNvPr id="5" name="Picture 4">
+            <a:extLst>
+              <a:ext uri="{FF2B5EF4-FFF2-40B4-BE49-F238E27FC236}">
+                <a16:creationId xmlns:a16="http://schemas.microsoft.com/office/drawing/2014/main" id="{F91374F0-48B7-4070-864C-0CE3A4B323B4}"/>
+              </a:ext>
+            </a:extLst>
+          </p:cNvPr>
+          <p:cNvPicPr>
+            <a:picLocks noChangeAspect="1"/>
+          </p:cNvPicPr>
+          <p:nvPr/>
+        </p:nvPicPr>
+        <p:blipFill rotWithShape="1">
+          <a:blip r:embed="rId2"/>
+          <a:srcRect l="3177" r="-6" b="-6"/>
+          <a:stretch/>
+        </p:blipFill>
+        <p:spPr>
+          <a:xfrm>
+            <a:off x="6129404" y="2158073"/>
+            <a:ext cx="3144597" cy="1826881"/>
+          </a:xfrm>
+          <a:prstGeom prst="rect">
+            <a:avLst/>
+          </a:prstGeom>
+        </p:spPr>
+      </p:pic>
+      <p:pic>
+        <p:nvPicPr>
+          <p:cNvPr id="7" name="Picture 6">
+            <a:extLst>
+              <a:ext uri="{FF2B5EF4-FFF2-40B4-BE49-F238E27FC236}">
+                <a16:creationId xmlns:a16="http://schemas.microsoft.com/office/drawing/2014/main" id="{297FC6A7-B6F3-45C4-AE01-26D0D2FDBED5}"/>
+              </a:ext>
+            </a:extLst>
+          </p:cNvPr>
+          <p:cNvPicPr>
+            <a:picLocks noChangeAspect="1"/>
+          </p:cNvPicPr>
+          <p:nvPr/>
+        </p:nvPicPr>
+        <p:blipFill rotWithShape="1">
+          <a:blip r:embed="rId3"/>
+          <a:srcRect l="3177" r="-6" b="-6"/>
+          <a:stretch/>
+        </p:blipFill>
+        <p:spPr>
+          <a:xfrm>
+            <a:off x="6129404" y="4214811"/>
+            <a:ext cx="3144597" cy="1826881"/>
+          </a:xfrm>
+          <a:prstGeom prst="rect">
+            <a:avLst/>
+          </a:prstGeom>
+        </p:spPr>
+      </p:pic>
     </p:spTree>
     <p:extLst>
       <p:ext uri="{BB962C8B-B14F-4D97-AF65-F5344CB8AC3E}">
@@ -4128,9 +7389,9 @@
 </file>
 
 <file path=ppt/theme/theme1.xml><?xml version="1.0" encoding="utf-8"?>
-<a:theme xmlns:a="http://schemas.openxmlformats.org/drawingml/2006/main" name="Office Theme">
+<a:theme xmlns:a="http://schemas.openxmlformats.org/drawingml/2006/main" name="Facet">
   <a:themeElements>
-    <a:clrScheme name="Office">
+    <a:clrScheme name="Facet">
       <a:dk1>
         <a:sysClr val="windowText" lastClr="000000"/>
       </a:dk1>
@@ -4138,52 +7399,52 @@
         <a:sysClr val="window" lastClr="FFFFFF"/>
       </a:lt1>
       <a:dk2>
-        <a:srgbClr val="44546A"/>
+        <a:srgbClr val="2C3C43"/>
       </a:dk2>
       <a:lt2>
-        <a:srgbClr val="E7E6E6"/>
+        <a:srgbClr val="EBEBEB"/>
       </a:lt2>
       <a:accent1>
-        <a:srgbClr val="5B9BD5"/>
+        <a:srgbClr val="5FCBEF"/>
       </a:accent1>
       <a:accent2>
-        <a:srgbClr val="ED7D31"/>
+        <a:srgbClr val="2E83C3"/>
       </a:accent2>
       <a:accent3>
-        <a:srgbClr val="A5A5A5"/>
+        <a:srgbClr val="42D0A2"/>
       </a:accent3>
       <a:accent4>
-        <a:srgbClr val="FFC000"/>
+        <a:srgbClr val="2E946B"/>
       </a:accent4>
       <a:accent5>
-        <a:srgbClr val="4472C4"/>
+        <a:srgbClr val="42B051"/>
       </a:accent5>
       <a:accent6>
-        <a:srgbClr val="70AD47"/>
+        <a:srgbClr val="96D141"/>
       </a:accent6>
       <a:hlink>
-        <a:srgbClr val="0563C1"/>
+        <a:srgbClr val="3FCDE7"/>
       </a:hlink>
       <a:folHlink>
-        <a:srgbClr val="954F72"/>
+        <a:srgbClr val="A9D3E1"/>
       </a:folHlink>
     </a:clrScheme>
-    <a:fontScheme name="Office">
+    <a:fontScheme name="Facet">
       <a:majorFont>
-        <a:latin typeface="Calibri Light" panose="020F0302020204030204"/>
+        <a:latin typeface="Trebuchet MS" panose="020B0603020202020204"/>
         <a:ea typeface=""/>
         <a:cs typeface=""/>
-        <a:font script="Jpan" typeface="Yu Gothic Light"/>
+        <a:font script="Jpan" typeface="メイリオ"/>
         <a:font script="Hang" typeface="맑은 고딕"/>
-        <a:font script="Hans" typeface="DengXian Light"/>
-        <a:font script="Hant" typeface="新細明體"/>
-        <a:font script="Arab" typeface="Times New Roman"/>
-        <a:font script="Hebr" typeface="Times New Roman"/>
-        <a:font script="Thai" typeface="Angsana New"/>
+        <a:font script="Hans" typeface="方正姚体"/>
+        <a:font script="Hant" typeface="微軟正黑體"/>
+        <a:font script="Arab" typeface="Tahoma"/>
+        <a:font script="Hebr" typeface="Arial"/>
+        <a:font script="Thai" typeface="Cordia New"/>
         <a:font script="Ethi" typeface="Nyala"/>
         <a:font script="Beng" typeface="Vrinda"/>
         <a:font script="Gujr" typeface="Shruti"/>
-        <a:font script="Khmr" typeface="MoolBoran"/>
+        <a:font script="Khmr" typeface="DaunPenh"/>
         <a:font script="Knda" typeface="Tunga"/>
         <a:font script="Guru" typeface="Raavi"/>
         <a:font script="Cans" typeface="Euphemia"/>
@@ -4200,21 +7461,21 @@
         <a:font script="Laoo" typeface="DokChampa"/>
         <a:font script="Sinh" typeface="Iskoola Pota"/>
         <a:font script="Mong" typeface="Mongolian Baiti"/>
-        <a:font script="Viet" typeface="Times New Roman"/>
+        <a:font script="Viet" typeface="Tahoma"/>
         <a:font script="Uigh" typeface="Microsoft Uighur"/>
         <a:font script="Geor" typeface="Sylfaen"/>
       </a:majorFont>
       <a:minorFont>
-        <a:latin typeface="Calibri" panose="020F0502020204030204"/>
+        <a:latin typeface="Trebuchet MS" panose="020B0603020202020204"/>
         <a:ea typeface=""/>
         <a:cs typeface=""/>
-        <a:font script="Jpan" typeface="Yu Gothic"/>
-        <a:font script="Hang" typeface="맑은 고딕"/>
-        <a:font script="Hans" typeface="DengXian"/>
-        <a:font script="Hant" typeface="新細明體"/>
-        <a:font script="Arab" typeface="Arial"/>
-        <a:font script="Hebr" typeface="Arial"/>
-        <a:font script="Thai" typeface="Cordia New"/>
+        <a:font script="Jpan" typeface="メイリオ"/>
+        <a:font script="Hang" typeface="HY그래픽M"/>
+        <a:font script="Hans" typeface="华文新魏"/>
+        <a:font script="Hant" typeface="微軟正黑體"/>
+        <a:font script="Arab" typeface="Tahoma"/>
+        <a:font script="Hebr" typeface="Gisha"/>
+        <a:font script="Thai" typeface="IrisUPC"/>
         <a:font script="Ethi" typeface="Nyala"/>
         <a:font script="Beng" typeface="Vrinda"/>
         <a:font script="Gujr" typeface="Shruti"/>
@@ -4240,7 +7501,7 @@
         <a:font script="Geor" typeface="Sylfaen"/>
       </a:minorFont>
     </a:fontScheme>
-    <a:fmtScheme name="Office">
+    <a:fmtScheme name="Facet">
       <a:fillStyleLst>
         <a:solidFill>
           <a:schemeClr val="phClr"/>
@@ -4249,23 +7510,13 @@
           <a:gsLst>
             <a:gs pos="0">
               <a:schemeClr val="phClr">
+                <a:tint val="65000"/>
                 <a:lumMod val="110000"/>
-                <a:satMod val="105000"/>
-                <a:tint val="67000"/>
               </a:schemeClr>
             </a:gs>
-            <a:gs pos="50000">
+            <a:gs pos="88000">
               <a:schemeClr val="phClr">
-                <a:lumMod val="105000"/>
-                <a:satMod val="103000"/>
-                <a:tint val="73000"/>
-              </a:schemeClr>
-            </a:gs>
-            <a:gs pos="100000">
-              <a:schemeClr val="phClr">
-                <a:lumMod val="105000"/>
-                <a:satMod val="109000"/>
-                <a:tint val="81000"/>
+                <a:tint val="90000"/>
               </a:schemeClr>
             </a:gs>
           </a:gsLst>
@@ -4275,23 +7526,14 @@
           <a:gsLst>
             <a:gs pos="0">
               <a:schemeClr val="phClr">
-                <a:satMod val="103000"/>
-                <a:lumMod val="102000"/>
-                <a:tint val="94000"/>
+                <a:tint val="96000"/>
+                <a:lumMod val="100000"/>
               </a:schemeClr>
             </a:gs>
-            <a:gs pos="50000">
+            <a:gs pos="78000">
               <a:schemeClr val="phClr">
-                <a:satMod val="110000"/>
-                <a:lumMod val="100000"/>
-                <a:shade val="100000"/>
-              </a:schemeClr>
-            </a:gs>
-            <a:gs pos="100000">
-              <a:schemeClr val="phClr">
-                <a:lumMod val="99000"/>
-                <a:satMod val="120000"/>
-                <a:shade val="78000"/>
+                <a:shade val="94000"/>
+                <a:lumMod val="94000"/>
               </a:schemeClr>
             </a:gs>
           </a:gsLst>
@@ -4299,26 +7541,23 @@
         </a:gradFill>
       </a:fillStyleLst>
       <a:lnStyleLst>
-        <a:ln w="6350" cap="flat" cmpd="sng" algn="ctr">
+        <a:ln w="12700" cap="rnd" cmpd="sng" algn="ctr">
           <a:solidFill>
             <a:schemeClr val="phClr"/>
           </a:solidFill>
           <a:prstDash val="solid"/>
-          <a:miter lim="800000"/>
         </a:ln>
-        <a:ln w="12700" cap="flat" cmpd="sng" algn="ctr">
+        <a:ln w="19050" cap="rnd" cmpd="sng" algn="ctr">
           <a:solidFill>
             <a:schemeClr val="phClr"/>
           </a:solidFill>
           <a:prstDash val="solid"/>
-          <a:miter lim="800000"/>
         </a:ln>
-        <a:ln w="19050" cap="flat" cmpd="sng" algn="ctr">
+        <a:ln w="25400" cap="rnd" cmpd="sng" algn="ctr">
           <a:solidFill>
             <a:schemeClr val="phClr"/>
           </a:solidFill>
           <a:prstDash val="solid"/>
-          <a:miter lim="800000"/>
         </a:ln>
       </a:lnStyleLst>
       <a:effectStyleLst>
@@ -4326,54 +7565,72 @@
           <a:effectLst/>
         </a:effectStyle>
         <a:effectStyle>
-          <a:effectLst/>
+          <a:effectLst>
+            <a:outerShdw blurRad="38100" dist="25400" dir="5400000" rotWithShape="0">
+              <a:srgbClr val="000000">
+                <a:alpha val="35000"/>
+              </a:srgbClr>
+            </a:outerShdw>
+          </a:effectLst>
         </a:effectStyle>
         <a:effectStyle>
           <a:effectLst>
-            <a:outerShdw blurRad="57150" dist="19050" dir="5400000" algn="ctr" rotWithShape="0">
+            <a:outerShdw blurRad="50800" dist="38100" dir="5400000" rotWithShape="0">
               <a:srgbClr val="000000">
-                <a:alpha val="63000"/>
+                <a:alpha val="35000"/>
               </a:srgbClr>
             </a:outerShdw>
           </a:effectLst>
+          <a:scene3d>
+            <a:camera prst="orthographicFront">
+              <a:rot lat="0" lon="0" rev="0"/>
+            </a:camera>
+            <a:lightRig rig="threePt" dir="tl"/>
+          </a:scene3d>
+          <a:sp3d prstMaterial="plastic">
+            <a:bevelT w="0" h="0"/>
+          </a:sp3d>
         </a:effectStyle>
       </a:effectStyleLst>
       <a:bgFillStyleLst>
         <a:solidFill>
           <a:schemeClr val="phClr"/>
         </a:solidFill>
-        <a:solidFill>
-          <a:schemeClr val="phClr">
-            <a:tint val="95000"/>
-            <a:satMod val="170000"/>
-          </a:schemeClr>
-        </a:solidFill>
         <a:gradFill rotWithShape="1">
           <a:gsLst>
             <a:gs pos="0">
               <a:schemeClr val="phClr">
-                <a:tint val="93000"/>
-                <a:satMod val="150000"/>
-                <a:shade val="98000"/>
-                <a:lumMod val="102000"/>
+                <a:tint val="90000"/>
+                <a:lumMod val="104000"/>
               </a:schemeClr>
             </a:gs>
-            <a:gs pos="50000">
+            <a:gs pos="94000">
               <a:schemeClr val="phClr">
-                <a:tint val="98000"/>
-                <a:satMod val="130000"/>
-                <a:shade val="90000"/>
-                <a:lumMod val="103000"/>
+                <a:shade val="96000"/>
+                <a:lumMod val="82000"/>
+              </a:schemeClr>
+            </a:gs>
+          </a:gsLst>
+          <a:lin ang="5400000" scaled="0"/>
+        </a:gradFill>
+        <a:gradFill rotWithShape="1">
+          <a:gsLst>
+            <a:gs pos="0">
+              <a:schemeClr val="phClr">
+                <a:tint val="90000"/>
+                <a:lumMod val="110000"/>
               </a:schemeClr>
             </a:gs>
             <a:gs pos="100000">
               <a:schemeClr val="phClr">
-                <a:shade val="63000"/>
-                <a:satMod val="120000"/>
+                <a:shade val="94000"/>
+                <a:lumMod val="96000"/>
               </a:schemeClr>
             </a:gs>
           </a:gsLst>
-          <a:lin ang="5400000" scaled="0"/>
+          <a:path path="circle">
+            <a:fillToRect l="50000" t="50000" r="100000" b="100000"/>
+          </a:path>
         </a:gradFill>
       </a:bgFillStyleLst>
     </a:fmtScheme>
@@ -4382,7 +7639,7 @@
   <a:extraClrSchemeLst/>
   <a:extLst>
     <a:ext uri="{05A4C25C-085E-4340-85A3-A5531E510DB2}">
-      <thm15:themeFamily xmlns:thm15="http://schemas.microsoft.com/office/thememl/2012/main" name="Office Theme" id="{62F939B6-93AF-4DB8-9C6B-D6C7DFDC589F}" vid="{4A3C46E8-61CC-4603-A589-7422A47A8E4A}"/>
+      <thm15:themeFamily xmlns:thm15="http://schemas.microsoft.com/office/thememl/2012/main" name="Facet" id="{C0C680CD-088A-49FC-A102-D699147F32B2}" vid="{0B5AB586-D108-4FC1-8368-649FE654B894}"/>
     </a:ext>
   </a:extLst>
 </a:theme>
